--- a/Презентации/4 Урок.Теги для верстки структуры контента. .pptx
+++ b/Презентации/4 Урок.Теги для верстки структуры контента. .pptx
@@ -1,28 +1,26 @@
 
 <file path=ppt/presentation.xml><?xml version="1.0" encoding="utf-8"?>
-<p:presentation xmlns:a="http://schemas.openxmlformats.org/drawingml/2006/main" xmlns:r="http://schemas.openxmlformats.org/officeDocument/2006/relationships" xmlns:mc="http://schemas.openxmlformats.org/markup-compatibility/2006" xmlns:mv="urn:schemas-microsoft-com:mac:vml" xmlns:p="http://schemas.openxmlformats.org/presentationml/2006/main" xmlns:c="http://schemas.openxmlformats.org/drawingml/2006/chart" xmlns:dgm="http://schemas.openxmlformats.org/drawingml/2006/diagram" xmlns:o="urn:schemas-microsoft-com:office:office" xmlns:v="urn:schemas-microsoft-com:vml" xmlns:pvml="urn:schemas-microsoft-com:office:powerpoint" xmlns:com="http://schemas.openxmlformats.org/drawingml/2006/compatibility" xmlns:p14="http://schemas.microsoft.com/office/powerpoint/2010/main" xmlns:p15="http://schemas.microsoft.com/office/powerpoint/2012/main" xmlns:ahyp="http://schemas.microsoft.com/office/drawing/2018/hyperlinkcolor" autoCompressPictures="0" strictFirstAndLastChars="0" saveSubsetFonts="1">
+<p:presentation xmlns:a="http://schemas.openxmlformats.org/drawingml/2006/main" xmlns:r="http://schemas.openxmlformats.org/officeDocument/2006/relationships" xmlns:p="http://schemas.openxmlformats.org/presentationml/2006/main" strictFirstAndLastChars="0" saveSubsetFonts="1" autoCompressPictures="0">
   <p:sldMasterIdLst>
-    <p:sldMasterId id="2147483659" r:id="rId4"/>
+    <p:sldMasterId id="2147483659" r:id="rId1"/>
   </p:sldMasterIdLst>
   <p:notesMasterIdLst>
-    <p:notesMasterId r:id="rId5"/>
+    <p:notesMasterId r:id="rId10"/>
   </p:notesMasterIdLst>
   <p:sldIdLst>
-    <p:sldId id="256" r:id="rId6"/>
-    <p:sldId id="257" r:id="rId7"/>
-    <p:sldId id="258" r:id="rId8"/>
-    <p:sldId id="259" r:id="rId9"/>
-    <p:sldId id="260" r:id="rId10"/>
-    <p:sldId id="261" r:id="rId11"/>
-    <p:sldId id="262" r:id="rId12"/>
-    <p:sldId id="263" r:id="rId13"/>
-    <p:sldId id="264" r:id="rId14"/>
-    <p:sldId id="265" r:id="rId15"/>
+    <p:sldId id="256" r:id="rId2"/>
+    <p:sldId id="259" r:id="rId3"/>
+    <p:sldId id="260" r:id="rId4"/>
+    <p:sldId id="261" r:id="rId5"/>
+    <p:sldId id="262" r:id="rId6"/>
+    <p:sldId id="263" r:id="rId7"/>
+    <p:sldId id="264" r:id="rId8"/>
+    <p:sldId id="265" r:id="rId9"/>
   </p:sldIdLst>
-  <p:sldSz cy="5143500" cx="9144000"/>
+  <p:sldSz cx="9144000" cy="5143500" type="screen16x9"/>
   <p:notesSz cx="6858000" cy="9144000"/>
   <p:defaultTextStyle>
-    <a:defPPr lvl="0" marR="0" rtl="0" algn="l">
+    <a:defPPr marR="0" lvl="0" algn="l" rtl="0">
       <a:lnSpc>
         <a:spcPct val="100000"/>
       </a:lnSpc>
@@ -33,7 +31,7 @@
         <a:spcPts val="0"/>
       </a:spcAft>
     </a:defPPr>
-    <a:lvl1pPr lvl="0" marR="0" rtl="0" algn="l">
+    <a:lvl1pPr marR="0" lvl="0" algn="l" rtl="0">
       <a:lnSpc>
         <a:spcPct val="100000"/>
       </a:lnSpc>
@@ -47,7 +45,7 @@
         <a:srgbClr val="000000"/>
       </a:buClr>
       <a:buFont typeface="Arial"/>
-      <a:defRPr b="0" i="0" sz="1400" u="none" cap="none" strike="noStrike">
+      <a:defRPr sz="1400" b="0" i="0" u="none" strike="noStrike" cap="none">
         <a:solidFill>
           <a:srgbClr val="000000"/>
         </a:solidFill>
@@ -57,7 +55,7 @@
         <a:sym typeface="Arial"/>
       </a:defRPr>
     </a:lvl1pPr>
-    <a:lvl2pPr lvl="1" marR="0" rtl="0" algn="l">
+    <a:lvl2pPr marR="0" lvl="1" algn="l" rtl="0">
       <a:lnSpc>
         <a:spcPct val="100000"/>
       </a:lnSpc>
@@ -71,7 +69,7 @@
         <a:srgbClr val="000000"/>
       </a:buClr>
       <a:buFont typeface="Arial"/>
-      <a:defRPr b="0" i="0" sz="1400" u="none" cap="none" strike="noStrike">
+      <a:defRPr sz="1400" b="0" i="0" u="none" strike="noStrike" cap="none">
         <a:solidFill>
           <a:srgbClr val="000000"/>
         </a:solidFill>
@@ -81,7 +79,7 @@
         <a:sym typeface="Arial"/>
       </a:defRPr>
     </a:lvl2pPr>
-    <a:lvl3pPr lvl="2" marR="0" rtl="0" algn="l">
+    <a:lvl3pPr marR="0" lvl="2" algn="l" rtl="0">
       <a:lnSpc>
         <a:spcPct val="100000"/>
       </a:lnSpc>
@@ -95,7 +93,7 @@
         <a:srgbClr val="000000"/>
       </a:buClr>
       <a:buFont typeface="Arial"/>
-      <a:defRPr b="0" i="0" sz="1400" u="none" cap="none" strike="noStrike">
+      <a:defRPr sz="1400" b="0" i="0" u="none" strike="noStrike" cap="none">
         <a:solidFill>
           <a:srgbClr val="000000"/>
         </a:solidFill>
@@ -105,7 +103,7 @@
         <a:sym typeface="Arial"/>
       </a:defRPr>
     </a:lvl3pPr>
-    <a:lvl4pPr lvl="3" marR="0" rtl="0" algn="l">
+    <a:lvl4pPr marR="0" lvl="3" algn="l" rtl="0">
       <a:lnSpc>
         <a:spcPct val="100000"/>
       </a:lnSpc>
@@ -119,7 +117,7 @@
         <a:srgbClr val="000000"/>
       </a:buClr>
       <a:buFont typeface="Arial"/>
-      <a:defRPr b="0" i="0" sz="1400" u="none" cap="none" strike="noStrike">
+      <a:defRPr sz="1400" b="0" i="0" u="none" strike="noStrike" cap="none">
         <a:solidFill>
           <a:srgbClr val="000000"/>
         </a:solidFill>
@@ -129,7 +127,7 @@
         <a:sym typeface="Arial"/>
       </a:defRPr>
     </a:lvl4pPr>
-    <a:lvl5pPr lvl="4" marR="0" rtl="0" algn="l">
+    <a:lvl5pPr marR="0" lvl="4" algn="l" rtl="0">
       <a:lnSpc>
         <a:spcPct val="100000"/>
       </a:lnSpc>
@@ -143,7 +141,7 @@
         <a:srgbClr val="000000"/>
       </a:buClr>
       <a:buFont typeface="Arial"/>
-      <a:defRPr b="0" i="0" sz="1400" u="none" cap="none" strike="noStrike">
+      <a:defRPr sz="1400" b="0" i="0" u="none" strike="noStrike" cap="none">
         <a:solidFill>
           <a:srgbClr val="000000"/>
         </a:solidFill>
@@ -153,7 +151,7 @@
         <a:sym typeface="Arial"/>
       </a:defRPr>
     </a:lvl5pPr>
-    <a:lvl6pPr lvl="5" marR="0" rtl="0" algn="l">
+    <a:lvl6pPr marR="0" lvl="5" algn="l" rtl="0">
       <a:lnSpc>
         <a:spcPct val="100000"/>
       </a:lnSpc>
@@ -167,7 +165,7 @@
         <a:srgbClr val="000000"/>
       </a:buClr>
       <a:buFont typeface="Arial"/>
-      <a:defRPr b="0" i="0" sz="1400" u="none" cap="none" strike="noStrike">
+      <a:defRPr sz="1400" b="0" i="0" u="none" strike="noStrike" cap="none">
         <a:solidFill>
           <a:srgbClr val="000000"/>
         </a:solidFill>
@@ -177,7 +175,7 @@
         <a:sym typeface="Arial"/>
       </a:defRPr>
     </a:lvl6pPr>
-    <a:lvl7pPr lvl="6" marR="0" rtl="0" algn="l">
+    <a:lvl7pPr marR="0" lvl="6" algn="l" rtl="0">
       <a:lnSpc>
         <a:spcPct val="100000"/>
       </a:lnSpc>
@@ -191,7 +189,7 @@
         <a:srgbClr val="000000"/>
       </a:buClr>
       <a:buFont typeface="Arial"/>
-      <a:defRPr b="0" i="0" sz="1400" u="none" cap="none" strike="noStrike">
+      <a:defRPr sz="1400" b="0" i="0" u="none" strike="noStrike" cap="none">
         <a:solidFill>
           <a:srgbClr val="000000"/>
         </a:solidFill>
@@ -201,7 +199,7 @@
         <a:sym typeface="Arial"/>
       </a:defRPr>
     </a:lvl7pPr>
-    <a:lvl8pPr lvl="7" marR="0" rtl="0" algn="l">
+    <a:lvl8pPr marR="0" lvl="7" algn="l" rtl="0">
       <a:lnSpc>
         <a:spcPct val="100000"/>
       </a:lnSpc>
@@ -215,7 +213,7 @@
         <a:srgbClr val="000000"/>
       </a:buClr>
       <a:buFont typeface="Arial"/>
-      <a:defRPr b="0" i="0" sz="1400" u="none" cap="none" strike="noStrike">
+      <a:defRPr sz="1400" b="0" i="0" u="none" strike="noStrike" cap="none">
         <a:solidFill>
           <a:srgbClr val="000000"/>
         </a:solidFill>
@@ -225,7 +223,7 @@
         <a:sym typeface="Arial"/>
       </a:defRPr>
     </a:lvl8pPr>
-    <a:lvl9pPr lvl="8" marR="0" rtl="0" algn="l">
+    <a:lvl9pPr marR="0" lvl="8" algn="l" rtl="0">
       <a:lnSpc>
         <a:spcPct val="100000"/>
       </a:lnSpc>
@@ -239,7 +237,7 @@
         <a:srgbClr val="000000"/>
       </a:buClr>
       <a:buFont typeface="Arial"/>
-      <a:defRPr b="0" i="0" sz="1400" u="none" cap="none" strike="noStrike">
+      <a:defRPr sz="1400" b="0" i="0" u="none" strike="noStrike" cap="none">
         <a:solidFill>
           <a:srgbClr val="000000"/>
         </a:solidFill>
@@ -252,7 +250,7 @@
   </p:defaultTextStyle>
   <p:extLst>
     <p:ext uri="{EFAFB233-063F-42B5-8137-9DF3F51BA10A}">
-      <p15:sldGuideLst>
+      <p15:sldGuideLst xmlns:p15="http://schemas.microsoft.com/office/powerpoint/2012/main">
         <p15:guide id="1" orient="horz" pos="1620">
           <p15:clr>
             <a:srgbClr val="A4A3A4"/>
@@ -270,11 +268,16 @@
 </file>
 
 <file path=ppt/notesMasters/notesMaster1.xml><?xml version="1.0" encoding="utf-8"?>
-<p:notesMaster xmlns:a="http://schemas.openxmlformats.org/drawingml/2006/main" xmlns:r="http://schemas.openxmlformats.org/officeDocument/2006/relationships" xmlns:mc="http://schemas.openxmlformats.org/markup-compatibility/2006" xmlns:mv="urn:schemas-microsoft-com:mac:vml" xmlns:p="http://schemas.openxmlformats.org/presentationml/2006/main" xmlns:c="http://schemas.openxmlformats.org/drawingml/2006/chart" xmlns:dgm="http://schemas.openxmlformats.org/drawingml/2006/diagram" xmlns:o="urn:schemas-microsoft-com:office:office" xmlns:v="urn:schemas-microsoft-com:vml" xmlns:pvml="urn:schemas-microsoft-com:office:powerpoint" xmlns:com="http://schemas.openxmlformats.org/drawingml/2006/compatibility" xmlns:p14="http://schemas.microsoft.com/office/powerpoint/2010/main" xmlns:p15="http://schemas.microsoft.com/office/powerpoint/2012/main" xmlns:ahyp="http://schemas.microsoft.com/office/drawing/2018/hyperlinkcolor">
+<p:notesMaster xmlns:a="http://schemas.openxmlformats.org/drawingml/2006/main" xmlns:r="http://schemas.openxmlformats.org/officeDocument/2006/relationships" xmlns:p="http://schemas.openxmlformats.org/presentationml/2006/main">
   <p:cSld>
+    <p:bg>
+      <p:bgRef idx="1001">
+        <a:schemeClr val="bg1"/>
+      </p:bgRef>
+    </p:bg>
     <p:spTree>
       <p:nvGrpSpPr>
-        <p:cNvPr id="2" name="Shape 2"/>
+        <p:cNvPr id="1" name="Shape 2"/>
         <p:cNvGrpSpPr/>
         <p:nvPr/>
       </p:nvGrpSpPr>
@@ -289,9 +292,11 @@
       <p:sp>
         <p:nvSpPr>
           <p:cNvPr id="3" name="Google Shape;3;n"/>
-          <p:cNvSpPr/>
+          <p:cNvSpPr>
+            <a:spLocks noGrp="1" noRot="1" noChangeAspect="1"/>
+          </p:cNvSpPr>
           <p:nvPr>
-            <p:ph idx="2" type="sldImg"/>
+            <p:ph type="sldImg" idx="2"/>
           </p:nvPr>
         </p:nvSpPr>
         <p:spPr>
@@ -300,9 +305,13 @@
             <a:ext cx="6096075" cy="3429000"/>
           </a:xfrm>
           <a:custGeom>
-            <a:rect b="b" l="l" r="r" t="t"/>
+            <a:avLst/>
+            <a:gdLst/>
+            <a:ahLst/>
+            <a:cxnLst/>
+            <a:rect l="l" t="t" r="r" b="b"/>
             <a:pathLst>
-              <a:path extrusionOk="0" h="120000" w="120000">
+              <a:path w="120000" h="120000" extrusionOk="0">
                 <a:moveTo>
                   <a:pt x="0" y="0"/>
                 </a:moveTo>
@@ -320,23 +329,25 @@
             </a:pathLst>
           </a:custGeom>
           <a:noFill/>
-          <a:ln cap="flat" cmpd="sng" w="9525">
+          <a:ln w="9525" cap="flat" cmpd="sng">
             <a:solidFill>
               <a:srgbClr val="000000"/>
             </a:solidFill>
             <a:prstDash val="solid"/>
             <a:round/>
-            <a:headEnd len="sm" w="sm" type="none"/>
-            <a:tailEnd len="sm" w="sm" type="none"/>
+            <a:headEnd type="none" w="sm" len="sm"/>
+            <a:tailEnd type="none" w="sm" len="sm"/>
           </a:ln>
         </p:spPr>
       </p:sp>
       <p:sp>
         <p:nvSpPr>
           <p:cNvPr id="4" name="Google Shape;4;n"/>
-          <p:cNvSpPr txBox="1"/>
+          <p:cNvSpPr txBox="1">
+            <a:spLocks noGrp="1"/>
+          </p:cNvSpPr>
           <p:nvPr>
-            <p:ph idx="1" type="body"/>
+            <p:ph type="body" idx="1"/>
           </p:nvPr>
         </p:nvSpPr>
         <p:spPr>
@@ -353,11 +364,11 @@
           </a:ln>
         </p:spPr>
         <p:txBody>
-          <a:bodyPr anchorCtr="0" anchor="t" bIns="91425" lIns="91425" spcFirstLastPara="1" rIns="91425" wrap="square" tIns="91425">
+          <a:bodyPr spcFirstLastPara="1" wrap="square" lIns="91425" tIns="91425" rIns="91425" bIns="91425" anchor="t" anchorCtr="0">
             <a:noAutofit/>
           </a:bodyPr>
           <a:lstStyle>
-            <a:lvl1pPr indent="-298450" lvl="0" marL="457200">
+            <a:lvl1pPr marL="457200" lvl="0" indent="-298450">
               <a:spcBef>
                 <a:spcPts val="0"/>
               </a:spcBef>
@@ -368,7 +379,7 @@
               <a:buChar char="●"/>
               <a:defRPr sz="1100"/>
             </a:lvl1pPr>
-            <a:lvl2pPr indent="-298450" lvl="1" marL="914400">
+            <a:lvl2pPr marL="914400" lvl="1" indent="-298450">
               <a:spcBef>
                 <a:spcPts val="0"/>
               </a:spcBef>
@@ -379,7 +390,7 @@
               <a:buChar char="○"/>
               <a:defRPr sz="1100"/>
             </a:lvl2pPr>
-            <a:lvl3pPr indent="-298450" lvl="2" marL="1371600">
+            <a:lvl3pPr marL="1371600" lvl="2" indent="-298450">
               <a:spcBef>
                 <a:spcPts val="0"/>
               </a:spcBef>
@@ -390,7 +401,7 @@
               <a:buChar char="■"/>
               <a:defRPr sz="1100"/>
             </a:lvl3pPr>
-            <a:lvl4pPr indent="-298450" lvl="3" marL="1828800">
+            <a:lvl4pPr marL="1828800" lvl="3" indent="-298450">
               <a:spcBef>
                 <a:spcPts val="0"/>
               </a:spcBef>
@@ -401,7 +412,7 @@
               <a:buChar char="●"/>
               <a:defRPr sz="1100"/>
             </a:lvl4pPr>
-            <a:lvl5pPr indent="-298450" lvl="4" marL="2286000">
+            <a:lvl5pPr marL="2286000" lvl="4" indent="-298450">
               <a:spcBef>
                 <a:spcPts val="0"/>
               </a:spcBef>
@@ -412,7 +423,7 @@
               <a:buChar char="○"/>
               <a:defRPr sz="1100"/>
             </a:lvl5pPr>
-            <a:lvl6pPr indent="-298450" lvl="5" marL="2743200">
+            <a:lvl6pPr marL="2743200" lvl="5" indent="-298450">
               <a:spcBef>
                 <a:spcPts val="0"/>
               </a:spcBef>
@@ -423,7 +434,7 @@
               <a:buChar char="■"/>
               <a:defRPr sz="1100"/>
             </a:lvl6pPr>
-            <a:lvl7pPr indent="-298450" lvl="6" marL="3200400">
+            <a:lvl7pPr marL="3200400" lvl="6" indent="-298450">
               <a:spcBef>
                 <a:spcPts val="0"/>
               </a:spcBef>
@@ -434,7 +445,7 @@
               <a:buChar char="●"/>
               <a:defRPr sz="1100"/>
             </a:lvl7pPr>
-            <a:lvl8pPr indent="-298450" lvl="7" marL="3657600">
+            <a:lvl8pPr marL="3657600" lvl="7" indent="-298450">
               <a:spcBef>
                 <a:spcPts val="0"/>
               </a:spcBef>
@@ -445,7 +456,7 @@
               <a:buChar char="○"/>
               <a:defRPr sz="1100"/>
             </a:lvl8pPr>
-            <a:lvl9pPr indent="-298450" lvl="8" marL="4114800">
+            <a:lvl9pPr marL="4114800" lvl="8" indent="-298450">
               <a:spcBef>
                 <a:spcPts val="0"/>
               </a:spcBef>
@@ -457,14 +468,16 @@
               <a:defRPr sz="1100"/>
             </a:lvl9pPr>
           </a:lstStyle>
-          <a:p/>
+          <a:p>
+            <a:endParaRPr/>
+          </a:p>
         </p:txBody>
       </p:sp>
     </p:spTree>
   </p:cSld>
-  <p:clrMap accent1="accent1" accent2="accent2" accent3="accent3" accent4="accent4" accent5="accent5" accent6="accent6" bg1="lt1" bg2="dk2" tx1="dk1" tx2="lt2" folHlink="folHlink" hlink="hlink"/>
+  <p:clrMap bg1="lt1" tx1="dk1" bg2="dk2" tx2="lt2" accent1="accent1" accent2="accent2" accent3="accent3" accent4="accent4" accent5="accent5" accent6="accent6" hlink="hlink" folHlink="folHlink"/>
   <p:notesStyle>
-    <a:defPPr lvl="0" marR="0" rtl="0" algn="l">
+    <a:defPPr marR="0" lvl="0" algn="l" rtl="0">
       <a:lnSpc>
         <a:spcPct val="100000"/>
       </a:lnSpc>
@@ -475,7 +488,7 @@
         <a:spcPts val="0"/>
       </a:spcAft>
     </a:defPPr>
-    <a:lvl1pPr lvl="0" marR="0" rtl="0" algn="l">
+    <a:lvl1pPr marR="0" lvl="0" algn="l" rtl="0">
       <a:lnSpc>
         <a:spcPct val="100000"/>
       </a:lnSpc>
@@ -489,7 +502,7 @@
         <a:srgbClr val="000000"/>
       </a:buClr>
       <a:buFont typeface="Arial"/>
-      <a:defRPr b="0" i="0" sz="1400" u="none" cap="none" strike="noStrike">
+      <a:defRPr sz="1400" b="0" i="0" u="none" strike="noStrike" cap="none">
         <a:solidFill>
           <a:srgbClr val="000000"/>
         </a:solidFill>
@@ -499,7 +512,7 @@
         <a:sym typeface="Arial"/>
       </a:defRPr>
     </a:lvl1pPr>
-    <a:lvl2pPr lvl="1" marR="0" rtl="0" algn="l">
+    <a:lvl2pPr marR="0" lvl="1" algn="l" rtl="0">
       <a:lnSpc>
         <a:spcPct val="100000"/>
       </a:lnSpc>
@@ -513,7 +526,7 @@
         <a:srgbClr val="000000"/>
       </a:buClr>
       <a:buFont typeface="Arial"/>
-      <a:defRPr b="0" i="0" sz="1400" u="none" cap="none" strike="noStrike">
+      <a:defRPr sz="1400" b="0" i="0" u="none" strike="noStrike" cap="none">
         <a:solidFill>
           <a:srgbClr val="000000"/>
         </a:solidFill>
@@ -523,7 +536,7 @@
         <a:sym typeface="Arial"/>
       </a:defRPr>
     </a:lvl2pPr>
-    <a:lvl3pPr lvl="2" marR="0" rtl="0" algn="l">
+    <a:lvl3pPr marR="0" lvl="2" algn="l" rtl="0">
       <a:lnSpc>
         <a:spcPct val="100000"/>
       </a:lnSpc>
@@ -537,7 +550,7 @@
         <a:srgbClr val="000000"/>
       </a:buClr>
       <a:buFont typeface="Arial"/>
-      <a:defRPr b="0" i="0" sz="1400" u="none" cap="none" strike="noStrike">
+      <a:defRPr sz="1400" b="0" i="0" u="none" strike="noStrike" cap="none">
         <a:solidFill>
           <a:srgbClr val="000000"/>
         </a:solidFill>
@@ -547,7 +560,7 @@
         <a:sym typeface="Arial"/>
       </a:defRPr>
     </a:lvl3pPr>
-    <a:lvl4pPr lvl="3" marR="0" rtl="0" algn="l">
+    <a:lvl4pPr marR="0" lvl="3" algn="l" rtl="0">
       <a:lnSpc>
         <a:spcPct val="100000"/>
       </a:lnSpc>
@@ -561,7 +574,7 @@
         <a:srgbClr val="000000"/>
       </a:buClr>
       <a:buFont typeface="Arial"/>
-      <a:defRPr b="0" i="0" sz="1400" u="none" cap="none" strike="noStrike">
+      <a:defRPr sz="1400" b="0" i="0" u="none" strike="noStrike" cap="none">
         <a:solidFill>
           <a:srgbClr val="000000"/>
         </a:solidFill>
@@ -571,7 +584,7 @@
         <a:sym typeface="Arial"/>
       </a:defRPr>
     </a:lvl4pPr>
-    <a:lvl5pPr lvl="4" marR="0" rtl="0" algn="l">
+    <a:lvl5pPr marR="0" lvl="4" algn="l" rtl="0">
       <a:lnSpc>
         <a:spcPct val="100000"/>
       </a:lnSpc>
@@ -585,7 +598,7 @@
         <a:srgbClr val="000000"/>
       </a:buClr>
       <a:buFont typeface="Arial"/>
-      <a:defRPr b="0" i="0" sz="1400" u="none" cap="none" strike="noStrike">
+      <a:defRPr sz="1400" b="0" i="0" u="none" strike="noStrike" cap="none">
         <a:solidFill>
           <a:srgbClr val="000000"/>
         </a:solidFill>
@@ -595,7 +608,7 @@
         <a:sym typeface="Arial"/>
       </a:defRPr>
     </a:lvl5pPr>
-    <a:lvl6pPr lvl="5" marR="0" rtl="0" algn="l">
+    <a:lvl6pPr marR="0" lvl="5" algn="l" rtl="0">
       <a:lnSpc>
         <a:spcPct val="100000"/>
       </a:lnSpc>
@@ -609,7 +622,7 @@
         <a:srgbClr val="000000"/>
       </a:buClr>
       <a:buFont typeface="Arial"/>
-      <a:defRPr b="0" i="0" sz="1400" u="none" cap="none" strike="noStrike">
+      <a:defRPr sz="1400" b="0" i="0" u="none" strike="noStrike" cap="none">
         <a:solidFill>
           <a:srgbClr val="000000"/>
         </a:solidFill>
@@ -619,7 +632,7 @@
         <a:sym typeface="Arial"/>
       </a:defRPr>
     </a:lvl6pPr>
-    <a:lvl7pPr lvl="6" marR="0" rtl="0" algn="l">
+    <a:lvl7pPr marR="0" lvl="6" algn="l" rtl="0">
       <a:lnSpc>
         <a:spcPct val="100000"/>
       </a:lnSpc>
@@ -633,7 +646,7 @@
         <a:srgbClr val="000000"/>
       </a:buClr>
       <a:buFont typeface="Arial"/>
-      <a:defRPr b="0" i="0" sz="1400" u="none" cap="none" strike="noStrike">
+      <a:defRPr sz="1400" b="0" i="0" u="none" strike="noStrike" cap="none">
         <a:solidFill>
           <a:srgbClr val="000000"/>
         </a:solidFill>
@@ -643,7 +656,7 @@
         <a:sym typeface="Arial"/>
       </a:defRPr>
     </a:lvl7pPr>
-    <a:lvl8pPr lvl="7" marR="0" rtl="0" algn="l">
+    <a:lvl8pPr marR="0" lvl="7" algn="l" rtl="0">
       <a:lnSpc>
         <a:spcPct val="100000"/>
       </a:lnSpc>
@@ -657,7 +670,7 @@
         <a:srgbClr val="000000"/>
       </a:buClr>
       <a:buFont typeface="Arial"/>
-      <a:defRPr b="0" i="0" sz="1400" u="none" cap="none" strike="noStrike">
+      <a:defRPr sz="1400" b="0" i="0" u="none" strike="noStrike" cap="none">
         <a:solidFill>
           <a:srgbClr val="000000"/>
         </a:solidFill>
@@ -667,7 +680,7 @@
         <a:sym typeface="Arial"/>
       </a:defRPr>
     </a:lvl8pPr>
-    <a:lvl9pPr lvl="8" marR="0" rtl="0" algn="l">
+    <a:lvl9pPr marR="0" lvl="8" algn="l" rtl="0">
       <a:lnSpc>
         <a:spcPct val="100000"/>
       </a:lnSpc>
@@ -681,7 +694,7 @@
         <a:srgbClr val="000000"/>
       </a:buClr>
       <a:buFont typeface="Arial"/>
-      <a:defRPr b="0" i="0" sz="1400" u="none" cap="none" strike="noStrike">
+      <a:defRPr sz="1400" b="0" i="0" u="none" strike="noStrike" cap="none">
         <a:solidFill>
           <a:srgbClr val="000000"/>
         </a:solidFill>
@@ -696,11 +709,11 @@
 </file>
 
 <file path=ppt/notesSlides/notesSlide1.xml><?xml version="1.0" encoding="utf-8"?>
-<p:notes xmlns:a="http://schemas.openxmlformats.org/drawingml/2006/main" xmlns:r="http://schemas.openxmlformats.org/officeDocument/2006/relationships" xmlns:mc="http://schemas.openxmlformats.org/markup-compatibility/2006" xmlns:mv="urn:schemas-microsoft-com:mac:vml" xmlns:p="http://schemas.openxmlformats.org/presentationml/2006/main" xmlns:c="http://schemas.openxmlformats.org/drawingml/2006/chart" xmlns:dgm="http://schemas.openxmlformats.org/drawingml/2006/diagram" xmlns:o="urn:schemas-microsoft-com:office:office" xmlns:v="urn:schemas-microsoft-com:vml" xmlns:pvml="urn:schemas-microsoft-com:office:powerpoint" xmlns:com="http://schemas.openxmlformats.org/drawingml/2006/compatibility" xmlns:p14="http://schemas.microsoft.com/office/powerpoint/2010/main" xmlns:p15="http://schemas.microsoft.com/office/powerpoint/2012/main" xmlns:ahyp="http://schemas.microsoft.com/office/drawing/2018/hyperlinkcolor" showMasterPhAnim="0" showMasterSp="0">
+<p:notes xmlns:a="http://schemas.openxmlformats.org/drawingml/2006/main" xmlns:r="http://schemas.openxmlformats.org/officeDocument/2006/relationships" xmlns:p="http://schemas.openxmlformats.org/presentationml/2006/main" showMasterSp="0" showMasterPhAnim="0">
   <p:cSld>
     <p:spTree>
       <p:nvGrpSpPr>
-        <p:cNvPr id="50" name="Shape 50"/>
+        <p:cNvPr id="1" name="Shape 50"/>
         <p:cNvGrpSpPr/>
         <p:nvPr/>
       </p:nvGrpSpPr>
@@ -715,9 +728,11 @@
       <p:sp>
         <p:nvSpPr>
           <p:cNvPr id="51" name="Google Shape;51;p:notes"/>
-          <p:cNvSpPr/>
+          <p:cNvSpPr>
+            <a:spLocks noGrp="1" noRot="1" noChangeAspect="1"/>
+          </p:cNvSpPr>
           <p:nvPr>
-            <p:ph idx="2" type="sldImg"/>
+            <p:ph type="sldImg" idx="2"/>
           </p:nvPr>
         </p:nvSpPr>
         <p:spPr>
@@ -726,9 +741,13 @@
             <a:ext cx="6096075" cy="3429000"/>
           </a:xfrm>
           <a:custGeom>
-            <a:rect b="b" l="l" r="r" t="t"/>
+            <a:avLst/>
+            <a:gdLst/>
+            <a:ahLst/>
+            <a:cxnLst/>
+            <a:rect l="l" t="t" r="r" b="b"/>
             <a:pathLst>
-              <a:path extrusionOk="0" h="120000" w="120000">
+              <a:path w="120000" h="120000" extrusionOk="0">
                 <a:moveTo>
                   <a:pt x="0" y="0"/>
                 </a:moveTo>
@@ -750,9 +769,11 @@
       <p:sp>
         <p:nvSpPr>
           <p:cNvPr id="52" name="Google Shape;52;p:notes"/>
-          <p:cNvSpPr txBox="1"/>
+          <p:cNvSpPr txBox="1">
+            <a:spLocks noGrp="1"/>
+          </p:cNvSpPr>
           <p:nvPr>
-            <p:ph idx="1" type="body"/>
+            <p:ph type="body" idx="1"/>
           </p:nvPr>
         </p:nvSpPr>
         <p:spPr>
@@ -765,12 +786,12 @@
           </a:prstGeom>
         </p:spPr>
         <p:txBody>
-          <a:bodyPr anchorCtr="0" anchor="t" bIns="91425" lIns="91425" spcFirstLastPara="1" rIns="91425" wrap="square" tIns="91425">
+          <a:bodyPr spcFirstLastPara="1" wrap="square" lIns="91425" tIns="91425" rIns="91425" bIns="91425" anchor="t" anchorCtr="0">
             <a:noAutofit/>
           </a:bodyPr>
           <a:lstStyle/>
           <a:p>
-            <a:pPr indent="0" lvl="0" marL="0" rtl="0" algn="l">
+            <a:pPr marL="0" lvl="0" indent="0" algn="l" rtl="0">
               <a:spcBef>
                 <a:spcPts val="0"/>
               </a:spcBef>
@@ -779,9 +800,6 @@
               </a:spcAft>
               <a:buNone/>
             </a:pPr>
-            <a:r>
-              <a:t/>
-            </a:r>
             <a:endParaRPr/>
           </a:p>
         </p:txBody>
@@ -794,12 +812,636 @@
 </p:notes>
 </file>
 
-<file path=ppt/notesSlides/notesSlide10.xml><?xml version="1.0" encoding="utf-8"?>
-<p:notes xmlns:a="http://schemas.openxmlformats.org/drawingml/2006/main" xmlns:r="http://schemas.openxmlformats.org/officeDocument/2006/relationships" xmlns:mc="http://schemas.openxmlformats.org/markup-compatibility/2006" xmlns:mv="urn:schemas-microsoft-com:mac:vml" xmlns:p="http://schemas.openxmlformats.org/presentationml/2006/main" xmlns:c="http://schemas.openxmlformats.org/drawingml/2006/chart" xmlns:dgm="http://schemas.openxmlformats.org/drawingml/2006/diagram" xmlns:o="urn:schemas-microsoft-com:office:office" xmlns:v="urn:schemas-microsoft-com:vml" xmlns:pvml="urn:schemas-microsoft-com:office:powerpoint" xmlns:com="http://schemas.openxmlformats.org/drawingml/2006/compatibility" xmlns:p14="http://schemas.microsoft.com/office/powerpoint/2010/main" xmlns:p15="http://schemas.microsoft.com/office/powerpoint/2012/main" xmlns:ahyp="http://schemas.microsoft.com/office/drawing/2018/hyperlinkcolor" showMasterPhAnim="0" showMasterSp="0">
+<file path=ppt/notesSlides/notesSlide2.xml><?xml version="1.0" encoding="utf-8"?>
+<p:notes xmlns:a="http://schemas.openxmlformats.org/drawingml/2006/main" xmlns:r="http://schemas.openxmlformats.org/officeDocument/2006/relationships" xmlns:p="http://schemas.openxmlformats.org/presentationml/2006/main" showMasterSp="0" showMasterPhAnim="0">
   <p:cSld>
     <p:spTree>
       <p:nvGrpSpPr>
-        <p:cNvPr id="103" name="Shape 103"/>
+        <p:cNvPr id="1" name="Shape 68"/>
+        <p:cNvGrpSpPr/>
+        <p:nvPr/>
+      </p:nvGrpSpPr>
+      <p:grpSpPr>
+        <a:xfrm>
+          <a:off x="0" y="0"/>
+          <a:ext cx="0" cy="0"/>
+          <a:chOff x="0" y="0"/>
+          <a:chExt cx="0" cy="0"/>
+        </a:xfrm>
+      </p:grpSpPr>
+      <p:sp>
+        <p:nvSpPr>
+          <p:cNvPr id="69" name="Google Shape;69;g175b8c26e2c_0_18:notes"/>
+          <p:cNvSpPr>
+            <a:spLocks noGrp="1" noRot="1" noChangeAspect="1"/>
+          </p:cNvSpPr>
+          <p:nvPr>
+            <p:ph type="sldImg" idx="2"/>
+          </p:nvPr>
+        </p:nvSpPr>
+        <p:spPr>
+          <a:xfrm>
+            <a:off x="381300" y="685800"/>
+            <a:ext cx="6096000" cy="3429000"/>
+          </a:xfrm>
+          <a:custGeom>
+            <a:avLst/>
+            <a:gdLst/>
+            <a:ahLst/>
+            <a:cxnLst/>
+            <a:rect l="l" t="t" r="r" b="b"/>
+            <a:pathLst>
+              <a:path w="120000" h="120000" extrusionOk="0">
+                <a:moveTo>
+                  <a:pt x="0" y="0"/>
+                </a:moveTo>
+                <a:lnTo>
+                  <a:pt x="120000" y="0"/>
+                </a:lnTo>
+                <a:lnTo>
+                  <a:pt x="120000" y="120000"/>
+                </a:lnTo>
+                <a:lnTo>
+                  <a:pt x="0" y="120000"/>
+                </a:lnTo>
+                <a:close/>
+              </a:path>
+            </a:pathLst>
+          </a:custGeom>
+        </p:spPr>
+      </p:sp>
+      <p:sp>
+        <p:nvSpPr>
+          <p:cNvPr id="70" name="Google Shape;70;g175b8c26e2c_0_18:notes"/>
+          <p:cNvSpPr txBox="1">
+            <a:spLocks noGrp="1"/>
+          </p:cNvSpPr>
+          <p:nvPr>
+            <p:ph type="body" idx="1"/>
+          </p:nvPr>
+        </p:nvSpPr>
+        <p:spPr>
+          <a:xfrm>
+            <a:off x="685800" y="4343400"/>
+            <a:ext cx="5486400" cy="4114800"/>
+          </a:xfrm>
+          <a:prstGeom prst="rect">
+            <a:avLst/>
+          </a:prstGeom>
+        </p:spPr>
+        <p:txBody>
+          <a:bodyPr spcFirstLastPara="1" wrap="square" lIns="91425" tIns="91425" rIns="91425" bIns="91425" anchor="t" anchorCtr="0">
+            <a:noAutofit/>
+          </a:bodyPr>
+          <a:lstStyle/>
+          <a:p>
+            <a:pPr marL="0" lvl="0" indent="0" algn="l" rtl="0">
+              <a:spcBef>
+                <a:spcPts val="0"/>
+              </a:spcBef>
+              <a:spcAft>
+                <a:spcPts val="0"/>
+              </a:spcAft>
+              <a:buNone/>
+            </a:pPr>
+            <a:endParaRPr/>
+          </a:p>
+        </p:txBody>
+      </p:sp>
+    </p:spTree>
+  </p:cSld>
+  <p:clrMapOvr>
+    <a:masterClrMapping/>
+  </p:clrMapOvr>
+</p:notes>
+</file>
+
+<file path=ppt/notesSlides/notesSlide3.xml><?xml version="1.0" encoding="utf-8"?>
+<p:notes xmlns:a="http://schemas.openxmlformats.org/drawingml/2006/main" xmlns:r="http://schemas.openxmlformats.org/officeDocument/2006/relationships" xmlns:p="http://schemas.openxmlformats.org/presentationml/2006/main" showMasterSp="0" showMasterPhAnim="0">
+  <p:cSld>
+    <p:spTree>
+      <p:nvGrpSpPr>
+        <p:cNvPr id="1" name="Shape 74"/>
+        <p:cNvGrpSpPr/>
+        <p:nvPr/>
+      </p:nvGrpSpPr>
+      <p:grpSpPr>
+        <a:xfrm>
+          <a:off x="0" y="0"/>
+          <a:ext cx="0" cy="0"/>
+          <a:chOff x="0" y="0"/>
+          <a:chExt cx="0" cy="0"/>
+        </a:xfrm>
+      </p:grpSpPr>
+      <p:sp>
+        <p:nvSpPr>
+          <p:cNvPr id="75" name="Google Shape;75;g175b8c26e2c_0_25:notes"/>
+          <p:cNvSpPr>
+            <a:spLocks noGrp="1" noRot="1" noChangeAspect="1"/>
+          </p:cNvSpPr>
+          <p:nvPr>
+            <p:ph type="sldImg" idx="2"/>
+          </p:nvPr>
+        </p:nvSpPr>
+        <p:spPr>
+          <a:xfrm>
+            <a:off x="381300" y="685800"/>
+            <a:ext cx="6096000" cy="3429000"/>
+          </a:xfrm>
+          <a:custGeom>
+            <a:avLst/>
+            <a:gdLst/>
+            <a:ahLst/>
+            <a:cxnLst/>
+            <a:rect l="l" t="t" r="r" b="b"/>
+            <a:pathLst>
+              <a:path w="120000" h="120000" extrusionOk="0">
+                <a:moveTo>
+                  <a:pt x="0" y="0"/>
+                </a:moveTo>
+                <a:lnTo>
+                  <a:pt x="120000" y="0"/>
+                </a:lnTo>
+                <a:lnTo>
+                  <a:pt x="120000" y="120000"/>
+                </a:lnTo>
+                <a:lnTo>
+                  <a:pt x="0" y="120000"/>
+                </a:lnTo>
+                <a:close/>
+              </a:path>
+            </a:pathLst>
+          </a:custGeom>
+        </p:spPr>
+      </p:sp>
+      <p:sp>
+        <p:nvSpPr>
+          <p:cNvPr id="76" name="Google Shape;76;g175b8c26e2c_0_25:notes"/>
+          <p:cNvSpPr txBox="1">
+            <a:spLocks noGrp="1"/>
+          </p:cNvSpPr>
+          <p:nvPr>
+            <p:ph type="body" idx="1"/>
+          </p:nvPr>
+        </p:nvSpPr>
+        <p:spPr>
+          <a:xfrm>
+            <a:off x="685800" y="4343400"/>
+            <a:ext cx="5486400" cy="4114800"/>
+          </a:xfrm>
+          <a:prstGeom prst="rect">
+            <a:avLst/>
+          </a:prstGeom>
+        </p:spPr>
+        <p:txBody>
+          <a:bodyPr spcFirstLastPara="1" wrap="square" lIns="91425" tIns="91425" rIns="91425" bIns="91425" anchor="t" anchorCtr="0">
+            <a:noAutofit/>
+          </a:bodyPr>
+          <a:lstStyle/>
+          <a:p>
+            <a:pPr marL="0" lvl="0" indent="0" algn="l" rtl="0">
+              <a:spcBef>
+                <a:spcPts val="0"/>
+              </a:spcBef>
+              <a:spcAft>
+                <a:spcPts val="0"/>
+              </a:spcAft>
+              <a:buNone/>
+            </a:pPr>
+            <a:endParaRPr/>
+          </a:p>
+        </p:txBody>
+      </p:sp>
+    </p:spTree>
+  </p:cSld>
+  <p:clrMapOvr>
+    <a:masterClrMapping/>
+  </p:clrMapOvr>
+</p:notes>
+</file>
+
+<file path=ppt/notesSlides/notesSlide4.xml><?xml version="1.0" encoding="utf-8"?>
+<p:notes xmlns:a="http://schemas.openxmlformats.org/drawingml/2006/main" xmlns:r="http://schemas.openxmlformats.org/officeDocument/2006/relationships" xmlns:p="http://schemas.openxmlformats.org/presentationml/2006/main" showMasterSp="0" showMasterPhAnim="0">
+  <p:cSld>
+    <p:spTree>
+      <p:nvGrpSpPr>
+        <p:cNvPr id="1" name="Shape 80"/>
+        <p:cNvGrpSpPr/>
+        <p:nvPr/>
+      </p:nvGrpSpPr>
+      <p:grpSpPr>
+        <a:xfrm>
+          <a:off x="0" y="0"/>
+          <a:ext cx="0" cy="0"/>
+          <a:chOff x="0" y="0"/>
+          <a:chExt cx="0" cy="0"/>
+        </a:xfrm>
+      </p:grpSpPr>
+      <p:sp>
+        <p:nvSpPr>
+          <p:cNvPr id="81" name="Google Shape;81;g1759e625ce4_0_53:notes"/>
+          <p:cNvSpPr>
+            <a:spLocks noGrp="1" noRot="1" noChangeAspect="1"/>
+          </p:cNvSpPr>
+          <p:nvPr>
+            <p:ph type="sldImg" idx="2"/>
+          </p:nvPr>
+        </p:nvSpPr>
+        <p:spPr>
+          <a:xfrm>
+            <a:off x="381300" y="685800"/>
+            <a:ext cx="6096000" cy="3429000"/>
+          </a:xfrm>
+          <a:custGeom>
+            <a:avLst/>
+            <a:gdLst/>
+            <a:ahLst/>
+            <a:cxnLst/>
+            <a:rect l="l" t="t" r="r" b="b"/>
+            <a:pathLst>
+              <a:path w="120000" h="120000" extrusionOk="0">
+                <a:moveTo>
+                  <a:pt x="0" y="0"/>
+                </a:moveTo>
+                <a:lnTo>
+                  <a:pt x="120000" y="0"/>
+                </a:lnTo>
+                <a:lnTo>
+                  <a:pt x="120000" y="120000"/>
+                </a:lnTo>
+                <a:lnTo>
+                  <a:pt x="0" y="120000"/>
+                </a:lnTo>
+                <a:close/>
+              </a:path>
+            </a:pathLst>
+          </a:custGeom>
+        </p:spPr>
+      </p:sp>
+      <p:sp>
+        <p:nvSpPr>
+          <p:cNvPr id="82" name="Google Shape;82;g1759e625ce4_0_53:notes"/>
+          <p:cNvSpPr txBox="1">
+            <a:spLocks noGrp="1"/>
+          </p:cNvSpPr>
+          <p:nvPr>
+            <p:ph type="body" idx="1"/>
+          </p:nvPr>
+        </p:nvSpPr>
+        <p:spPr>
+          <a:xfrm>
+            <a:off x="685800" y="4343400"/>
+            <a:ext cx="5486400" cy="4114800"/>
+          </a:xfrm>
+          <a:prstGeom prst="rect">
+            <a:avLst/>
+          </a:prstGeom>
+        </p:spPr>
+        <p:txBody>
+          <a:bodyPr spcFirstLastPara="1" wrap="square" lIns="91425" tIns="91425" rIns="91425" bIns="91425" anchor="t" anchorCtr="0">
+            <a:noAutofit/>
+          </a:bodyPr>
+          <a:lstStyle/>
+          <a:p>
+            <a:pPr marL="0" lvl="0" indent="0" algn="l" rtl="0">
+              <a:spcBef>
+                <a:spcPts val="0"/>
+              </a:spcBef>
+              <a:spcAft>
+                <a:spcPts val="0"/>
+              </a:spcAft>
+              <a:buNone/>
+            </a:pPr>
+            <a:endParaRPr/>
+          </a:p>
+        </p:txBody>
+      </p:sp>
+    </p:spTree>
+  </p:cSld>
+  <p:clrMapOvr>
+    <a:masterClrMapping/>
+  </p:clrMapOvr>
+</p:notes>
+</file>
+
+<file path=ppt/notesSlides/notesSlide5.xml><?xml version="1.0" encoding="utf-8"?>
+<p:notes xmlns:a="http://schemas.openxmlformats.org/drawingml/2006/main" xmlns:r="http://schemas.openxmlformats.org/officeDocument/2006/relationships" xmlns:p="http://schemas.openxmlformats.org/presentationml/2006/main" showMasterSp="0" showMasterPhAnim="0">
+  <p:cSld>
+    <p:spTree>
+      <p:nvGrpSpPr>
+        <p:cNvPr id="1" name="Shape 86"/>
+        <p:cNvGrpSpPr/>
+        <p:nvPr/>
+      </p:nvGrpSpPr>
+      <p:grpSpPr>
+        <a:xfrm>
+          <a:off x="0" y="0"/>
+          <a:ext cx="0" cy="0"/>
+          <a:chOff x="0" y="0"/>
+          <a:chExt cx="0" cy="0"/>
+        </a:xfrm>
+      </p:grpSpPr>
+      <p:sp>
+        <p:nvSpPr>
+          <p:cNvPr id="87" name="Google Shape;87;g1759e625ce4_0_5:notes"/>
+          <p:cNvSpPr>
+            <a:spLocks noGrp="1" noRot="1" noChangeAspect="1"/>
+          </p:cNvSpPr>
+          <p:nvPr>
+            <p:ph type="sldImg" idx="2"/>
+          </p:nvPr>
+        </p:nvSpPr>
+        <p:spPr>
+          <a:xfrm>
+            <a:off x="381300" y="685800"/>
+            <a:ext cx="6096000" cy="3429000"/>
+          </a:xfrm>
+          <a:custGeom>
+            <a:avLst/>
+            <a:gdLst/>
+            <a:ahLst/>
+            <a:cxnLst/>
+            <a:rect l="l" t="t" r="r" b="b"/>
+            <a:pathLst>
+              <a:path w="120000" h="120000" extrusionOk="0">
+                <a:moveTo>
+                  <a:pt x="0" y="0"/>
+                </a:moveTo>
+                <a:lnTo>
+                  <a:pt x="120000" y="0"/>
+                </a:lnTo>
+                <a:lnTo>
+                  <a:pt x="120000" y="120000"/>
+                </a:lnTo>
+                <a:lnTo>
+                  <a:pt x="0" y="120000"/>
+                </a:lnTo>
+                <a:close/>
+              </a:path>
+            </a:pathLst>
+          </a:custGeom>
+        </p:spPr>
+      </p:sp>
+      <p:sp>
+        <p:nvSpPr>
+          <p:cNvPr id="88" name="Google Shape;88;g1759e625ce4_0_5:notes"/>
+          <p:cNvSpPr txBox="1">
+            <a:spLocks noGrp="1"/>
+          </p:cNvSpPr>
+          <p:nvPr>
+            <p:ph type="body" idx="1"/>
+          </p:nvPr>
+        </p:nvSpPr>
+        <p:spPr>
+          <a:xfrm>
+            <a:off x="685800" y="4343400"/>
+            <a:ext cx="5486400" cy="4114800"/>
+          </a:xfrm>
+          <a:prstGeom prst="rect">
+            <a:avLst/>
+          </a:prstGeom>
+        </p:spPr>
+        <p:txBody>
+          <a:bodyPr spcFirstLastPara="1" wrap="square" lIns="91425" tIns="91425" rIns="91425" bIns="91425" anchor="t" anchorCtr="0">
+            <a:noAutofit/>
+          </a:bodyPr>
+          <a:lstStyle/>
+          <a:p>
+            <a:pPr marL="0" lvl="0" indent="0" algn="l" rtl="0">
+              <a:spcBef>
+                <a:spcPts val="0"/>
+              </a:spcBef>
+              <a:spcAft>
+                <a:spcPts val="0"/>
+              </a:spcAft>
+              <a:buNone/>
+            </a:pPr>
+            <a:endParaRPr/>
+          </a:p>
+        </p:txBody>
+      </p:sp>
+    </p:spTree>
+  </p:cSld>
+  <p:clrMapOvr>
+    <a:masterClrMapping/>
+  </p:clrMapOvr>
+</p:notes>
+</file>
+
+<file path=ppt/notesSlides/notesSlide6.xml><?xml version="1.0" encoding="utf-8"?>
+<p:notes xmlns:a="http://schemas.openxmlformats.org/drawingml/2006/main" xmlns:r="http://schemas.openxmlformats.org/officeDocument/2006/relationships" xmlns:p="http://schemas.openxmlformats.org/presentationml/2006/main" showMasterSp="0" showMasterPhAnim="0">
+  <p:cSld>
+    <p:spTree>
+      <p:nvGrpSpPr>
+        <p:cNvPr id="1" name="Shape 93"/>
+        <p:cNvGrpSpPr/>
+        <p:nvPr/>
+      </p:nvGrpSpPr>
+      <p:grpSpPr>
+        <a:xfrm>
+          <a:off x="0" y="0"/>
+          <a:ext cx="0" cy="0"/>
+          <a:chOff x="0" y="0"/>
+          <a:chExt cx="0" cy="0"/>
+        </a:xfrm>
+      </p:grpSpPr>
+      <p:sp>
+        <p:nvSpPr>
+          <p:cNvPr id="94" name="Google Shape;94;g1759e625ce4_0_12:notes"/>
+          <p:cNvSpPr>
+            <a:spLocks noGrp="1" noRot="1" noChangeAspect="1"/>
+          </p:cNvSpPr>
+          <p:nvPr>
+            <p:ph type="sldImg" idx="2"/>
+          </p:nvPr>
+        </p:nvSpPr>
+        <p:spPr>
+          <a:xfrm>
+            <a:off x="381300" y="685800"/>
+            <a:ext cx="6096000" cy="3429000"/>
+          </a:xfrm>
+          <a:custGeom>
+            <a:avLst/>
+            <a:gdLst/>
+            <a:ahLst/>
+            <a:cxnLst/>
+            <a:rect l="l" t="t" r="r" b="b"/>
+            <a:pathLst>
+              <a:path w="120000" h="120000" extrusionOk="0">
+                <a:moveTo>
+                  <a:pt x="0" y="0"/>
+                </a:moveTo>
+                <a:lnTo>
+                  <a:pt x="120000" y="0"/>
+                </a:lnTo>
+                <a:lnTo>
+                  <a:pt x="120000" y="120000"/>
+                </a:lnTo>
+                <a:lnTo>
+                  <a:pt x="0" y="120000"/>
+                </a:lnTo>
+                <a:close/>
+              </a:path>
+            </a:pathLst>
+          </a:custGeom>
+        </p:spPr>
+      </p:sp>
+      <p:sp>
+        <p:nvSpPr>
+          <p:cNvPr id="95" name="Google Shape;95;g1759e625ce4_0_12:notes"/>
+          <p:cNvSpPr txBox="1">
+            <a:spLocks noGrp="1"/>
+          </p:cNvSpPr>
+          <p:nvPr>
+            <p:ph type="body" idx="1"/>
+          </p:nvPr>
+        </p:nvSpPr>
+        <p:spPr>
+          <a:xfrm>
+            <a:off x="685800" y="4343400"/>
+            <a:ext cx="5486400" cy="4114800"/>
+          </a:xfrm>
+          <a:prstGeom prst="rect">
+            <a:avLst/>
+          </a:prstGeom>
+        </p:spPr>
+        <p:txBody>
+          <a:bodyPr spcFirstLastPara="1" wrap="square" lIns="91425" tIns="91425" rIns="91425" bIns="91425" anchor="t" anchorCtr="0">
+            <a:noAutofit/>
+          </a:bodyPr>
+          <a:lstStyle/>
+          <a:p>
+            <a:pPr marL="0" lvl="0" indent="0" algn="l" rtl="0">
+              <a:spcBef>
+                <a:spcPts val="0"/>
+              </a:spcBef>
+              <a:spcAft>
+                <a:spcPts val="0"/>
+              </a:spcAft>
+              <a:buNone/>
+            </a:pPr>
+            <a:endParaRPr/>
+          </a:p>
+        </p:txBody>
+      </p:sp>
+    </p:spTree>
+  </p:cSld>
+  <p:clrMapOvr>
+    <a:masterClrMapping/>
+  </p:clrMapOvr>
+</p:notes>
+</file>
+
+<file path=ppt/notesSlides/notesSlide7.xml><?xml version="1.0" encoding="utf-8"?>
+<p:notes xmlns:a="http://schemas.openxmlformats.org/drawingml/2006/main" xmlns:r="http://schemas.openxmlformats.org/officeDocument/2006/relationships" xmlns:p="http://schemas.openxmlformats.org/presentationml/2006/main" showMasterSp="0" showMasterPhAnim="0">
+  <p:cSld>
+    <p:spTree>
+      <p:nvGrpSpPr>
+        <p:cNvPr id="1" name="Shape 98"/>
+        <p:cNvGrpSpPr/>
+        <p:nvPr/>
+      </p:nvGrpSpPr>
+      <p:grpSpPr>
+        <a:xfrm>
+          <a:off x="0" y="0"/>
+          <a:ext cx="0" cy="0"/>
+          <a:chOff x="0" y="0"/>
+          <a:chExt cx="0" cy="0"/>
+        </a:xfrm>
+      </p:grpSpPr>
+      <p:sp>
+        <p:nvSpPr>
+          <p:cNvPr id="99" name="Google Shape;99;g1759e625ce4_0_28:notes"/>
+          <p:cNvSpPr>
+            <a:spLocks noGrp="1" noRot="1" noChangeAspect="1"/>
+          </p:cNvSpPr>
+          <p:nvPr>
+            <p:ph type="sldImg" idx="2"/>
+          </p:nvPr>
+        </p:nvSpPr>
+        <p:spPr>
+          <a:xfrm>
+            <a:off x="381300" y="685800"/>
+            <a:ext cx="6096000" cy="3429000"/>
+          </a:xfrm>
+          <a:custGeom>
+            <a:avLst/>
+            <a:gdLst/>
+            <a:ahLst/>
+            <a:cxnLst/>
+            <a:rect l="l" t="t" r="r" b="b"/>
+            <a:pathLst>
+              <a:path w="120000" h="120000" extrusionOk="0">
+                <a:moveTo>
+                  <a:pt x="0" y="0"/>
+                </a:moveTo>
+                <a:lnTo>
+                  <a:pt x="120000" y="0"/>
+                </a:lnTo>
+                <a:lnTo>
+                  <a:pt x="120000" y="120000"/>
+                </a:lnTo>
+                <a:lnTo>
+                  <a:pt x="0" y="120000"/>
+                </a:lnTo>
+                <a:close/>
+              </a:path>
+            </a:pathLst>
+          </a:custGeom>
+        </p:spPr>
+      </p:sp>
+      <p:sp>
+        <p:nvSpPr>
+          <p:cNvPr id="100" name="Google Shape;100;g1759e625ce4_0_28:notes"/>
+          <p:cNvSpPr txBox="1">
+            <a:spLocks noGrp="1"/>
+          </p:cNvSpPr>
+          <p:nvPr>
+            <p:ph type="body" idx="1"/>
+          </p:nvPr>
+        </p:nvSpPr>
+        <p:spPr>
+          <a:xfrm>
+            <a:off x="685800" y="4343400"/>
+            <a:ext cx="5486400" cy="4114800"/>
+          </a:xfrm>
+          <a:prstGeom prst="rect">
+            <a:avLst/>
+          </a:prstGeom>
+        </p:spPr>
+        <p:txBody>
+          <a:bodyPr spcFirstLastPara="1" wrap="square" lIns="91425" tIns="91425" rIns="91425" bIns="91425" anchor="t" anchorCtr="0">
+            <a:noAutofit/>
+          </a:bodyPr>
+          <a:lstStyle/>
+          <a:p>
+            <a:pPr marL="0" lvl="0" indent="0" algn="l" rtl="0">
+              <a:spcBef>
+                <a:spcPts val="0"/>
+              </a:spcBef>
+              <a:spcAft>
+                <a:spcPts val="0"/>
+              </a:spcAft>
+              <a:buNone/>
+            </a:pPr>
+            <a:endParaRPr/>
+          </a:p>
+        </p:txBody>
+      </p:sp>
+    </p:spTree>
+  </p:cSld>
+  <p:clrMapOvr>
+    <a:masterClrMapping/>
+  </p:clrMapOvr>
+</p:notes>
+</file>
+
+<file path=ppt/notesSlides/notesSlide8.xml><?xml version="1.0" encoding="utf-8"?>
+<p:notes xmlns:a="http://schemas.openxmlformats.org/drawingml/2006/main" xmlns:r="http://schemas.openxmlformats.org/officeDocument/2006/relationships" xmlns:p="http://schemas.openxmlformats.org/presentationml/2006/main" showMasterSp="0" showMasterPhAnim="0">
+  <p:cSld>
+    <p:spTree>
+      <p:nvGrpSpPr>
+        <p:cNvPr id="1" name="Shape 103"/>
         <p:cNvGrpSpPr/>
         <p:nvPr/>
       </p:nvGrpSpPr>
@@ -814,9 +1456,11 @@
       <p:sp>
         <p:nvSpPr>
           <p:cNvPr id="104" name="Google Shape;104;g175b8c26e2c_0_33:notes"/>
-          <p:cNvSpPr/>
+          <p:cNvSpPr>
+            <a:spLocks noGrp="1" noRot="1" noChangeAspect="1"/>
+          </p:cNvSpPr>
           <p:nvPr>
-            <p:ph idx="2" type="sldImg"/>
+            <p:ph type="sldImg" idx="2"/>
           </p:nvPr>
         </p:nvSpPr>
         <p:spPr>
@@ -825,9 +1469,13 @@
             <a:ext cx="6096000" cy="3429000"/>
           </a:xfrm>
           <a:custGeom>
-            <a:rect b="b" l="l" r="r" t="t"/>
+            <a:avLst/>
+            <a:gdLst/>
+            <a:ahLst/>
+            <a:cxnLst/>
+            <a:rect l="l" t="t" r="r" b="b"/>
             <a:pathLst>
-              <a:path extrusionOk="0" h="120000" w="120000">
+              <a:path w="120000" h="120000" extrusionOk="0">
                 <a:moveTo>
                   <a:pt x="0" y="0"/>
                 </a:moveTo>
@@ -849,9 +1497,11 @@
       <p:sp>
         <p:nvSpPr>
           <p:cNvPr id="105" name="Google Shape;105;g175b8c26e2c_0_33:notes"/>
-          <p:cNvSpPr txBox="1"/>
+          <p:cNvSpPr txBox="1">
+            <a:spLocks noGrp="1"/>
+          </p:cNvSpPr>
           <p:nvPr>
-            <p:ph idx="1" type="body"/>
+            <p:ph type="body" idx="1"/>
           </p:nvPr>
         </p:nvSpPr>
         <p:spPr>
@@ -864,12 +1514,12 @@
           </a:prstGeom>
         </p:spPr>
         <p:txBody>
-          <a:bodyPr anchorCtr="0" anchor="t" bIns="91425" lIns="91425" spcFirstLastPara="1" rIns="91425" wrap="square" tIns="91425">
+          <a:bodyPr spcFirstLastPara="1" wrap="square" lIns="91425" tIns="91425" rIns="91425" bIns="91425" anchor="t" anchorCtr="0">
             <a:noAutofit/>
           </a:bodyPr>
           <a:lstStyle/>
           <a:p>
-            <a:pPr indent="0" lvl="0" marL="0" rtl="0" algn="l">
+            <a:pPr marL="0" lvl="0" indent="0" algn="l" rtl="0">
               <a:spcBef>
                 <a:spcPts val="0"/>
               </a:spcBef>
@@ -878,801 +1528,6 @@
               </a:spcAft>
               <a:buNone/>
             </a:pPr>
-            <a:r>
-              <a:t/>
-            </a:r>
-            <a:endParaRPr/>
-          </a:p>
-        </p:txBody>
-      </p:sp>
-    </p:spTree>
-  </p:cSld>
-  <p:clrMapOvr>
-    <a:masterClrMapping/>
-  </p:clrMapOvr>
-</p:notes>
-</file>
-
-<file path=ppt/notesSlides/notesSlide2.xml><?xml version="1.0" encoding="utf-8"?>
-<p:notes xmlns:a="http://schemas.openxmlformats.org/drawingml/2006/main" xmlns:r="http://schemas.openxmlformats.org/officeDocument/2006/relationships" xmlns:mc="http://schemas.openxmlformats.org/markup-compatibility/2006" xmlns:mv="urn:schemas-microsoft-com:mac:vml" xmlns:p="http://schemas.openxmlformats.org/presentationml/2006/main" xmlns:c="http://schemas.openxmlformats.org/drawingml/2006/chart" xmlns:dgm="http://schemas.openxmlformats.org/drawingml/2006/diagram" xmlns:o="urn:schemas-microsoft-com:office:office" xmlns:v="urn:schemas-microsoft-com:vml" xmlns:pvml="urn:schemas-microsoft-com:office:powerpoint" xmlns:com="http://schemas.openxmlformats.org/drawingml/2006/compatibility" xmlns:p14="http://schemas.microsoft.com/office/powerpoint/2010/main" xmlns:p15="http://schemas.microsoft.com/office/powerpoint/2012/main" xmlns:ahyp="http://schemas.microsoft.com/office/drawing/2018/hyperlinkcolor" showMasterPhAnim="0" showMasterSp="0">
-  <p:cSld>
-    <p:spTree>
-      <p:nvGrpSpPr>
-        <p:cNvPr id="55" name="Shape 55"/>
-        <p:cNvGrpSpPr/>
-        <p:nvPr/>
-      </p:nvGrpSpPr>
-      <p:grpSpPr>
-        <a:xfrm>
-          <a:off x="0" y="0"/>
-          <a:ext cx="0" cy="0"/>
-          <a:chOff x="0" y="0"/>
-          <a:chExt cx="0" cy="0"/>
-        </a:xfrm>
-      </p:grpSpPr>
-      <p:sp>
-        <p:nvSpPr>
-          <p:cNvPr id="56" name="Google Shape;56;g1644466a735_0_0:notes"/>
-          <p:cNvSpPr/>
-          <p:nvPr>
-            <p:ph idx="2" type="sldImg"/>
-          </p:nvPr>
-        </p:nvSpPr>
-        <p:spPr>
-          <a:xfrm>
-            <a:off x="381300" y="685800"/>
-            <a:ext cx="6096000" cy="3429000"/>
-          </a:xfrm>
-          <a:custGeom>
-            <a:rect b="b" l="l" r="r" t="t"/>
-            <a:pathLst>
-              <a:path extrusionOk="0" h="120000" w="120000">
-                <a:moveTo>
-                  <a:pt x="0" y="0"/>
-                </a:moveTo>
-                <a:lnTo>
-                  <a:pt x="120000" y="0"/>
-                </a:lnTo>
-                <a:lnTo>
-                  <a:pt x="120000" y="120000"/>
-                </a:lnTo>
-                <a:lnTo>
-                  <a:pt x="0" y="120000"/>
-                </a:lnTo>
-                <a:close/>
-              </a:path>
-            </a:pathLst>
-          </a:custGeom>
-        </p:spPr>
-      </p:sp>
-      <p:sp>
-        <p:nvSpPr>
-          <p:cNvPr id="57" name="Google Shape;57;g1644466a735_0_0:notes"/>
-          <p:cNvSpPr txBox="1"/>
-          <p:nvPr>
-            <p:ph idx="1" type="body"/>
-          </p:nvPr>
-        </p:nvSpPr>
-        <p:spPr>
-          <a:xfrm>
-            <a:off x="685800" y="4343400"/>
-            <a:ext cx="5486400" cy="4114800"/>
-          </a:xfrm>
-          <a:prstGeom prst="rect">
-            <a:avLst/>
-          </a:prstGeom>
-        </p:spPr>
-        <p:txBody>
-          <a:bodyPr anchorCtr="0" anchor="t" bIns="91425" lIns="91425" spcFirstLastPara="1" rIns="91425" wrap="square" tIns="91425">
-            <a:noAutofit/>
-          </a:bodyPr>
-          <a:lstStyle/>
-          <a:p>
-            <a:pPr indent="0" lvl="0" marL="0" rtl="0" algn="l">
-              <a:spcBef>
-                <a:spcPts val="0"/>
-              </a:spcBef>
-              <a:spcAft>
-                <a:spcPts val="0"/>
-              </a:spcAft>
-              <a:buNone/>
-            </a:pPr>
-            <a:r>
-              <a:t/>
-            </a:r>
-            <a:endParaRPr/>
-          </a:p>
-        </p:txBody>
-      </p:sp>
-    </p:spTree>
-  </p:cSld>
-  <p:clrMapOvr>
-    <a:masterClrMapping/>
-  </p:clrMapOvr>
-</p:notes>
-</file>
-
-<file path=ppt/notesSlides/notesSlide3.xml><?xml version="1.0" encoding="utf-8"?>
-<p:notes xmlns:a="http://schemas.openxmlformats.org/drawingml/2006/main" xmlns:r="http://schemas.openxmlformats.org/officeDocument/2006/relationships" xmlns:mc="http://schemas.openxmlformats.org/markup-compatibility/2006" xmlns:mv="urn:schemas-microsoft-com:mac:vml" xmlns:p="http://schemas.openxmlformats.org/presentationml/2006/main" xmlns:c="http://schemas.openxmlformats.org/drawingml/2006/chart" xmlns:dgm="http://schemas.openxmlformats.org/drawingml/2006/diagram" xmlns:o="urn:schemas-microsoft-com:office:office" xmlns:v="urn:schemas-microsoft-com:vml" xmlns:pvml="urn:schemas-microsoft-com:office:powerpoint" xmlns:com="http://schemas.openxmlformats.org/drawingml/2006/compatibility" xmlns:p14="http://schemas.microsoft.com/office/powerpoint/2010/main" xmlns:p15="http://schemas.microsoft.com/office/powerpoint/2012/main" xmlns:ahyp="http://schemas.microsoft.com/office/drawing/2018/hyperlinkcolor" showMasterPhAnim="0" showMasterSp="0">
-  <p:cSld>
-    <p:spTree>
-      <p:nvGrpSpPr>
-        <p:cNvPr id="61" name="Shape 61"/>
-        <p:cNvGrpSpPr/>
-        <p:nvPr/>
-      </p:nvGrpSpPr>
-      <p:grpSpPr>
-        <a:xfrm>
-          <a:off x="0" y="0"/>
-          <a:ext cx="0" cy="0"/>
-          <a:chOff x="0" y="0"/>
-          <a:chExt cx="0" cy="0"/>
-        </a:xfrm>
-      </p:grpSpPr>
-      <p:sp>
-        <p:nvSpPr>
-          <p:cNvPr id="62" name="Google Shape;62;g175b8c26e2c_0_11:notes"/>
-          <p:cNvSpPr/>
-          <p:nvPr>
-            <p:ph idx="2" type="sldImg"/>
-          </p:nvPr>
-        </p:nvSpPr>
-        <p:spPr>
-          <a:xfrm>
-            <a:off x="381300" y="685800"/>
-            <a:ext cx="6096000" cy="3429000"/>
-          </a:xfrm>
-          <a:custGeom>
-            <a:rect b="b" l="l" r="r" t="t"/>
-            <a:pathLst>
-              <a:path extrusionOk="0" h="120000" w="120000">
-                <a:moveTo>
-                  <a:pt x="0" y="0"/>
-                </a:moveTo>
-                <a:lnTo>
-                  <a:pt x="120000" y="0"/>
-                </a:lnTo>
-                <a:lnTo>
-                  <a:pt x="120000" y="120000"/>
-                </a:lnTo>
-                <a:lnTo>
-                  <a:pt x="0" y="120000"/>
-                </a:lnTo>
-                <a:close/>
-              </a:path>
-            </a:pathLst>
-          </a:custGeom>
-        </p:spPr>
-      </p:sp>
-      <p:sp>
-        <p:nvSpPr>
-          <p:cNvPr id="63" name="Google Shape;63;g175b8c26e2c_0_11:notes"/>
-          <p:cNvSpPr txBox="1"/>
-          <p:nvPr>
-            <p:ph idx="1" type="body"/>
-          </p:nvPr>
-        </p:nvSpPr>
-        <p:spPr>
-          <a:xfrm>
-            <a:off x="685800" y="4343400"/>
-            <a:ext cx="5486400" cy="4114800"/>
-          </a:xfrm>
-          <a:prstGeom prst="rect">
-            <a:avLst/>
-          </a:prstGeom>
-        </p:spPr>
-        <p:txBody>
-          <a:bodyPr anchorCtr="0" anchor="t" bIns="91425" lIns="91425" spcFirstLastPara="1" rIns="91425" wrap="square" tIns="91425">
-            <a:noAutofit/>
-          </a:bodyPr>
-          <a:lstStyle/>
-          <a:p>
-            <a:pPr indent="0" lvl="0" marL="0" rtl="0" algn="l">
-              <a:spcBef>
-                <a:spcPts val="0"/>
-              </a:spcBef>
-              <a:spcAft>
-                <a:spcPts val="0"/>
-              </a:spcAft>
-              <a:buNone/>
-            </a:pPr>
-            <a:r>
-              <a:t/>
-            </a:r>
-            <a:endParaRPr/>
-          </a:p>
-        </p:txBody>
-      </p:sp>
-    </p:spTree>
-  </p:cSld>
-  <p:clrMapOvr>
-    <a:masterClrMapping/>
-  </p:clrMapOvr>
-</p:notes>
-</file>
-
-<file path=ppt/notesSlides/notesSlide4.xml><?xml version="1.0" encoding="utf-8"?>
-<p:notes xmlns:a="http://schemas.openxmlformats.org/drawingml/2006/main" xmlns:r="http://schemas.openxmlformats.org/officeDocument/2006/relationships" xmlns:mc="http://schemas.openxmlformats.org/markup-compatibility/2006" xmlns:mv="urn:schemas-microsoft-com:mac:vml" xmlns:p="http://schemas.openxmlformats.org/presentationml/2006/main" xmlns:c="http://schemas.openxmlformats.org/drawingml/2006/chart" xmlns:dgm="http://schemas.openxmlformats.org/drawingml/2006/diagram" xmlns:o="urn:schemas-microsoft-com:office:office" xmlns:v="urn:schemas-microsoft-com:vml" xmlns:pvml="urn:schemas-microsoft-com:office:powerpoint" xmlns:com="http://schemas.openxmlformats.org/drawingml/2006/compatibility" xmlns:p14="http://schemas.microsoft.com/office/powerpoint/2010/main" xmlns:p15="http://schemas.microsoft.com/office/powerpoint/2012/main" xmlns:ahyp="http://schemas.microsoft.com/office/drawing/2018/hyperlinkcolor" showMasterPhAnim="0" showMasterSp="0">
-  <p:cSld>
-    <p:spTree>
-      <p:nvGrpSpPr>
-        <p:cNvPr id="68" name="Shape 68"/>
-        <p:cNvGrpSpPr/>
-        <p:nvPr/>
-      </p:nvGrpSpPr>
-      <p:grpSpPr>
-        <a:xfrm>
-          <a:off x="0" y="0"/>
-          <a:ext cx="0" cy="0"/>
-          <a:chOff x="0" y="0"/>
-          <a:chExt cx="0" cy="0"/>
-        </a:xfrm>
-      </p:grpSpPr>
-      <p:sp>
-        <p:nvSpPr>
-          <p:cNvPr id="69" name="Google Shape;69;g175b8c26e2c_0_18:notes"/>
-          <p:cNvSpPr/>
-          <p:nvPr>
-            <p:ph idx="2" type="sldImg"/>
-          </p:nvPr>
-        </p:nvSpPr>
-        <p:spPr>
-          <a:xfrm>
-            <a:off x="381300" y="685800"/>
-            <a:ext cx="6096000" cy="3429000"/>
-          </a:xfrm>
-          <a:custGeom>
-            <a:rect b="b" l="l" r="r" t="t"/>
-            <a:pathLst>
-              <a:path extrusionOk="0" h="120000" w="120000">
-                <a:moveTo>
-                  <a:pt x="0" y="0"/>
-                </a:moveTo>
-                <a:lnTo>
-                  <a:pt x="120000" y="0"/>
-                </a:lnTo>
-                <a:lnTo>
-                  <a:pt x="120000" y="120000"/>
-                </a:lnTo>
-                <a:lnTo>
-                  <a:pt x="0" y="120000"/>
-                </a:lnTo>
-                <a:close/>
-              </a:path>
-            </a:pathLst>
-          </a:custGeom>
-        </p:spPr>
-      </p:sp>
-      <p:sp>
-        <p:nvSpPr>
-          <p:cNvPr id="70" name="Google Shape;70;g175b8c26e2c_0_18:notes"/>
-          <p:cNvSpPr txBox="1"/>
-          <p:nvPr>
-            <p:ph idx="1" type="body"/>
-          </p:nvPr>
-        </p:nvSpPr>
-        <p:spPr>
-          <a:xfrm>
-            <a:off x="685800" y="4343400"/>
-            <a:ext cx="5486400" cy="4114800"/>
-          </a:xfrm>
-          <a:prstGeom prst="rect">
-            <a:avLst/>
-          </a:prstGeom>
-        </p:spPr>
-        <p:txBody>
-          <a:bodyPr anchorCtr="0" anchor="t" bIns="91425" lIns="91425" spcFirstLastPara="1" rIns="91425" wrap="square" tIns="91425">
-            <a:noAutofit/>
-          </a:bodyPr>
-          <a:lstStyle/>
-          <a:p>
-            <a:pPr indent="0" lvl="0" marL="0" rtl="0" algn="l">
-              <a:spcBef>
-                <a:spcPts val="0"/>
-              </a:spcBef>
-              <a:spcAft>
-                <a:spcPts val="0"/>
-              </a:spcAft>
-              <a:buNone/>
-            </a:pPr>
-            <a:r>
-              <a:t/>
-            </a:r>
-            <a:endParaRPr/>
-          </a:p>
-        </p:txBody>
-      </p:sp>
-    </p:spTree>
-  </p:cSld>
-  <p:clrMapOvr>
-    <a:masterClrMapping/>
-  </p:clrMapOvr>
-</p:notes>
-</file>
-
-<file path=ppt/notesSlides/notesSlide5.xml><?xml version="1.0" encoding="utf-8"?>
-<p:notes xmlns:a="http://schemas.openxmlformats.org/drawingml/2006/main" xmlns:r="http://schemas.openxmlformats.org/officeDocument/2006/relationships" xmlns:mc="http://schemas.openxmlformats.org/markup-compatibility/2006" xmlns:mv="urn:schemas-microsoft-com:mac:vml" xmlns:p="http://schemas.openxmlformats.org/presentationml/2006/main" xmlns:c="http://schemas.openxmlformats.org/drawingml/2006/chart" xmlns:dgm="http://schemas.openxmlformats.org/drawingml/2006/diagram" xmlns:o="urn:schemas-microsoft-com:office:office" xmlns:v="urn:schemas-microsoft-com:vml" xmlns:pvml="urn:schemas-microsoft-com:office:powerpoint" xmlns:com="http://schemas.openxmlformats.org/drawingml/2006/compatibility" xmlns:p14="http://schemas.microsoft.com/office/powerpoint/2010/main" xmlns:p15="http://schemas.microsoft.com/office/powerpoint/2012/main" xmlns:ahyp="http://schemas.microsoft.com/office/drawing/2018/hyperlinkcolor" showMasterPhAnim="0" showMasterSp="0">
-  <p:cSld>
-    <p:spTree>
-      <p:nvGrpSpPr>
-        <p:cNvPr id="74" name="Shape 74"/>
-        <p:cNvGrpSpPr/>
-        <p:nvPr/>
-      </p:nvGrpSpPr>
-      <p:grpSpPr>
-        <a:xfrm>
-          <a:off x="0" y="0"/>
-          <a:ext cx="0" cy="0"/>
-          <a:chOff x="0" y="0"/>
-          <a:chExt cx="0" cy="0"/>
-        </a:xfrm>
-      </p:grpSpPr>
-      <p:sp>
-        <p:nvSpPr>
-          <p:cNvPr id="75" name="Google Shape;75;g175b8c26e2c_0_25:notes"/>
-          <p:cNvSpPr/>
-          <p:nvPr>
-            <p:ph idx="2" type="sldImg"/>
-          </p:nvPr>
-        </p:nvSpPr>
-        <p:spPr>
-          <a:xfrm>
-            <a:off x="381300" y="685800"/>
-            <a:ext cx="6096000" cy="3429000"/>
-          </a:xfrm>
-          <a:custGeom>
-            <a:rect b="b" l="l" r="r" t="t"/>
-            <a:pathLst>
-              <a:path extrusionOk="0" h="120000" w="120000">
-                <a:moveTo>
-                  <a:pt x="0" y="0"/>
-                </a:moveTo>
-                <a:lnTo>
-                  <a:pt x="120000" y="0"/>
-                </a:lnTo>
-                <a:lnTo>
-                  <a:pt x="120000" y="120000"/>
-                </a:lnTo>
-                <a:lnTo>
-                  <a:pt x="0" y="120000"/>
-                </a:lnTo>
-                <a:close/>
-              </a:path>
-            </a:pathLst>
-          </a:custGeom>
-        </p:spPr>
-      </p:sp>
-      <p:sp>
-        <p:nvSpPr>
-          <p:cNvPr id="76" name="Google Shape;76;g175b8c26e2c_0_25:notes"/>
-          <p:cNvSpPr txBox="1"/>
-          <p:nvPr>
-            <p:ph idx="1" type="body"/>
-          </p:nvPr>
-        </p:nvSpPr>
-        <p:spPr>
-          <a:xfrm>
-            <a:off x="685800" y="4343400"/>
-            <a:ext cx="5486400" cy="4114800"/>
-          </a:xfrm>
-          <a:prstGeom prst="rect">
-            <a:avLst/>
-          </a:prstGeom>
-        </p:spPr>
-        <p:txBody>
-          <a:bodyPr anchorCtr="0" anchor="t" bIns="91425" lIns="91425" spcFirstLastPara="1" rIns="91425" wrap="square" tIns="91425">
-            <a:noAutofit/>
-          </a:bodyPr>
-          <a:lstStyle/>
-          <a:p>
-            <a:pPr indent="0" lvl="0" marL="0" rtl="0" algn="l">
-              <a:spcBef>
-                <a:spcPts val="0"/>
-              </a:spcBef>
-              <a:spcAft>
-                <a:spcPts val="0"/>
-              </a:spcAft>
-              <a:buNone/>
-            </a:pPr>
-            <a:r>
-              <a:t/>
-            </a:r>
-            <a:endParaRPr/>
-          </a:p>
-        </p:txBody>
-      </p:sp>
-    </p:spTree>
-  </p:cSld>
-  <p:clrMapOvr>
-    <a:masterClrMapping/>
-  </p:clrMapOvr>
-</p:notes>
-</file>
-
-<file path=ppt/notesSlides/notesSlide6.xml><?xml version="1.0" encoding="utf-8"?>
-<p:notes xmlns:a="http://schemas.openxmlformats.org/drawingml/2006/main" xmlns:r="http://schemas.openxmlformats.org/officeDocument/2006/relationships" xmlns:mc="http://schemas.openxmlformats.org/markup-compatibility/2006" xmlns:mv="urn:schemas-microsoft-com:mac:vml" xmlns:p="http://schemas.openxmlformats.org/presentationml/2006/main" xmlns:c="http://schemas.openxmlformats.org/drawingml/2006/chart" xmlns:dgm="http://schemas.openxmlformats.org/drawingml/2006/diagram" xmlns:o="urn:schemas-microsoft-com:office:office" xmlns:v="urn:schemas-microsoft-com:vml" xmlns:pvml="urn:schemas-microsoft-com:office:powerpoint" xmlns:com="http://schemas.openxmlformats.org/drawingml/2006/compatibility" xmlns:p14="http://schemas.microsoft.com/office/powerpoint/2010/main" xmlns:p15="http://schemas.microsoft.com/office/powerpoint/2012/main" xmlns:ahyp="http://schemas.microsoft.com/office/drawing/2018/hyperlinkcolor" showMasterPhAnim="0" showMasterSp="0">
-  <p:cSld>
-    <p:spTree>
-      <p:nvGrpSpPr>
-        <p:cNvPr id="80" name="Shape 80"/>
-        <p:cNvGrpSpPr/>
-        <p:nvPr/>
-      </p:nvGrpSpPr>
-      <p:grpSpPr>
-        <a:xfrm>
-          <a:off x="0" y="0"/>
-          <a:ext cx="0" cy="0"/>
-          <a:chOff x="0" y="0"/>
-          <a:chExt cx="0" cy="0"/>
-        </a:xfrm>
-      </p:grpSpPr>
-      <p:sp>
-        <p:nvSpPr>
-          <p:cNvPr id="81" name="Google Shape;81;g1759e625ce4_0_53:notes"/>
-          <p:cNvSpPr/>
-          <p:nvPr>
-            <p:ph idx="2" type="sldImg"/>
-          </p:nvPr>
-        </p:nvSpPr>
-        <p:spPr>
-          <a:xfrm>
-            <a:off x="381300" y="685800"/>
-            <a:ext cx="6096000" cy="3429000"/>
-          </a:xfrm>
-          <a:custGeom>
-            <a:rect b="b" l="l" r="r" t="t"/>
-            <a:pathLst>
-              <a:path extrusionOk="0" h="120000" w="120000">
-                <a:moveTo>
-                  <a:pt x="0" y="0"/>
-                </a:moveTo>
-                <a:lnTo>
-                  <a:pt x="120000" y="0"/>
-                </a:lnTo>
-                <a:lnTo>
-                  <a:pt x="120000" y="120000"/>
-                </a:lnTo>
-                <a:lnTo>
-                  <a:pt x="0" y="120000"/>
-                </a:lnTo>
-                <a:close/>
-              </a:path>
-            </a:pathLst>
-          </a:custGeom>
-        </p:spPr>
-      </p:sp>
-      <p:sp>
-        <p:nvSpPr>
-          <p:cNvPr id="82" name="Google Shape;82;g1759e625ce4_0_53:notes"/>
-          <p:cNvSpPr txBox="1"/>
-          <p:nvPr>
-            <p:ph idx="1" type="body"/>
-          </p:nvPr>
-        </p:nvSpPr>
-        <p:spPr>
-          <a:xfrm>
-            <a:off x="685800" y="4343400"/>
-            <a:ext cx="5486400" cy="4114800"/>
-          </a:xfrm>
-          <a:prstGeom prst="rect">
-            <a:avLst/>
-          </a:prstGeom>
-        </p:spPr>
-        <p:txBody>
-          <a:bodyPr anchorCtr="0" anchor="t" bIns="91425" lIns="91425" spcFirstLastPara="1" rIns="91425" wrap="square" tIns="91425">
-            <a:noAutofit/>
-          </a:bodyPr>
-          <a:lstStyle/>
-          <a:p>
-            <a:pPr indent="0" lvl="0" marL="0" rtl="0" algn="l">
-              <a:spcBef>
-                <a:spcPts val="0"/>
-              </a:spcBef>
-              <a:spcAft>
-                <a:spcPts val="0"/>
-              </a:spcAft>
-              <a:buNone/>
-            </a:pPr>
-            <a:r>
-              <a:t/>
-            </a:r>
-            <a:endParaRPr/>
-          </a:p>
-        </p:txBody>
-      </p:sp>
-    </p:spTree>
-  </p:cSld>
-  <p:clrMapOvr>
-    <a:masterClrMapping/>
-  </p:clrMapOvr>
-</p:notes>
-</file>
-
-<file path=ppt/notesSlides/notesSlide7.xml><?xml version="1.0" encoding="utf-8"?>
-<p:notes xmlns:a="http://schemas.openxmlformats.org/drawingml/2006/main" xmlns:r="http://schemas.openxmlformats.org/officeDocument/2006/relationships" xmlns:mc="http://schemas.openxmlformats.org/markup-compatibility/2006" xmlns:mv="urn:schemas-microsoft-com:mac:vml" xmlns:p="http://schemas.openxmlformats.org/presentationml/2006/main" xmlns:c="http://schemas.openxmlformats.org/drawingml/2006/chart" xmlns:dgm="http://schemas.openxmlformats.org/drawingml/2006/diagram" xmlns:o="urn:schemas-microsoft-com:office:office" xmlns:v="urn:schemas-microsoft-com:vml" xmlns:pvml="urn:schemas-microsoft-com:office:powerpoint" xmlns:com="http://schemas.openxmlformats.org/drawingml/2006/compatibility" xmlns:p14="http://schemas.microsoft.com/office/powerpoint/2010/main" xmlns:p15="http://schemas.microsoft.com/office/powerpoint/2012/main" xmlns:ahyp="http://schemas.microsoft.com/office/drawing/2018/hyperlinkcolor" showMasterPhAnim="0" showMasterSp="0">
-  <p:cSld>
-    <p:spTree>
-      <p:nvGrpSpPr>
-        <p:cNvPr id="86" name="Shape 86"/>
-        <p:cNvGrpSpPr/>
-        <p:nvPr/>
-      </p:nvGrpSpPr>
-      <p:grpSpPr>
-        <a:xfrm>
-          <a:off x="0" y="0"/>
-          <a:ext cx="0" cy="0"/>
-          <a:chOff x="0" y="0"/>
-          <a:chExt cx="0" cy="0"/>
-        </a:xfrm>
-      </p:grpSpPr>
-      <p:sp>
-        <p:nvSpPr>
-          <p:cNvPr id="87" name="Google Shape;87;g1759e625ce4_0_5:notes"/>
-          <p:cNvSpPr/>
-          <p:nvPr>
-            <p:ph idx="2" type="sldImg"/>
-          </p:nvPr>
-        </p:nvSpPr>
-        <p:spPr>
-          <a:xfrm>
-            <a:off x="381300" y="685800"/>
-            <a:ext cx="6096000" cy="3429000"/>
-          </a:xfrm>
-          <a:custGeom>
-            <a:rect b="b" l="l" r="r" t="t"/>
-            <a:pathLst>
-              <a:path extrusionOk="0" h="120000" w="120000">
-                <a:moveTo>
-                  <a:pt x="0" y="0"/>
-                </a:moveTo>
-                <a:lnTo>
-                  <a:pt x="120000" y="0"/>
-                </a:lnTo>
-                <a:lnTo>
-                  <a:pt x="120000" y="120000"/>
-                </a:lnTo>
-                <a:lnTo>
-                  <a:pt x="0" y="120000"/>
-                </a:lnTo>
-                <a:close/>
-              </a:path>
-            </a:pathLst>
-          </a:custGeom>
-        </p:spPr>
-      </p:sp>
-      <p:sp>
-        <p:nvSpPr>
-          <p:cNvPr id="88" name="Google Shape;88;g1759e625ce4_0_5:notes"/>
-          <p:cNvSpPr txBox="1"/>
-          <p:nvPr>
-            <p:ph idx="1" type="body"/>
-          </p:nvPr>
-        </p:nvSpPr>
-        <p:spPr>
-          <a:xfrm>
-            <a:off x="685800" y="4343400"/>
-            <a:ext cx="5486400" cy="4114800"/>
-          </a:xfrm>
-          <a:prstGeom prst="rect">
-            <a:avLst/>
-          </a:prstGeom>
-        </p:spPr>
-        <p:txBody>
-          <a:bodyPr anchorCtr="0" anchor="t" bIns="91425" lIns="91425" spcFirstLastPara="1" rIns="91425" wrap="square" tIns="91425">
-            <a:noAutofit/>
-          </a:bodyPr>
-          <a:lstStyle/>
-          <a:p>
-            <a:pPr indent="0" lvl="0" marL="0" rtl="0" algn="l">
-              <a:spcBef>
-                <a:spcPts val="0"/>
-              </a:spcBef>
-              <a:spcAft>
-                <a:spcPts val="0"/>
-              </a:spcAft>
-              <a:buNone/>
-            </a:pPr>
-            <a:r>
-              <a:t/>
-            </a:r>
-            <a:endParaRPr/>
-          </a:p>
-        </p:txBody>
-      </p:sp>
-    </p:spTree>
-  </p:cSld>
-  <p:clrMapOvr>
-    <a:masterClrMapping/>
-  </p:clrMapOvr>
-</p:notes>
-</file>
-
-<file path=ppt/notesSlides/notesSlide8.xml><?xml version="1.0" encoding="utf-8"?>
-<p:notes xmlns:a="http://schemas.openxmlformats.org/drawingml/2006/main" xmlns:r="http://schemas.openxmlformats.org/officeDocument/2006/relationships" xmlns:mc="http://schemas.openxmlformats.org/markup-compatibility/2006" xmlns:mv="urn:schemas-microsoft-com:mac:vml" xmlns:p="http://schemas.openxmlformats.org/presentationml/2006/main" xmlns:c="http://schemas.openxmlformats.org/drawingml/2006/chart" xmlns:dgm="http://schemas.openxmlformats.org/drawingml/2006/diagram" xmlns:o="urn:schemas-microsoft-com:office:office" xmlns:v="urn:schemas-microsoft-com:vml" xmlns:pvml="urn:schemas-microsoft-com:office:powerpoint" xmlns:com="http://schemas.openxmlformats.org/drawingml/2006/compatibility" xmlns:p14="http://schemas.microsoft.com/office/powerpoint/2010/main" xmlns:p15="http://schemas.microsoft.com/office/powerpoint/2012/main" xmlns:ahyp="http://schemas.microsoft.com/office/drawing/2018/hyperlinkcolor" showMasterPhAnim="0" showMasterSp="0">
-  <p:cSld>
-    <p:spTree>
-      <p:nvGrpSpPr>
-        <p:cNvPr id="93" name="Shape 93"/>
-        <p:cNvGrpSpPr/>
-        <p:nvPr/>
-      </p:nvGrpSpPr>
-      <p:grpSpPr>
-        <a:xfrm>
-          <a:off x="0" y="0"/>
-          <a:ext cx="0" cy="0"/>
-          <a:chOff x="0" y="0"/>
-          <a:chExt cx="0" cy="0"/>
-        </a:xfrm>
-      </p:grpSpPr>
-      <p:sp>
-        <p:nvSpPr>
-          <p:cNvPr id="94" name="Google Shape;94;g1759e625ce4_0_12:notes"/>
-          <p:cNvSpPr/>
-          <p:nvPr>
-            <p:ph idx="2" type="sldImg"/>
-          </p:nvPr>
-        </p:nvSpPr>
-        <p:spPr>
-          <a:xfrm>
-            <a:off x="381300" y="685800"/>
-            <a:ext cx="6096000" cy="3429000"/>
-          </a:xfrm>
-          <a:custGeom>
-            <a:rect b="b" l="l" r="r" t="t"/>
-            <a:pathLst>
-              <a:path extrusionOk="0" h="120000" w="120000">
-                <a:moveTo>
-                  <a:pt x="0" y="0"/>
-                </a:moveTo>
-                <a:lnTo>
-                  <a:pt x="120000" y="0"/>
-                </a:lnTo>
-                <a:lnTo>
-                  <a:pt x="120000" y="120000"/>
-                </a:lnTo>
-                <a:lnTo>
-                  <a:pt x="0" y="120000"/>
-                </a:lnTo>
-                <a:close/>
-              </a:path>
-            </a:pathLst>
-          </a:custGeom>
-        </p:spPr>
-      </p:sp>
-      <p:sp>
-        <p:nvSpPr>
-          <p:cNvPr id="95" name="Google Shape;95;g1759e625ce4_0_12:notes"/>
-          <p:cNvSpPr txBox="1"/>
-          <p:nvPr>
-            <p:ph idx="1" type="body"/>
-          </p:nvPr>
-        </p:nvSpPr>
-        <p:spPr>
-          <a:xfrm>
-            <a:off x="685800" y="4343400"/>
-            <a:ext cx="5486400" cy="4114800"/>
-          </a:xfrm>
-          <a:prstGeom prst="rect">
-            <a:avLst/>
-          </a:prstGeom>
-        </p:spPr>
-        <p:txBody>
-          <a:bodyPr anchorCtr="0" anchor="t" bIns="91425" lIns="91425" spcFirstLastPara="1" rIns="91425" wrap="square" tIns="91425">
-            <a:noAutofit/>
-          </a:bodyPr>
-          <a:lstStyle/>
-          <a:p>
-            <a:pPr indent="0" lvl="0" marL="0" rtl="0" algn="l">
-              <a:spcBef>
-                <a:spcPts val="0"/>
-              </a:spcBef>
-              <a:spcAft>
-                <a:spcPts val="0"/>
-              </a:spcAft>
-              <a:buNone/>
-            </a:pPr>
-            <a:r>
-              <a:t/>
-            </a:r>
-            <a:endParaRPr/>
-          </a:p>
-        </p:txBody>
-      </p:sp>
-    </p:spTree>
-  </p:cSld>
-  <p:clrMapOvr>
-    <a:masterClrMapping/>
-  </p:clrMapOvr>
-</p:notes>
-</file>
-
-<file path=ppt/notesSlides/notesSlide9.xml><?xml version="1.0" encoding="utf-8"?>
-<p:notes xmlns:a="http://schemas.openxmlformats.org/drawingml/2006/main" xmlns:r="http://schemas.openxmlformats.org/officeDocument/2006/relationships" xmlns:mc="http://schemas.openxmlformats.org/markup-compatibility/2006" xmlns:mv="urn:schemas-microsoft-com:mac:vml" xmlns:p="http://schemas.openxmlformats.org/presentationml/2006/main" xmlns:c="http://schemas.openxmlformats.org/drawingml/2006/chart" xmlns:dgm="http://schemas.openxmlformats.org/drawingml/2006/diagram" xmlns:o="urn:schemas-microsoft-com:office:office" xmlns:v="urn:schemas-microsoft-com:vml" xmlns:pvml="urn:schemas-microsoft-com:office:powerpoint" xmlns:com="http://schemas.openxmlformats.org/drawingml/2006/compatibility" xmlns:p14="http://schemas.microsoft.com/office/powerpoint/2010/main" xmlns:p15="http://schemas.microsoft.com/office/powerpoint/2012/main" xmlns:ahyp="http://schemas.microsoft.com/office/drawing/2018/hyperlinkcolor" showMasterPhAnim="0" showMasterSp="0">
-  <p:cSld>
-    <p:spTree>
-      <p:nvGrpSpPr>
-        <p:cNvPr id="98" name="Shape 98"/>
-        <p:cNvGrpSpPr/>
-        <p:nvPr/>
-      </p:nvGrpSpPr>
-      <p:grpSpPr>
-        <a:xfrm>
-          <a:off x="0" y="0"/>
-          <a:ext cx="0" cy="0"/>
-          <a:chOff x="0" y="0"/>
-          <a:chExt cx="0" cy="0"/>
-        </a:xfrm>
-      </p:grpSpPr>
-      <p:sp>
-        <p:nvSpPr>
-          <p:cNvPr id="99" name="Google Shape;99;g1759e625ce4_0_28:notes"/>
-          <p:cNvSpPr/>
-          <p:nvPr>
-            <p:ph idx="2" type="sldImg"/>
-          </p:nvPr>
-        </p:nvSpPr>
-        <p:spPr>
-          <a:xfrm>
-            <a:off x="381300" y="685800"/>
-            <a:ext cx="6096000" cy="3429000"/>
-          </a:xfrm>
-          <a:custGeom>
-            <a:rect b="b" l="l" r="r" t="t"/>
-            <a:pathLst>
-              <a:path extrusionOk="0" h="120000" w="120000">
-                <a:moveTo>
-                  <a:pt x="0" y="0"/>
-                </a:moveTo>
-                <a:lnTo>
-                  <a:pt x="120000" y="0"/>
-                </a:lnTo>
-                <a:lnTo>
-                  <a:pt x="120000" y="120000"/>
-                </a:lnTo>
-                <a:lnTo>
-                  <a:pt x="0" y="120000"/>
-                </a:lnTo>
-                <a:close/>
-              </a:path>
-            </a:pathLst>
-          </a:custGeom>
-        </p:spPr>
-      </p:sp>
-      <p:sp>
-        <p:nvSpPr>
-          <p:cNvPr id="100" name="Google Shape;100;g1759e625ce4_0_28:notes"/>
-          <p:cNvSpPr txBox="1"/>
-          <p:nvPr>
-            <p:ph idx="1" type="body"/>
-          </p:nvPr>
-        </p:nvSpPr>
-        <p:spPr>
-          <a:xfrm>
-            <a:off x="685800" y="4343400"/>
-            <a:ext cx="5486400" cy="4114800"/>
-          </a:xfrm>
-          <a:prstGeom prst="rect">
-            <a:avLst/>
-          </a:prstGeom>
-        </p:spPr>
-        <p:txBody>
-          <a:bodyPr anchorCtr="0" anchor="t" bIns="91425" lIns="91425" spcFirstLastPara="1" rIns="91425" wrap="square" tIns="91425">
-            <a:noAutofit/>
-          </a:bodyPr>
-          <a:lstStyle/>
-          <a:p>
-            <a:pPr indent="0" lvl="0" marL="0" rtl="0" algn="l">
-              <a:spcBef>
-                <a:spcPts val="0"/>
-              </a:spcBef>
-              <a:spcAft>
-                <a:spcPts val="0"/>
-              </a:spcAft>
-              <a:buNone/>
-            </a:pPr>
-            <a:r>
-              <a:t/>
-            </a:r>
             <a:endParaRPr/>
           </a:p>
         </p:txBody>
@@ -1686,11 +1541,11 @@
 </file>
 
 <file path=ppt/slideLayouts/slideLayout1.xml><?xml version="1.0" encoding="utf-8"?>
-<p:sldLayout xmlns:a="http://schemas.openxmlformats.org/drawingml/2006/main" xmlns:r="http://schemas.openxmlformats.org/officeDocument/2006/relationships" xmlns:mc="http://schemas.openxmlformats.org/markup-compatibility/2006" xmlns:mv="urn:schemas-microsoft-com:mac:vml" xmlns:p="http://schemas.openxmlformats.org/presentationml/2006/main" xmlns:c="http://schemas.openxmlformats.org/drawingml/2006/chart" xmlns:dgm="http://schemas.openxmlformats.org/drawingml/2006/diagram" xmlns:o="urn:schemas-microsoft-com:office:office" xmlns:v="urn:schemas-microsoft-com:vml" xmlns:pvml="urn:schemas-microsoft-com:office:powerpoint" xmlns:com="http://schemas.openxmlformats.org/drawingml/2006/compatibility" xmlns:p14="http://schemas.microsoft.com/office/powerpoint/2010/main" xmlns:p15="http://schemas.microsoft.com/office/powerpoint/2012/main" xmlns:ahyp="http://schemas.microsoft.com/office/drawing/2018/hyperlinkcolor" matchingName="Title slide" type="title">
+<p:sldLayout xmlns:a="http://schemas.openxmlformats.org/drawingml/2006/main" xmlns:r="http://schemas.openxmlformats.org/officeDocument/2006/relationships" xmlns:p="http://schemas.openxmlformats.org/presentationml/2006/main" matchingName="Title slide" type="title">
   <p:cSld name="TITLE">
     <p:spTree>
       <p:nvGrpSpPr>
-        <p:cNvPr id="9" name="Shape 9"/>
+        <p:cNvPr id="1" name="Shape 9"/>
         <p:cNvGrpSpPr/>
         <p:nvPr/>
       </p:nvGrpSpPr>
@@ -1705,7 +1560,9 @@
       <p:sp>
         <p:nvSpPr>
           <p:cNvPr id="10" name="Google Shape;10;p2"/>
-          <p:cNvSpPr txBox="1"/>
+          <p:cNvSpPr txBox="1">
+            <a:spLocks noGrp="1"/>
+          </p:cNvSpPr>
           <p:nvPr>
             <p:ph type="ctrTitle"/>
           </p:nvPr>
@@ -1720,7 +1577,7 @@
           </a:prstGeom>
         </p:spPr>
         <p:txBody>
-          <a:bodyPr anchorCtr="0" anchor="b" bIns="91425" lIns="91425" spcFirstLastPara="1" rIns="91425" wrap="square" tIns="91425">
+          <a:bodyPr spcFirstLastPara="1" wrap="square" lIns="91425" tIns="91425" rIns="91425" bIns="91425" anchor="b" anchorCtr="0">
             <a:normAutofit/>
           </a:bodyPr>
           <a:lstStyle>
@@ -1824,15 +1681,19 @@
               <a:defRPr sz="5200"/>
             </a:lvl9pPr>
           </a:lstStyle>
-          <a:p/>
+          <a:p>
+            <a:endParaRPr/>
+          </a:p>
         </p:txBody>
       </p:sp>
       <p:sp>
         <p:nvSpPr>
           <p:cNvPr id="11" name="Google Shape;11;p2"/>
-          <p:cNvSpPr txBox="1"/>
+          <p:cNvSpPr txBox="1">
+            <a:spLocks noGrp="1"/>
+          </p:cNvSpPr>
           <p:nvPr>
-            <p:ph idx="1" type="subTitle"/>
+            <p:ph type="subTitle" idx="1"/>
           </p:nvPr>
         </p:nvSpPr>
         <p:spPr>
@@ -1845,7 +1706,7 @@
           </a:prstGeom>
         </p:spPr>
         <p:txBody>
-          <a:bodyPr anchorCtr="0" anchor="t" bIns="91425" lIns="91425" spcFirstLastPara="1" rIns="91425" wrap="square" tIns="91425">
+          <a:bodyPr spcFirstLastPara="1" wrap="square" lIns="91425" tIns="91425" rIns="91425" bIns="91425" anchor="t" anchorCtr="0">
             <a:normAutofit/>
           </a:bodyPr>
           <a:lstStyle>
@@ -1976,15 +1837,19 @@
               <a:defRPr sz="2800"/>
             </a:lvl9pPr>
           </a:lstStyle>
-          <a:p/>
+          <a:p>
+            <a:endParaRPr/>
+          </a:p>
         </p:txBody>
       </p:sp>
       <p:sp>
         <p:nvSpPr>
           <p:cNvPr id="12" name="Google Shape;12;p2"/>
-          <p:cNvSpPr txBox="1"/>
+          <p:cNvSpPr txBox="1">
+            <a:spLocks noGrp="1"/>
+          </p:cNvSpPr>
           <p:nvPr>
-            <p:ph idx="12" type="sldNum"/>
+            <p:ph type="sldNum" idx="12"/>
           </p:nvPr>
         </p:nvSpPr>
         <p:spPr>
@@ -1997,7 +1862,7 @@
           </a:prstGeom>
         </p:spPr>
         <p:txBody>
-          <a:bodyPr anchorCtr="0" anchor="ctr" bIns="91425" lIns="91425" spcFirstLastPara="1" rIns="91425" wrap="square" tIns="91425">
+          <a:bodyPr spcFirstLastPara="1" wrap="square" lIns="91425" tIns="91425" rIns="91425" bIns="91425" anchor="ctr" anchorCtr="0">
             <a:normAutofit/>
           </a:bodyPr>
           <a:lstStyle>
@@ -2039,7 +1904,7 @@
             </a:lvl9pPr>
           </a:lstStyle>
           <a:p>
-            <a:pPr indent="0" lvl="0" marL="0" rtl="0" algn="r">
+            <a:pPr marL="0" lvl="0" indent="0" algn="r" rtl="0">
               <a:spcBef>
                 <a:spcPts val="0"/>
               </a:spcBef>
@@ -2065,11 +1930,11 @@
 </file>
 
 <file path=ppt/slideLayouts/slideLayout10.xml><?xml version="1.0" encoding="utf-8"?>
-<p:sldLayout xmlns:a="http://schemas.openxmlformats.org/drawingml/2006/main" xmlns:r="http://schemas.openxmlformats.org/officeDocument/2006/relationships" xmlns:mc="http://schemas.openxmlformats.org/markup-compatibility/2006" xmlns:mv="urn:schemas-microsoft-com:mac:vml" xmlns:p="http://schemas.openxmlformats.org/presentationml/2006/main" xmlns:c="http://schemas.openxmlformats.org/drawingml/2006/chart" xmlns:dgm="http://schemas.openxmlformats.org/drawingml/2006/diagram" xmlns:o="urn:schemas-microsoft-com:office:office" xmlns:v="urn:schemas-microsoft-com:vml" xmlns:pvml="urn:schemas-microsoft-com:office:powerpoint" xmlns:com="http://schemas.openxmlformats.org/drawingml/2006/compatibility" xmlns:p14="http://schemas.microsoft.com/office/powerpoint/2010/main" xmlns:p15="http://schemas.microsoft.com/office/powerpoint/2012/main" xmlns:ahyp="http://schemas.microsoft.com/office/drawing/2018/hyperlinkcolor" matchingName="Big number">
+<p:sldLayout xmlns:a="http://schemas.openxmlformats.org/drawingml/2006/main" xmlns:r="http://schemas.openxmlformats.org/officeDocument/2006/relationships" xmlns:p="http://schemas.openxmlformats.org/presentationml/2006/main" matchingName="Big number">
   <p:cSld name="BIG_NUMBER">
     <p:spTree>
       <p:nvGrpSpPr>
-        <p:cNvPr id="44" name="Shape 44"/>
+        <p:cNvPr id="1" name="Shape 44"/>
         <p:cNvGrpSpPr/>
         <p:nvPr/>
       </p:nvGrpSpPr>
@@ -2084,9 +1949,11 @@
       <p:sp>
         <p:nvSpPr>
           <p:cNvPr id="45" name="Google Shape;45;p11"/>
-          <p:cNvSpPr txBox="1"/>
+          <p:cNvSpPr txBox="1">
+            <a:spLocks noGrp="1"/>
+          </p:cNvSpPr>
           <p:nvPr>
-            <p:ph hasCustomPrompt="1" type="title"/>
+            <p:ph type="title" hasCustomPrompt="1"/>
           </p:nvPr>
         </p:nvSpPr>
         <p:spPr>
@@ -2099,7 +1966,7 @@
           </a:prstGeom>
         </p:spPr>
         <p:txBody>
-          <a:bodyPr anchorCtr="0" anchor="b" bIns="91425" lIns="91425" spcFirstLastPara="1" rIns="91425" wrap="square" tIns="91425">
+          <a:bodyPr spcFirstLastPara="1" wrap="square" lIns="91425" tIns="91425" rIns="91425" bIns="91425" anchor="b" anchorCtr="0">
             <a:normAutofit/>
           </a:bodyPr>
           <a:lstStyle>
@@ -2213,9 +2080,11 @@
       <p:sp>
         <p:nvSpPr>
           <p:cNvPr id="46" name="Google Shape;46;p11"/>
-          <p:cNvSpPr txBox="1"/>
+          <p:cNvSpPr txBox="1">
+            <a:spLocks noGrp="1"/>
+          </p:cNvSpPr>
           <p:nvPr>
-            <p:ph idx="1" type="body"/>
+            <p:ph type="body" idx="1"/>
           </p:nvPr>
         </p:nvSpPr>
         <p:spPr>
@@ -2228,11 +2097,11 @@
           </a:prstGeom>
         </p:spPr>
         <p:txBody>
-          <a:bodyPr anchorCtr="0" anchor="t" bIns="91425" lIns="91425" spcFirstLastPara="1" rIns="91425" wrap="square" tIns="91425">
+          <a:bodyPr spcFirstLastPara="1" wrap="square" lIns="91425" tIns="91425" rIns="91425" bIns="91425" anchor="t" anchorCtr="0">
             <a:normAutofit/>
           </a:bodyPr>
           <a:lstStyle>
-            <a:lvl1pPr indent="-342900" lvl="0" marL="457200" algn="ctr">
+            <a:lvl1pPr marL="457200" lvl="0" indent="-342900" algn="ctr">
               <a:spcBef>
                 <a:spcPts val="0"/>
               </a:spcBef>
@@ -2243,7 +2112,7 @@
               <a:buChar char="●"/>
               <a:defRPr/>
             </a:lvl1pPr>
-            <a:lvl2pPr indent="-317500" lvl="1" marL="914400" algn="ctr">
+            <a:lvl2pPr marL="914400" lvl="1" indent="-317500" algn="ctr">
               <a:spcBef>
                 <a:spcPts val="0"/>
               </a:spcBef>
@@ -2254,7 +2123,7 @@
               <a:buChar char="○"/>
               <a:defRPr/>
             </a:lvl2pPr>
-            <a:lvl3pPr indent="-317500" lvl="2" marL="1371600" algn="ctr">
+            <a:lvl3pPr marL="1371600" lvl="2" indent="-317500" algn="ctr">
               <a:spcBef>
                 <a:spcPts val="0"/>
               </a:spcBef>
@@ -2265,7 +2134,7 @@
               <a:buChar char="■"/>
               <a:defRPr/>
             </a:lvl3pPr>
-            <a:lvl4pPr indent="-317500" lvl="3" marL="1828800" algn="ctr">
+            <a:lvl4pPr marL="1828800" lvl="3" indent="-317500" algn="ctr">
               <a:spcBef>
                 <a:spcPts val="0"/>
               </a:spcBef>
@@ -2276,7 +2145,7 @@
               <a:buChar char="●"/>
               <a:defRPr/>
             </a:lvl4pPr>
-            <a:lvl5pPr indent="-317500" lvl="4" marL="2286000" algn="ctr">
+            <a:lvl5pPr marL="2286000" lvl="4" indent="-317500" algn="ctr">
               <a:spcBef>
                 <a:spcPts val="0"/>
               </a:spcBef>
@@ -2287,7 +2156,7 @@
               <a:buChar char="○"/>
               <a:defRPr/>
             </a:lvl5pPr>
-            <a:lvl6pPr indent="-317500" lvl="5" marL="2743200" algn="ctr">
+            <a:lvl6pPr marL="2743200" lvl="5" indent="-317500" algn="ctr">
               <a:spcBef>
                 <a:spcPts val="0"/>
               </a:spcBef>
@@ -2298,7 +2167,7 @@
               <a:buChar char="■"/>
               <a:defRPr/>
             </a:lvl6pPr>
-            <a:lvl7pPr indent="-317500" lvl="6" marL="3200400" algn="ctr">
+            <a:lvl7pPr marL="3200400" lvl="6" indent="-317500" algn="ctr">
               <a:spcBef>
                 <a:spcPts val="0"/>
               </a:spcBef>
@@ -2309,7 +2178,7 @@
               <a:buChar char="●"/>
               <a:defRPr/>
             </a:lvl7pPr>
-            <a:lvl8pPr indent="-317500" lvl="7" marL="3657600" algn="ctr">
+            <a:lvl8pPr marL="3657600" lvl="7" indent="-317500" algn="ctr">
               <a:spcBef>
                 <a:spcPts val="0"/>
               </a:spcBef>
@@ -2320,7 +2189,7 @@
               <a:buChar char="○"/>
               <a:defRPr/>
             </a:lvl8pPr>
-            <a:lvl9pPr indent="-317500" lvl="8" marL="4114800" algn="ctr">
+            <a:lvl9pPr marL="4114800" lvl="8" indent="-317500" algn="ctr">
               <a:spcBef>
                 <a:spcPts val="0"/>
               </a:spcBef>
@@ -2332,15 +2201,19 @@
               <a:defRPr/>
             </a:lvl9pPr>
           </a:lstStyle>
-          <a:p/>
+          <a:p>
+            <a:endParaRPr/>
+          </a:p>
         </p:txBody>
       </p:sp>
       <p:sp>
         <p:nvSpPr>
           <p:cNvPr id="47" name="Google Shape;47;p11"/>
-          <p:cNvSpPr txBox="1"/>
+          <p:cNvSpPr txBox="1">
+            <a:spLocks noGrp="1"/>
+          </p:cNvSpPr>
           <p:nvPr>
-            <p:ph idx="12" type="sldNum"/>
+            <p:ph type="sldNum" idx="12"/>
           </p:nvPr>
         </p:nvSpPr>
         <p:spPr>
@@ -2353,7 +2226,7 @@
           </a:prstGeom>
         </p:spPr>
         <p:txBody>
-          <a:bodyPr anchorCtr="0" anchor="ctr" bIns="91425" lIns="91425" spcFirstLastPara="1" rIns="91425" wrap="square" tIns="91425">
+          <a:bodyPr spcFirstLastPara="1" wrap="square" lIns="91425" tIns="91425" rIns="91425" bIns="91425" anchor="ctr" anchorCtr="0">
             <a:normAutofit/>
           </a:bodyPr>
           <a:lstStyle>
@@ -2395,7 +2268,7 @@
             </a:lvl9pPr>
           </a:lstStyle>
           <a:p>
-            <a:pPr indent="0" lvl="0" marL="0" rtl="0" algn="r">
+            <a:pPr marL="0" lvl="0" indent="0" algn="r" rtl="0">
               <a:spcBef>
                 <a:spcPts val="0"/>
               </a:spcBef>
@@ -2421,11 +2294,11 @@
 </file>
 
 <file path=ppt/slideLayouts/slideLayout11.xml><?xml version="1.0" encoding="utf-8"?>
-<p:sldLayout xmlns:a="http://schemas.openxmlformats.org/drawingml/2006/main" xmlns:r="http://schemas.openxmlformats.org/officeDocument/2006/relationships" xmlns:mc="http://schemas.openxmlformats.org/markup-compatibility/2006" xmlns:mv="urn:schemas-microsoft-com:mac:vml" xmlns:p="http://schemas.openxmlformats.org/presentationml/2006/main" xmlns:c="http://schemas.openxmlformats.org/drawingml/2006/chart" xmlns:dgm="http://schemas.openxmlformats.org/drawingml/2006/diagram" xmlns:o="urn:schemas-microsoft-com:office:office" xmlns:v="urn:schemas-microsoft-com:vml" xmlns:pvml="urn:schemas-microsoft-com:office:powerpoint" xmlns:com="http://schemas.openxmlformats.org/drawingml/2006/compatibility" xmlns:p14="http://schemas.microsoft.com/office/powerpoint/2010/main" xmlns:p15="http://schemas.microsoft.com/office/powerpoint/2012/main" xmlns:ahyp="http://schemas.microsoft.com/office/drawing/2018/hyperlinkcolor" matchingName="Blank" type="blank">
+<p:sldLayout xmlns:a="http://schemas.openxmlformats.org/drawingml/2006/main" xmlns:r="http://schemas.openxmlformats.org/officeDocument/2006/relationships" xmlns:p="http://schemas.openxmlformats.org/presentationml/2006/main" matchingName="Blank" type="blank">
   <p:cSld name="BLANK">
     <p:spTree>
       <p:nvGrpSpPr>
-        <p:cNvPr id="48" name="Shape 48"/>
+        <p:cNvPr id="1" name="Shape 48"/>
         <p:cNvGrpSpPr/>
         <p:nvPr/>
       </p:nvGrpSpPr>
@@ -2440,9 +2313,11 @@
       <p:sp>
         <p:nvSpPr>
           <p:cNvPr id="49" name="Google Shape;49;p12"/>
-          <p:cNvSpPr txBox="1"/>
+          <p:cNvSpPr txBox="1">
+            <a:spLocks noGrp="1"/>
+          </p:cNvSpPr>
           <p:nvPr>
-            <p:ph idx="12" type="sldNum"/>
+            <p:ph type="sldNum" idx="12"/>
           </p:nvPr>
         </p:nvSpPr>
         <p:spPr>
@@ -2455,7 +2330,7 @@
           </a:prstGeom>
         </p:spPr>
         <p:txBody>
-          <a:bodyPr anchorCtr="0" anchor="ctr" bIns="91425" lIns="91425" spcFirstLastPara="1" rIns="91425" wrap="square" tIns="91425">
+          <a:bodyPr spcFirstLastPara="1" wrap="square" lIns="91425" tIns="91425" rIns="91425" bIns="91425" anchor="ctr" anchorCtr="0">
             <a:normAutofit/>
           </a:bodyPr>
           <a:lstStyle>
@@ -2497,7 +2372,7 @@
             </a:lvl9pPr>
           </a:lstStyle>
           <a:p>
-            <a:pPr indent="0" lvl="0" marL="0" rtl="0" algn="r">
+            <a:pPr marL="0" lvl="0" indent="0" algn="r" rtl="0">
               <a:spcBef>
                 <a:spcPts val="0"/>
               </a:spcBef>
@@ -2523,11 +2398,11 @@
 </file>
 
 <file path=ppt/slideLayouts/slideLayout2.xml><?xml version="1.0" encoding="utf-8"?>
-<p:sldLayout xmlns:a="http://schemas.openxmlformats.org/drawingml/2006/main" xmlns:r="http://schemas.openxmlformats.org/officeDocument/2006/relationships" xmlns:mc="http://schemas.openxmlformats.org/markup-compatibility/2006" xmlns:mv="urn:schemas-microsoft-com:mac:vml" xmlns:p="http://schemas.openxmlformats.org/presentationml/2006/main" xmlns:c="http://schemas.openxmlformats.org/drawingml/2006/chart" xmlns:dgm="http://schemas.openxmlformats.org/drawingml/2006/diagram" xmlns:o="urn:schemas-microsoft-com:office:office" xmlns:v="urn:schemas-microsoft-com:vml" xmlns:pvml="urn:schemas-microsoft-com:office:powerpoint" xmlns:com="http://schemas.openxmlformats.org/drawingml/2006/compatibility" xmlns:p14="http://schemas.microsoft.com/office/powerpoint/2010/main" xmlns:p15="http://schemas.microsoft.com/office/powerpoint/2012/main" xmlns:ahyp="http://schemas.microsoft.com/office/drawing/2018/hyperlinkcolor" matchingName="Section header" type="secHead">
+<p:sldLayout xmlns:a="http://schemas.openxmlformats.org/drawingml/2006/main" xmlns:r="http://schemas.openxmlformats.org/officeDocument/2006/relationships" xmlns:p="http://schemas.openxmlformats.org/presentationml/2006/main" matchingName="Section header" type="secHead">
   <p:cSld name="SECTION_HEADER">
     <p:spTree>
       <p:nvGrpSpPr>
-        <p:cNvPr id="13" name="Shape 13"/>
+        <p:cNvPr id="1" name="Shape 13"/>
         <p:cNvGrpSpPr/>
         <p:nvPr/>
       </p:nvGrpSpPr>
@@ -2542,7 +2417,9 @@
       <p:sp>
         <p:nvSpPr>
           <p:cNvPr id="14" name="Google Shape;14;p3"/>
-          <p:cNvSpPr txBox="1"/>
+          <p:cNvSpPr txBox="1">
+            <a:spLocks noGrp="1"/>
+          </p:cNvSpPr>
           <p:nvPr>
             <p:ph type="title"/>
           </p:nvPr>
@@ -2557,7 +2434,7 @@
           </a:prstGeom>
         </p:spPr>
         <p:txBody>
-          <a:bodyPr anchorCtr="0" anchor="ctr" bIns="91425" lIns="91425" spcFirstLastPara="1" rIns="91425" wrap="square" tIns="91425">
+          <a:bodyPr spcFirstLastPara="1" wrap="square" lIns="91425" tIns="91425" rIns="91425" bIns="91425" anchor="ctr" anchorCtr="0">
             <a:normAutofit/>
           </a:bodyPr>
           <a:lstStyle>
@@ -2661,15 +2538,19 @@
               <a:defRPr sz="3600"/>
             </a:lvl9pPr>
           </a:lstStyle>
-          <a:p/>
+          <a:p>
+            <a:endParaRPr/>
+          </a:p>
         </p:txBody>
       </p:sp>
       <p:sp>
         <p:nvSpPr>
           <p:cNvPr id="15" name="Google Shape;15;p3"/>
-          <p:cNvSpPr txBox="1"/>
+          <p:cNvSpPr txBox="1">
+            <a:spLocks noGrp="1"/>
+          </p:cNvSpPr>
           <p:nvPr>
-            <p:ph idx="12" type="sldNum"/>
+            <p:ph type="sldNum" idx="12"/>
           </p:nvPr>
         </p:nvSpPr>
         <p:spPr>
@@ -2682,7 +2563,7 @@
           </a:prstGeom>
         </p:spPr>
         <p:txBody>
-          <a:bodyPr anchorCtr="0" anchor="ctr" bIns="91425" lIns="91425" spcFirstLastPara="1" rIns="91425" wrap="square" tIns="91425">
+          <a:bodyPr spcFirstLastPara="1" wrap="square" lIns="91425" tIns="91425" rIns="91425" bIns="91425" anchor="ctr" anchorCtr="0">
             <a:normAutofit/>
           </a:bodyPr>
           <a:lstStyle>
@@ -2724,7 +2605,7 @@
             </a:lvl9pPr>
           </a:lstStyle>
           <a:p>
-            <a:pPr indent="0" lvl="0" marL="0" rtl="0" algn="r">
+            <a:pPr marL="0" lvl="0" indent="0" algn="r" rtl="0">
               <a:spcBef>
                 <a:spcPts val="0"/>
               </a:spcBef>
@@ -2750,11 +2631,11 @@
 </file>
 
 <file path=ppt/slideLayouts/slideLayout3.xml><?xml version="1.0" encoding="utf-8"?>
-<p:sldLayout xmlns:a="http://schemas.openxmlformats.org/drawingml/2006/main" xmlns:r="http://schemas.openxmlformats.org/officeDocument/2006/relationships" xmlns:mc="http://schemas.openxmlformats.org/markup-compatibility/2006" xmlns:mv="urn:schemas-microsoft-com:mac:vml" xmlns:p="http://schemas.openxmlformats.org/presentationml/2006/main" xmlns:c="http://schemas.openxmlformats.org/drawingml/2006/chart" xmlns:dgm="http://schemas.openxmlformats.org/drawingml/2006/diagram" xmlns:o="urn:schemas-microsoft-com:office:office" xmlns:v="urn:schemas-microsoft-com:vml" xmlns:pvml="urn:schemas-microsoft-com:office:powerpoint" xmlns:com="http://schemas.openxmlformats.org/drawingml/2006/compatibility" xmlns:p14="http://schemas.microsoft.com/office/powerpoint/2010/main" xmlns:p15="http://schemas.microsoft.com/office/powerpoint/2012/main" xmlns:ahyp="http://schemas.microsoft.com/office/drawing/2018/hyperlinkcolor" matchingName="Title and body" type="tx">
+<p:sldLayout xmlns:a="http://schemas.openxmlformats.org/drawingml/2006/main" xmlns:r="http://schemas.openxmlformats.org/officeDocument/2006/relationships" xmlns:p="http://schemas.openxmlformats.org/presentationml/2006/main" matchingName="Title and body" type="tx">
   <p:cSld name="TITLE_AND_BODY">
     <p:spTree>
       <p:nvGrpSpPr>
-        <p:cNvPr id="16" name="Shape 16"/>
+        <p:cNvPr id="1" name="Shape 16"/>
         <p:cNvGrpSpPr/>
         <p:nvPr/>
       </p:nvGrpSpPr>
@@ -2769,7 +2650,9 @@
       <p:sp>
         <p:nvSpPr>
           <p:cNvPr id="17" name="Google Shape;17;p4"/>
-          <p:cNvSpPr txBox="1"/>
+          <p:cNvSpPr txBox="1">
+            <a:spLocks noGrp="1"/>
+          </p:cNvSpPr>
           <p:nvPr>
             <p:ph type="title"/>
           </p:nvPr>
@@ -2784,7 +2667,7 @@
           </a:prstGeom>
         </p:spPr>
         <p:txBody>
-          <a:bodyPr anchorCtr="0" anchor="t" bIns="91425" lIns="91425" spcFirstLastPara="1" rIns="91425" wrap="square" tIns="91425">
+          <a:bodyPr spcFirstLastPara="1" wrap="square" lIns="91425" tIns="91425" rIns="91425" bIns="91425" anchor="t" anchorCtr="0">
             <a:normAutofit/>
           </a:bodyPr>
           <a:lstStyle>
@@ -2888,15 +2771,19 @@
               <a:defRPr/>
             </a:lvl9pPr>
           </a:lstStyle>
-          <a:p/>
+          <a:p>
+            <a:endParaRPr/>
+          </a:p>
         </p:txBody>
       </p:sp>
       <p:sp>
         <p:nvSpPr>
           <p:cNvPr id="18" name="Google Shape;18;p4"/>
-          <p:cNvSpPr txBox="1"/>
+          <p:cNvSpPr txBox="1">
+            <a:spLocks noGrp="1"/>
+          </p:cNvSpPr>
           <p:nvPr>
-            <p:ph idx="1" type="body"/>
+            <p:ph type="body" idx="1"/>
           </p:nvPr>
         </p:nvSpPr>
         <p:spPr>
@@ -2909,11 +2796,11 @@
           </a:prstGeom>
         </p:spPr>
         <p:txBody>
-          <a:bodyPr anchorCtr="0" anchor="t" bIns="91425" lIns="91425" spcFirstLastPara="1" rIns="91425" wrap="square" tIns="91425">
+          <a:bodyPr spcFirstLastPara="1" wrap="square" lIns="91425" tIns="91425" rIns="91425" bIns="91425" anchor="t" anchorCtr="0">
             <a:normAutofit/>
           </a:bodyPr>
           <a:lstStyle>
-            <a:lvl1pPr indent="-342900" lvl="0" marL="457200">
+            <a:lvl1pPr marL="457200" lvl="0" indent="-342900">
               <a:spcBef>
                 <a:spcPts val="0"/>
               </a:spcBef>
@@ -2924,7 +2811,7 @@
               <a:buChar char="●"/>
               <a:defRPr/>
             </a:lvl1pPr>
-            <a:lvl2pPr indent="-317500" lvl="1" marL="914400">
+            <a:lvl2pPr marL="914400" lvl="1" indent="-317500">
               <a:spcBef>
                 <a:spcPts val="0"/>
               </a:spcBef>
@@ -2935,7 +2822,7 @@
               <a:buChar char="○"/>
               <a:defRPr/>
             </a:lvl2pPr>
-            <a:lvl3pPr indent="-317500" lvl="2" marL="1371600">
+            <a:lvl3pPr marL="1371600" lvl="2" indent="-317500">
               <a:spcBef>
                 <a:spcPts val="0"/>
               </a:spcBef>
@@ -2946,7 +2833,7 @@
               <a:buChar char="■"/>
               <a:defRPr/>
             </a:lvl3pPr>
-            <a:lvl4pPr indent="-317500" lvl="3" marL="1828800">
+            <a:lvl4pPr marL="1828800" lvl="3" indent="-317500">
               <a:spcBef>
                 <a:spcPts val="0"/>
               </a:spcBef>
@@ -2957,7 +2844,7 @@
               <a:buChar char="●"/>
               <a:defRPr/>
             </a:lvl4pPr>
-            <a:lvl5pPr indent="-317500" lvl="4" marL="2286000">
+            <a:lvl5pPr marL="2286000" lvl="4" indent="-317500">
               <a:spcBef>
                 <a:spcPts val="0"/>
               </a:spcBef>
@@ -2968,7 +2855,7 @@
               <a:buChar char="○"/>
               <a:defRPr/>
             </a:lvl5pPr>
-            <a:lvl6pPr indent="-317500" lvl="5" marL="2743200">
+            <a:lvl6pPr marL="2743200" lvl="5" indent="-317500">
               <a:spcBef>
                 <a:spcPts val="0"/>
               </a:spcBef>
@@ -2979,7 +2866,7 @@
               <a:buChar char="■"/>
               <a:defRPr/>
             </a:lvl6pPr>
-            <a:lvl7pPr indent="-317500" lvl="6" marL="3200400">
+            <a:lvl7pPr marL="3200400" lvl="6" indent="-317500">
               <a:spcBef>
                 <a:spcPts val="0"/>
               </a:spcBef>
@@ -2990,7 +2877,7 @@
               <a:buChar char="●"/>
               <a:defRPr/>
             </a:lvl7pPr>
-            <a:lvl8pPr indent="-317500" lvl="7" marL="3657600">
+            <a:lvl8pPr marL="3657600" lvl="7" indent="-317500">
               <a:spcBef>
                 <a:spcPts val="0"/>
               </a:spcBef>
@@ -3001,7 +2888,7 @@
               <a:buChar char="○"/>
               <a:defRPr/>
             </a:lvl8pPr>
-            <a:lvl9pPr indent="-317500" lvl="8" marL="4114800">
+            <a:lvl9pPr marL="4114800" lvl="8" indent="-317500">
               <a:spcBef>
                 <a:spcPts val="0"/>
               </a:spcBef>
@@ -3013,15 +2900,19 @@
               <a:defRPr/>
             </a:lvl9pPr>
           </a:lstStyle>
-          <a:p/>
+          <a:p>
+            <a:endParaRPr/>
+          </a:p>
         </p:txBody>
       </p:sp>
       <p:sp>
         <p:nvSpPr>
           <p:cNvPr id="19" name="Google Shape;19;p4"/>
-          <p:cNvSpPr txBox="1"/>
+          <p:cNvSpPr txBox="1">
+            <a:spLocks noGrp="1"/>
+          </p:cNvSpPr>
           <p:nvPr>
-            <p:ph idx="12" type="sldNum"/>
+            <p:ph type="sldNum" idx="12"/>
           </p:nvPr>
         </p:nvSpPr>
         <p:spPr>
@@ -3034,7 +2925,7 @@
           </a:prstGeom>
         </p:spPr>
         <p:txBody>
-          <a:bodyPr anchorCtr="0" anchor="ctr" bIns="91425" lIns="91425" spcFirstLastPara="1" rIns="91425" wrap="square" tIns="91425">
+          <a:bodyPr spcFirstLastPara="1" wrap="square" lIns="91425" tIns="91425" rIns="91425" bIns="91425" anchor="ctr" anchorCtr="0">
             <a:normAutofit/>
           </a:bodyPr>
           <a:lstStyle>
@@ -3076,7 +2967,7 @@
             </a:lvl9pPr>
           </a:lstStyle>
           <a:p>
-            <a:pPr indent="0" lvl="0" marL="0" rtl="0" algn="r">
+            <a:pPr marL="0" lvl="0" indent="0" algn="r" rtl="0">
               <a:spcBef>
                 <a:spcPts val="0"/>
               </a:spcBef>
@@ -3102,11 +2993,11 @@
 </file>
 
 <file path=ppt/slideLayouts/slideLayout4.xml><?xml version="1.0" encoding="utf-8"?>
-<p:sldLayout xmlns:a="http://schemas.openxmlformats.org/drawingml/2006/main" xmlns:r="http://schemas.openxmlformats.org/officeDocument/2006/relationships" xmlns:mc="http://schemas.openxmlformats.org/markup-compatibility/2006" xmlns:mv="urn:schemas-microsoft-com:mac:vml" xmlns:p="http://schemas.openxmlformats.org/presentationml/2006/main" xmlns:c="http://schemas.openxmlformats.org/drawingml/2006/chart" xmlns:dgm="http://schemas.openxmlformats.org/drawingml/2006/diagram" xmlns:o="urn:schemas-microsoft-com:office:office" xmlns:v="urn:schemas-microsoft-com:vml" xmlns:pvml="urn:schemas-microsoft-com:office:powerpoint" xmlns:com="http://schemas.openxmlformats.org/drawingml/2006/compatibility" xmlns:p14="http://schemas.microsoft.com/office/powerpoint/2010/main" xmlns:p15="http://schemas.microsoft.com/office/powerpoint/2012/main" xmlns:ahyp="http://schemas.microsoft.com/office/drawing/2018/hyperlinkcolor" matchingName="Title and two columns" type="twoColTx">
+<p:sldLayout xmlns:a="http://schemas.openxmlformats.org/drawingml/2006/main" xmlns:r="http://schemas.openxmlformats.org/officeDocument/2006/relationships" xmlns:p="http://schemas.openxmlformats.org/presentationml/2006/main" matchingName="Title and two columns" type="twoColTx">
   <p:cSld name="TITLE_AND_TWO_COLUMNS">
     <p:spTree>
       <p:nvGrpSpPr>
-        <p:cNvPr id="20" name="Shape 20"/>
+        <p:cNvPr id="1" name="Shape 20"/>
         <p:cNvGrpSpPr/>
         <p:nvPr/>
       </p:nvGrpSpPr>
@@ -3121,7 +3012,9 @@
       <p:sp>
         <p:nvSpPr>
           <p:cNvPr id="21" name="Google Shape;21;p5"/>
-          <p:cNvSpPr txBox="1"/>
+          <p:cNvSpPr txBox="1">
+            <a:spLocks noGrp="1"/>
+          </p:cNvSpPr>
           <p:nvPr>
             <p:ph type="title"/>
           </p:nvPr>
@@ -3136,7 +3029,7 @@
           </a:prstGeom>
         </p:spPr>
         <p:txBody>
-          <a:bodyPr anchorCtr="0" anchor="t" bIns="91425" lIns="91425" spcFirstLastPara="1" rIns="91425" wrap="square" tIns="91425">
+          <a:bodyPr spcFirstLastPara="1" wrap="square" lIns="91425" tIns="91425" rIns="91425" bIns="91425" anchor="t" anchorCtr="0">
             <a:normAutofit/>
           </a:bodyPr>
           <a:lstStyle>
@@ -3240,15 +3133,19 @@
               <a:defRPr/>
             </a:lvl9pPr>
           </a:lstStyle>
-          <a:p/>
+          <a:p>
+            <a:endParaRPr/>
+          </a:p>
         </p:txBody>
       </p:sp>
       <p:sp>
         <p:nvSpPr>
           <p:cNvPr id="22" name="Google Shape;22;p5"/>
-          <p:cNvSpPr txBox="1"/>
+          <p:cNvSpPr txBox="1">
+            <a:spLocks noGrp="1"/>
+          </p:cNvSpPr>
           <p:nvPr>
-            <p:ph idx="1" type="body"/>
+            <p:ph type="body" idx="1"/>
           </p:nvPr>
         </p:nvSpPr>
         <p:spPr>
@@ -3261,11 +3158,11 @@
           </a:prstGeom>
         </p:spPr>
         <p:txBody>
-          <a:bodyPr anchorCtr="0" anchor="t" bIns="91425" lIns="91425" spcFirstLastPara="1" rIns="91425" wrap="square" tIns="91425">
+          <a:bodyPr spcFirstLastPara="1" wrap="square" lIns="91425" tIns="91425" rIns="91425" bIns="91425" anchor="t" anchorCtr="0">
             <a:normAutofit/>
           </a:bodyPr>
           <a:lstStyle>
-            <a:lvl1pPr indent="-317500" lvl="0" marL="457200">
+            <a:lvl1pPr marL="457200" lvl="0" indent="-317500">
               <a:spcBef>
                 <a:spcPts val="0"/>
               </a:spcBef>
@@ -3276,7 +3173,7 @@
               <a:buChar char="●"/>
               <a:defRPr sz="1400"/>
             </a:lvl1pPr>
-            <a:lvl2pPr indent="-304800" lvl="1" marL="914400">
+            <a:lvl2pPr marL="914400" lvl="1" indent="-304800">
               <a:spcBef>
                 <a:spcPts val="0"/>
               </a:spcBef>
@@ -3287,7 +3184,7 @@
               <a:buChar char="○"/>
               <a:defRPr sz="1200"/>
             </a:lvl2pPr>
-            <a:lvl3pPr indent="-304800" lvl="2" marL="1371600">
+            <a:lvl3pPr marL="1371600" lvl="2" indent="-304800">
               <a:spcBef>
                 <a:spcPts val="0"/>
               </a:spcBef>
@@ -3298,7 +3195,7 @@
               <a:buChar char="■"/>
               <a:defRPr sz="1200"/>
             </a:lvl3pPr>
-            <a:lvl4pPr indent="-304800" lvl="3" marL="1828800">
+            <a:lvl4pPr marL="1828800" lvl="3" indent="-304800">
               <a:spcBef>
                 <a:spcPts val="0"/>
               </a:spcBef>
@@ -3309,7 +3206,7 @@
               <a:buChar char="●"/>
               <a:defRPr sz="1200"/>
             </a:lvl4pPr>
-            <a:lvl5pPr indent="-304800" lvl="4" marL="2286000">
+            <a:lvl5pPr marL="2286000" lvl="4" indent="-304800">
               <a:spcBef>
                 <a:spcPts val="0"/>
               </a:spcBef>
@@ -3320,7 +3217,7 @@
               <a:buChar char="○"/>
               <a:defRPr sz="1200"/>
             </a:lvl5pPr>
-            <a:lvl6pPr indent="-304800" lvl="5" marL="2743200">
+            <a:lvl6pPr marL="2743200" lvl="5" indent="-304800">
               <a:spcBef>
                 <a:spcPts val="0"/>
               </a:spcBef>
@@ -3331,7 +3228,7 @@
               <a:buChar char="■"/>
               <a:defRPr sz="1200"/>
             </a:lvl6pPr>
-            <a:lvl7pPr indent="-304800" lvl="6" marL="3200400">
+            <a:lvl7pPr marL="3200400" lvl="6" indent="-304800">
               <a:spcBef>
                 <a:spcPts val="0"/>
               </a:spcBef>
@@ -3342,7 +3239,7 @@
               <a:buChar char="●"/>
               <a:defRPr sz="1200"/>
             </a:lvl7pPr>
-            <a:lvl8pPr indent="-304800" lvl="7" marL="3657600">
+            <a:lvl8pPr marL="3657600" lvl="7" indent="-304800">
               <a:spcBef>
                 <a:spcPts val="0"/>
               </a:spcBef>
@@ -3353,7 +3250,7 @@
               <a:buChar char="○"/>
               <a:defRPr sz="1200"/>
             </a:lvl8pPr>
-            <a:lvl9pPr indent="-304800" lvl="8" marL="4114800">
+            <a:lvl9pPr marL="4114800" lvl="8" indent="-304800">
               <a:spcBef>
                 <a:spcPts val="0"/>
               </a:spcBef>
@@ -3365,15 +3262,19 @@
               <a:defRPr sz="1200"/>
             </a:lvl9pPr>
           </a:lstStyle>
-          <a:p/>
+          <a:p>
+            <a:endParaRPr/>
+          </a:p>
         </p:txBody>
       </p:sp>
       <p:sp>
         <p:nvSpPr>
           <p:cNvPr id="23" name="Google Shape;23;p5"/>
-          <p:cNvSpPr txBox="1"/>
+          <p:cNvSpPr txBox="1">
+            <a:spLocks noGrp="1"/>
+          </p:cNvSpPr>
           <p:nvPr>
-            <p:ph idx="2" type="body"/>
+            <p:ph type="body" idx="2"/>
           </p:nvPr>
         </p:nvSpPr>
         <p:spPr>
@@ -3386,11 +3287,11 @@
           </a:prstGeom>
         </p:spPr>
         <p:txBody>
-          <a:bodyPr anchorCtr="0" anchor="t" bIns="91425" lIns="91425" spcFirstLastPara="1" rIns="91425" wrap="square" tIns="91425">
+          <a:bodyPr spcFirstLastPara="1" wrap="square" lIns="91425" tIns="91425" rIns="91425" bIns="91425" anchor="t" anchorCtr="0">
             <a:normAutofit/>
           </a:bodyPr>
           <a:lstStyle>
-            <a:lvl1pPr indent="-317500" lvl="0" marL="457200">
+            <a:lvl1pPr marL="457200" lvl="0" indent="-317500">
               <a:spcBef>
                 <a:spcPts val="0"/>
               </a:spcBef>
@@ -3401,7 +3302,7 @@
               <a:buChar char="●"/>
               <a:defRPr sz="1400"/>
             </a:lvl1pPr>
-            <a:lvl2pPr indent="-304800" lvl="1" marL="914400">
+            <a:lvl2pPr marL="914400" lvl="1" indent="-304800">
               <a:spcBef>
                 <a:spcPts val="0"/>
               </a:spcBef>
@@ -3412,7 +3313,7 @@
               <a:buChar char="○"/>
               <a:defRPr sz="1200"/>
             </a:lvl2pPr>
-            <a:lvl3pPr indent="-304800" lvl="2" marL="1371600">
+            <a:lvl3pPr marL="1371600" lvl="2" indent="-304800">
               <a:spcBef>
                 <a:spcPts val="0"/>
               </a:spcBef>
@@ -3423,7 +3324,7 @@
               <a:buChar char="■"/>
               <a:defRPr sz="1200"/>
             </a:lvl3pPr>
-            <a:lvl4pPr indent="-304800" lvl="3" marL="1828800">
+            <a:lvl4pPr marL="1828800" lvl="3" indent="-304800">
               <a:spcBef>
                 <a:spcPts val="0"/>
               </a:spcBef>
@@ -3434,7 +3335,7 @@
               <a:buChar char="●"/>
               <a:defRPr sz="1200"/>
             </a:lvl4pPr>
-            <a:lvl5pPr indent="-304800" lvl="4" marL="2286000">
+            <a:lvl5pPr marL="2286000" lvl="4" indent="-304800">
               <a:spcBef>
                 <a:spcPts val="0"/>
               </a:spcBef>
@@ -3445,7 +3346,7 @@
               <a:buChar char="○"/>
               <a:defRPr sz="1200"/>
             </a:lvl5pPr>
-            <a:lvl6pPr indent="-304800" lvl="5" marL="2743200">
+            <a:lvl6pPr marL="2743200" lvl="5" indent="-304800">
               <a:spcBef>
                 <a:spcPts val="0"/>
               </a:spcBef>
@@ -3456,7 +3357,7 @@
               <a:buChar char="■"/>
               <a:defRPr sz="1200"/>
             </a:lvl6pPr>
-            <a:lvl7pPr indent="-304800" lvl="6" marL="3200400">
+            <a:lvl7pPr marL="3200400" lvl="6" indent="-304800">
               <a:spcBef>
                 <a:spcPts val="0"/>
               </a:spcBef>
@@ -3467,7 +3368,7 @@
               <a:buChar char="●"/>
               <a:defRPr sz="1200"/>
             </a:lvl7pPr>
-            <a:lvl8pPr indent="-304800" lvl="7" marL="3657600">
+            <a:lvl8pPr marL="3657600" lvl="7" indent="-304800">
               <a:spcBef>
                 <a:spcPts val="0"/>
               </a:spcBef>
@@ -3478,7 +3379,7 @@
               <a:buChar char="○"/>
               <a:defRPr sz="1200"/>
             </a:lvl8pPr>
-            <a:lvl9pPr indent="-304800" lvl="8" marL="4114800">
+            <a:lvl9pPr marL="4114800" lvl="8" indent="-304800">
               <a:spcBef>
                 <a:spcPts val="0"/>
               </a:spcBef>
@@ -3490,15 +3391,19 @@
               <a:defRPr sz="1200"/>
             </a:lvl9pPr>
           </a:lstStyle>
-          <a:p/>
+          <a:p>
+            <a:endParaRPr/>
+          </a:p>
         </p:txBody>
       </p:sp>
       <p:sp>
         <p:nvSpPr>
           <p:cNvPr id="24" name="Google Shape;24;p5"/>
-          <p:cNvSpPr txBox="1"/>
+          <p:cNvSpPr txBox="1">
+            <a:spLocks noGrp="1"/>
+          </p:cNvSpPr>
           <p:nvPr>
-            <p:ph idx="12" type="sldNum"/>
+            <p:ph type="sldNum" idx="12"/>
           </p:nvPr>
         </p:nvSpPr>
         <p:spPr>
@@ -3511,7 +3416,7 @@
           </a:prstGeom>
         </p:spPr>
         <p:txBody>
-          <a:bodyPr anchorCtr="0" anchor="ctr" bIns="91425" lIns="91425" spcFirstLastPara="1" rIns="91425" wrap="square" tIns="91425">
+          <a:bodyPr spcFirstLastPara="1" wrap="square" lIns="91425" tIns="91425" rIns="91425" bIns="91425" anchor="ctr" anchorCtr="0">
             <a:normAutofit/>
           </a:bodyPr>
           <a:lstStyle>
@@ -3553,7 +3458,7 @@
             </a:lvl9pPr>
           </a:lstStyle>
           <a:p>
-            <a:pPr indent="0" lvl="0" marL="0" rtl="0" algn="r">
+            <a:pPr marL="0" lvl="0" indent="0" algn="r" rtl="0">
               <a:spcBef>
                 <a:spcPts val="0"/>
               </a:spcBef>
@@ -3579,11 +3484,11 @@
 </file>
 
 <file path=ppt/slideLayouts/slideLayout5.xml><?xml version="1.0" encoding="utf-8"?>
-<p:sldLayout xmlns:a="http://schemas.openxmlformats.org/drawingml/2006/main" xmlns:r="http://schemas.openxmlformats.org/officeDocument/2006/relationships" xmlns:mc="http://schemas.openxmlformats.org/markup-compatibility/2006" xmlns:mv="urn:schemas-microsoft-com:mac:vml" xmlns:p="http://schemas.openxmlformats.org/presentationml/2006/main" xmlns:c="http://schemas.openxmlformats.org/drawingml/2006/chart" xmlns:dgm="http://schemas.openxmlformats.org/drawingml/2006/diagram" xmlns:o="urn:schemas-microsoft-com:office:office" xmlns:v="urn:schemas-microsoft-com:vml" xmlns:pvml="urn:schemas-microsoft-com:office:powerpoint" xmlns:com="http://schemas.openxmlformats.org/drawingml/2006/compatibility" xmlns:p14="http://schemas.microsoft.com/office/powerpoint/2010/main" xmlns:p15="http://schemas.microsoft.com/office/powerpoint/2012/main" xmlns:ahyp="http://schemas.microsoft.com/office/drawing/2018/hyperlinkcolor" matchingName="Title only" type="titleOnly">
+<p:sldLayout xmlns:a="http://schemas.openxmlformats.org/drawingml/2006/main" xmlns:r="http://schemas.openxmlformats.org/officeDocument/2006/relationships" xmlns:p="http://schemas.openxmlformats.org/presentationml/2006/main" matchingName="Title only" type="titleOnly">
   <p:cSld name="TITLE_ONLY">
     <p:spTree>
       <p:nvGrpSpPr>
-        <p:cNvPr id="25" name="Shape 25"/>
+        <p:cNvPr id="1" name="Shape 25"/>
         <p:cNvGrpSpPr/>
         <p:nvPr/>
       </p:nvGrpSpPr>
@@ -3598,7 +3503,9 @@
       <p:sp>
         <p:nvSpPr>
           <p:cNvPr id="26" name="Google Shape;26;p6"/>
-          <p:cNvSpPr txBox="1"/>
+          <p:cNvSpPr txBox="1">
+            <a:spLocks noGrp="1"/>
+          </p:cNvSpPr>
           <p:nvPr>
             <p:ph type="title"/>
           </p:nvPr>
@@ -3613,7 +3520,7 @@
           </a:prstGeom>
         </p:spPr>
         <p:txBody>
-          <a:bodyPr anchorCtr="0" anchor="t" bIns="91425" lIns="91425" spcFirstLastPara="1" rIns="91425" wrap="square" tIns="91425">
+          <a:bodyPr spcFirstLastPara="1" wrap="square" lIns="91425" tIns="91425" rIns="91425" bIns="91425" anchor="t" anchorCtr="0">
             <a:normAutofit/>
           </a:bodyPr>
           <a:lstStyle>
@@ -3717,15 +3624,19 @@
               <a:defRPr/>
             </a:lvl9pPr>
           </a:lstStyle>
-          <a:p/>
+          <a:p>
+            <a:endParaRPr/>
+          </a:p>
         </p:txBody>
       </p:sp>
       <p:sp>
         <p:nvSpPr>
           <p:cNvPr id="27" name="Google Shape;27;p6"/>
-          <p:cNvSpPr txBox="1"/>
+          <p:cNvSpPr txBox="1">
+            <a:spLocks noGrp="1"/>
+          </p:cNvSpPr>
           <p:nvPr>
-            <p:ph idx="12" type="sldNum"/>
+            <p:ph type="sldNum" idx="12"/>
           </p:nvPr>
         </p:nvSpPr>
         <p:spPr>
@@ -3738,7 +3649,7 @@
           </a:prstGeom>
         </p:spPr>
         <p:txBody>
-          <a:bodyPr anchorCtr="0" anchor="ctr" bIns="91425" lIns="91425" spcFirstLastPara="1" rIns="91425" wrap="square" tIns="91425">
+          <a:bodyPr spcFirstLastPara="1" wrap="square" lIns="91425" tIns="91425" rIns="91425" bIns="91425" anchor="ctr" anchorCtr="0">
             <a:normAutofit/>
           </a:bodyPr>
           <a:lstStyle>
@@ -3780,7 +3691,7 @@
             </a:lvl9pPr>
           </a:lstStyle>
           <a:p>
-            <a:pPr indent="0" lvl="0" marL="0" rtl="0" algn="r">
+            <a:pPr marL="0" lvl="0" indent="0" algn="r" rtl="0">
               <a:spcBef>
                 <a:spcPts val="0"/>
               </a:spcBef>
@@ -3806,11 +3717,11 @@
 </file>
 
 <file path=ppt/slideLayouts/slideLayout6.xml><?xml version="1.0" encoding="utf-8"?>
-<p:sldLayout xmlns:a="http://schemas.openxmlformats.org/drawingml/2006/main" xmlns:r="http://schemas.openxmlformats.org/officeDocument/2006/relationships" xmlns:mc="http://schemas.openxmlformats.org/markup-compatibility/2006" xmlns:mv="urn:schemas-microsoft-com:mac:vml" xmlns:p="http://schemas.openxmlformats.org/presentationml/2006/main" xmlns:c="http://schemas.openxmlformats.org/drawingml/2006/chart" xmlns:dgm="http://schemas.openxmlformats.org/drawingml/2006/diagram" xmlns:o="urn:schemas-microsoft-com:office:office" xmlns:v="urn:schemas-microsoft-com:vml" xmlns:pvml="urn:schemas-microsoft-com:office:powerpoint" xmlns:com="http://schemas.openxmlformats.org/drawingml/2006/compatibility" xmlns:p14="http://schemas.microsoft.com/office/powerpoint/2010/main" xmlns:p15="http://schemas.microsoft.com/office/powerpoint/2012/main" xmlns:ahyp="http://schemas.microsoft.com/office/drawing/2018/hyperlinkcolor" matchingName="One column text">
+<p:sldLayout xmlns:a="http://schemas.openxmlformats.org/drawingml/2006/main" xmlns:r="http://schemas.openxmlformats.org/officeDocument/2006/relationships" xmlns:p="http://schemas.openxmlformats.org/presentationml/2006/main" matchingName="One column text">
   <p:cSld name="ONE_COLUMN_TEXT">
     <p:spTree>
       <p:nvGrpSpPr>
-        <p:cNvPr id="28" name="Shape 28"/>
+        <p:cNvPr id="1" name="Shape 28"/>
         <p:cNvGrpSpPr/>
         <p:nvPr/>
       </p:nvGrpSpPr>
@@ -3825,7 +3736,9 @@
       <p:sp>
         <p:nvSpPr>
           <p:cNvPr id="29" name="Google Shape;29;p7"/>
-          <p:cNvSpPr txBox="1"/>
+          <p:cNvSpPr txBox="1">
+            <a:spLocks noGrp="1"/>
+          </p:cNvSpPr>
           <p:nvPr>
             <p:ph type="title"/>
           </p:nvPr>
@@ -3840,7 +3753,7 @@
           </a:prstGeom>
         </p:spPr>
         <p:txBody>
-          <a:bodyPr anchorCtr="0" anchor="b" bIns="91425" lIns="91425" spcFirstLastPara="1" rIns="91425" wrap="square" tIns="91425">
+          <a:bodyPr spcFirstLastPara="1" wrap="square" lIns="91425" tIns="91425" rIns="91425" bIns="91425" anchor="b" anchorCtr="0">
             <a:normAutofit/>
           </a:bodyPr>
           <a:lstStyle>
@@ -3944,15 +3857,19 @@
               <a:defRPr sz="2400"/>
             </a:lvl9pPr>
           </a:lstStyle>
-          <a:p/>
+          <a:p>
+            <a:endParaRPr/>
+          </a:p>
         </p:txBody>
       </p:sp>
       <p:sp>
         <p:nvSpPr>
           <p:cNvPr id="30" name="Google Shape;30;p7"/>
-          <p:cNvSpPr txBox="1"/>
+          <p:cNvSpPr txBox="1">
+            <a:spLocks noGrp="1"/>
+          </p:cNvSpPr>
           <p:nvPr>
-            <p:ph idx="1" type="body"/>
+            <p:ph type="body" idx="1"/>
           </p:nvPr>
         </p:nvSpPr>
         <p:spPr>
@@ -3965,11 +3882,11 @@
           </a:prstGeom>
         </p:spPr>
         <p:txBody>
-          <a:bodyPr anchorCtr="0" anchor="t" bIns="91425" lIns="91425" spcFirstLastPara="1" rIns="91425" wrap="square" tIns="91425">
+          <a:bodyPr spcFirstLastPara="1" wrap="square" lIns="91425" tIns="91425" rIns="91425" bIns="91425" anchor="t" anchorCtr="0">
             <a:normAutofit/>
           </a:bodyPr>
           <a:lstStyle>
-            <a:lvl1pPr indent="-304800" lvl="0" marL="457200">
+            <a:lvl1pPr marL="457200" lvl="0" indent="-304800">
               <a:spcBef>
                 <a:spcPts val="0"/>
               </a:spcBef>
@@ -3980,7 +3897,7 @@
               <a:buChar char="●"/>
               <a:defRPr sz="1200"/>
             </a:lvl1pPr>
-            <a:lvl2pPr indent="-304800" lvl="1" marL="914400">
+            <a:lvl2pPr marL="914400" lvl="1" indent="-304800">
               <a:spcBef>
                 <a:spcPts val="0"/>
               </a:spcBef>
@@ -3991,7 +3908,7 @@
               <a:buChar char="○"/>
               <a:defRPr sz="1200"/>
             </a:lvl2pPr>
-            <a:lvl3pPr indent="-304800" lvl="2" marL="1371600">
+            <a:lvl3pPr marL="1371600" lvl="2" indent="-304800">
               <a:spcBef>
                 <a:spcPts val="0"/>
               </a:spcBef>
@@ -4002,7 +3919,7 @@
               <a:buChar char="■"/>
               <a:defRPr sz="1200"/>
             </a:lvl3pPr>
-            <a:lvl4pPr indent="-304800" lvl="3" marL="1828800">
+            <a:lvl4pPr marL="1828800" lvl="3" indent="-304800">
               <a:spcBef>
                 <a:spcPts val="0"/>
               </a:spcBef>
@@ -4013,7 +3930,7 @@
               <a:buChar char="●"/>
               <a:defRPr sz="1200"/>
             </a:lvl4pPr>
-            <a:lvl5pPr indent="-304800" lvl="4" marL="2286000">
+            <a:lvl5pPr marL="2286000" lvl="4" indent="-304800">
               <a:spcBef>
                 <a:spcPts val="0"/>
               </a:spcBef>
@@ -4024,7 +3941,7 @@
               <a:buChar char="○"/>
               <a:defRPr sz="1200"/>
             </a:lvl5pPr>
-            <a:lvl6pPr indent="-304800" lvl="5" marL="2743200">
+            <a:lvl6pPr marL="2743200" lvl="5" indent="-304800">
               <a:spcBef>
                 <a:spcPts val="0"/>
               </a:spcBef>
@@ -4035,7 +3952,7 @@
               <a:buChar char="■"/>
               <a:defRPr sz="1200"/>
             </a:lvl6pPr>
-            <a:lvl7pPr indent="-304800" lvl="6" marL="3200400">
+            <a:lvl7pPr marL="3200400" lvl="6" indent="-304800">
               <a:spcBef>
                 <a:spcPts val="0"/>
               </a:spcBef>
@@ -4046,7 +3963,7 @@
               <a:buChar char="●"/>
               <a:defRPr sz="1200"/>
             </a:lvl7pPr>
-            <a:lvl8pPr indent="-304800" lvl="7" marL="3657600">
+            <a:lvl8pPr marL="3657600" lvl="7" indent="-304800">
               <a:spcBef>
                 <a:spcPts val="0"/>
               </a:spcBef>
@@ -4057,7 +3974,7 @@
               <a:buChar char="○"/>
               <a:defRPr sz="1200"/>
             </a:lvl8pPr>
-            <a:lvl9pPr indent="-304800" lvl="8" marL="4114800">
+            <a:lvl9pPr marL="4114800" lvl="8" indent="-304800">
               <a:spcBef>
                 <a:spcPts val="0"/>
               </a:spcBef>
@@ -4069,15 +3986,19 @@
               <a:defRPr sz="1200"/>
             </a:lvl9pPr>
           </a:lstStyle>
-          <a:p/>
+          <a:p>
+            <a:endParaRPr/>
+          </a:p>
         </p:txBody>
       </p:sp>
       <p:sp>
         <p:nvSpPr>
           <p:cNvPr id="31" name="Google Shape;31;p7"/>
-          <p:cNvSpPr txBox="1"/>
+          <p:cNvSpPr txBox="1">
+            <a:spLocks noGrp="1"/>
+          </p:cNvSpPr>
           <p:nvPr>
-            <p:ph idx="12" type="sldNum"/>
+            <p:ph type="sldNum" idx="12"/>
           </p:nvPr>
         </p:nvSpPr>
         <p:spPr>
@@ -4090,7 +4011,7 @@
           </a:prstGeom>
         </p:spPr>
         <p:txBody>
-          <a:bodyPr anchorCtr="0" anchor="ctr" bIns="91425" lIns="91425" spcFirstLastPara="1" rIns="91425" wrap="square" tIns="91425">
+          <a:bodyPr spcFirstLastPara="1" wrap="square" lIns="91425" tIns="91425" rIns="91425" bIns="91425" anchor="ctr" anchorCtr="0">
             <a:normAutofit/>
           </a:bodyPr>
           <a:lstStyle>
@@ -4132,7 +4053,7 @@
             </a:lvl9pPr>
           </a:lstStyle>
           <a:p>
-            <a:pPr indent="0" lvl="0" marL="0" rtl="0" algn="r">
+            <a:pPr marL="0" lvl="0" indent="0" algn="r" rtl="0">
               <a:spcBef>
                 <a:spcPts val="0"/>
               </a:spcBef>
@@ -4158,11 +4079,11 @@
 </file>
 
 <file path=ppt/slideLayouts/slideLayout7.xml><?xml version="1.0" encoding="utf-8"?>
-<p:sldLayout xmlns:a="http://schemas.openxmlformats.org/drawingml/2006/main" xmlns:r="http://schemas.openxmlformats.org/officeDocument/2006/relationships" xmlns:mc="http://schemas.openxmlformats.org/markup-compatibility/2006" xmlns:mv="urn:schemas-microsoft-com:mac:vml" xmlns:p="http://schemas.openxmlformats.org/presentationml/2006/main" xmlns:c="http://schemas.openxmlformats.org/drawingml/2006/chart" xmlns:dgm="http://schemas.openxmlformats.org/drawingml/2006/diagram" xmlns:o="urn:schemas-microsoft-com:office:office" xmlns:v="urn:schemas-microsoft-com:vml" xmlns:pvml="urn:schemas-microsoft-com:office:powerpoint" xmlns:com="http://schemas.openxmlformats.org/drawingml/2006/compatibility" xmlns:p14="http://schemas.microsoft.com/office/powerpoint/2010/main" xmlns:p15="http://schemas.microsoft.com/office/powerpoint/2012/main" xmlns:ahyp="http://schemas.microsoft.com/office/drawing/2018/hyperlinkcolor" matchingName="Main point">
+<p:sldLayout xmlns:a="http://schemas.openxmlformats.org/drawingml/2006/main" xmlns:r="http://schemas.openxmlformats.org/officeDocument/2006/relationships" xmlns:p="http://schemas.openxmlformats.org/presentationml/2006/main" matchingName="Main point">
   <p:cSld name="MAIN_POINT">
     <p:spTree>
       <p:nvGrpSpPr>
-        <p:cNvPr id="32" name="Shape 32"/>
+        <p:cNvPr id="1" name="Shape 32"/>
         <p:cNvGrpSpPr/>
         <p:nvPr/>
       </p:nvGrpSpPr>
@@ -4177,7 +4098,9 @@
       <p:sp>
         <p:nvSpPr>
           <p:cNvPr id="33" name="Google Shape;33;p8"/>
-          <p:cNvSpPr txBox="1"/>
+          <p:cNvSpPr txBox="1">
+            <a:spLocks noGrp="1"/>
+          </p:cNvSpPr>
           <p:nvPr>
             <p:ph type="title"/>
           </p:nvPr>
@@ -4192,7 +4115,7 @@
           </a:prstGeom>
         </p:spPr>
         <p:txBody>
-          <a:bodyPr anchorCtr="0" anchor="ctr" bIns="91425" lIns="91425" spcFirstLastPara="1" rIns="91425" wrap="square" tIns="91425">
+          <a:bodyPr spcFirstLastPara="1" wrap="square" lIns="91425" tIns="91425" rIns="91425" bIns="91425" anchor="ctr" anchorCtr="0">
             <a:normAutofit/>
           </a:bodyPr>
           <a:lstStyle>
@@ -4296,15 +4219,19 @@
               <a:defRPr sz="4800"/>
             </a:lvl9pPr>
           </a:lstStyle>
-          <a:p/>
+          <a:p>
+            <a:endParaRPr/>
+          </a:p>
         </p:txBody>
       </p:sp>
       <p:sp>
         <p:nvSpPr>
           <p:cNvPr id="34" name="Google Shape;34;p8"/>
-          <p:cNvSpPr txBox="1"/>
+          <p:cNvSpPr txBox="1">
+            <a:spLocks noGrp="1"/>
+          </p:cNvSpPr>
           <p:nvPr>
-            <p:ph idx="12" type="sldNum"/>
+            <p:ph type="sldNum" idx="12"/>
           </p:nvPr>
         </p:nvSpPr>
         <p:spPr>
@@ -4317,7 +4244,7 @@
           </a:prstGeom>
         </p:spPr>
         <p:txBody>
-          <a:bodyPr anchorCtr="0" anchor="ctr" bIns="91425" lIns="91425" spcFirstLastPara="1" rIns="91425" wrap="square" tIns="91425">
+          <a:bodyPr spcFirstLastPara="1" wrap="square" lIns="91425" tIns="91425" rIns="91425" bIns="91425" anchor="ctr" anchorCtr="0">
             <a:normAutofit/>
           </a:bodyPr>
           <a:lstStyle>
@@ -4359,7 +4286,7 @@
             </a:lvl9pPr>
           </a:lstStyle>
           <a:p>
-            <a:pPr indent="0" lvl="0" marL="0" rtl="0" algn="r">
+            <a:pPr marL="0" lvl="0" indent="0" algn="r" rtl="0">
               <a:spcBef>
                 <a:spcPts val="0"/>
               </a:spcBef>
@@ -4385,11 +4312,11 @@
 </file>
 
 <file path=ppt/slideLayouts/slideLayout8.xml><?xml version="1.0" encoding="utf-8"?>
-<p:sldLayout xmlns:a="http://schemas.openxmlformats.org/drawingml/2006/main" xmlns:r="http://schemas.openxmlformats.org/officeDocument/2006/relationships" xmlns:mc="http://schemas.openxmlformats.org/markup-compatibility/2006" xmlns:mv="urn:schemas-microsoft-com:mac:vml" xmlns:p="http://schemas.openxmlformats.org/presentationml/2006/main" xmlns:c="http://schemas.openxmlformats.org/drawingml/2006/chart" xmlns:dgm="http://schemas.openxmlformats.org/drawingml/2006/diagram" xmlns:o="urn:schemas-microsoft-com:office:office" xmlns:v="urn:schemas-microsoft-com:vml" xmlns:pvml="urn:schemas-microsoft-com:office:powerpoint" xmlns:com="http://schemas.openxmlformats.org/drawingml/2006/compatibility" xmlns:p14="http://schemas.microsoft.com/office/powerpoint/2010/main" xmlns:p15="http://schemas.microsoft.com/office/powerpoint/2012/main" xmlns:ahyp="http://schemas.microsoft.com/office/drawing/2018/hyperlinkcolor" matchingName="Section title and description">
+<p:sldLayout xmlns:a="http://schemas.openxmlformats.org/drawingml/2006/main" xmlns:r="http://schemas.openxmlformats.org/officeDocument/2006/relationships" xmlns:p="http://schemas.openxmlformats.org/presentationml/2006/main" matchingName="Section title and description">
   <p:cSld name="SECTION_TITLE_AND_DESCRIPTION">
     <p:spTree>
       <p:nvGrpSpPr>
-        <p:cNvPr id="35" name="Shape 35"/>
+        <p:cNvPr id="1" name="Shape 35"/>
         <p:cNvGrpSpPr/>
         <p:nvPr/>
       </p:nvGrpSpPr>
@@ -4423,12 +4350,12 @@
           </a:ln>
         </p:spPr>
         <p:txBody>
-          <a:bodyPr anchorCtr="0" anchor="ctr" bIns="91425" lIns="91425" spcFirstLastPara="1" rIns="91425" wrap="square" tIns="91425">
+          <a:bodyPr spcFirstLastPara="1" wrap="square" lIns="91425" tIns="91425" rIns="91425" bIns="91425" anchor="ctr" anchorCtr="0">
             <a:noAutofit/>
           </a:bodyPr>
           <a:lstStyle/>
           <a:p>
-            <a:pPr indent="0" lvl="0" marL="0" rtl="0" algn="l">
+            <a:pPr marL="0" lvl="0" indent="0" algn="l" rtl="0">
               <a:spcBef>
                 <a:spcPts val="0"/>
               </a:spcBef>
@@ -4437,9 +4364,6 @@
               </a:spcAft>
               <a:buNone/>
             </a:pPr>
-            <a:r>
-              <a:t/>
-            </a:r>
             <a:endParaRPr/>
           </a:p>
         </p:txBody>
@@ -4447,7 +4371,9 @@
       <p:sp>
         <p:nvSpPr>
           <p:cNvPr id="37" name="Google Shape;37;p9"/>
-          <p:cNvSpPr txBox="1"/>
+          <p:cNvSpPr txBox="1">
+            <a:spLocks noGrp="1"/>
+          </p:cNvSpPr>
           <p:nvPr>
             <p:ph type="title"/>
           </p:nvPr>
@@ -4462,7 +4388,7 @@
           </a:prstGeom>
         </p:spPr>
         <p:txBody>
-          <a:bodyPr anchorCtr="0" anchor="b" bIns="91425" lIns="91425" spcFirstLastPara="1" rIns="91425" wrap="square" tIns="91425">
+          <a:bodyPr spcFirstLastPara="1" wrap="square" lIns="91425" tIns="91425" rIns="91425" bIns="91425" anchor="b" anchorCtr="0">
             <a:normAutofit/>
           </a:bodyPr>
           <a:lstStyle>
@@ -4566,15 +4492,19 @@
               <a:defRPr sz="4200"/>
             </a:lvl9pPr>
           </a:lstStyle>
-          <a:p/>
+          <a:p>
+            <a:endParaRPr/>
+          </a:p>
         </p:txBody>
       </p:sp>
       <p:sp>
         <p:nvSpPr>
           <p:cNvPr id="38" name="Google Shape;38;p9"/>
-          <p:cNvSpPr txBox="1"/>
+          <p:cNvSpPr txBox="1">
+            <a:spLocks noGrp="1"/>
+          </p:cNvSpPr>
           <p:nvPr>
-            <p:ph idx="1" type="subTitle"/>
+            <p:ph type="subTitle" idx="1"/>
           </p:nvPr>
         </p:nvSpPr>
         <p:spPr>
@@ -4587,7 +4517,7 @@
           </a:prstGeom>
         </p:spPr>
         <p:txBody>
-          <a:bodyPr anchorCtr="0" anchor="t" bIns="91425" lIns="91425" spcFirstLastPara="1" rIns="91425" wrap="square" tIns="91425">
+          <a:bodyPr spcFirstLastPara="1" wrap="square" lIns="91425" tIns="91425" rIns="91425" bIns="91425" anchor="t" anchorCtr="0">
             <a:normAutofit/>
           </a:bodyPr>
           <a:lstStyle>
@@ -4718,15 +4648,19 @@
               <a:defRPr sz="2100"/>
             </a:lvl9pPr>
           </a:lstStyle>
-          <a:p/>
+          <a:p>
+            <a:endParaRPr/>
+          </a:p>
         </p:txBody>
       </p:sp>
       <p:sp>
         <p:nvSpPr>
           <p:cNvPr id="39" name="Google Shape;39;p9"/>
-          <p:cNvSpPr txBox="1"/>
+          <p:cNvSpPr txBox="1">
+            <a:spLocks noGrp="1"/>
+          </p:cNvSpPr>
           <p:nvPr>
-            <p:ph idx="2" type="body"/>
+            <p:ph type="body" idx="2"/>
           </p:nvPr>
         </p:nvSpPr>
         <p:spPr>
@@ -4739,11 +4673,11 @@
           </a:prstGeom>
         </p:spPr>
         <p:txBody>
-          <a:bodyPr anchorCtr="0" anchor="ctr" bIns="91425" lIns="91425" spcFirstLastPara="1" rIns="91425" wrap="square" tIns="91425">
+          <a:bodyPr spcFirstLastPara="1" wrap="square" lIns="91425" tIns="91425" rIns="91425" bIns="91425" anchor="ctr" anchorCtr="0">
             <a:normAutofit/>
           </a:bodyPr>
           <a:lstStyle>
-            <a:lvl1pPr indent="-342900" lvl="0" marL="457200">
+            <a:lvl1pPr marL="457200" lvl="0" indent="-342900">
               <a:spcBef>
                 <a:spcPts val="0"/>
               </a:spcBef>
@@ -4754,7 +4688,7 @@
               <a:buChar char="●"/>
               <a:defRPr/>
             </a:lvl1pPr>
-            <a:lvl2pPr indent="-317500" lvl="1" marL="914400">
+            <a:lvl2pPr marL="914400" lvl="1" indent="-317500">
               <a:spcBef>
                 <a:spcPts val="0"/>
               </a:spcBef>
@@ -4765,7 +4699,7 @@
               <a:buChar char="○"/>
               <a:defRPr/>
             </a:lvl2pPr>
-            <a:lvl3pPr indent="-317500" lvl="2" marL="1371600">
+            <a:lvl3pPr marL="1371600" lvl="2" indent="-317500">
               <a:spcBef>
                 <a:spcPts val="0"/>
               </a:spcBef>
@@ -4776,7 +4710,7 @@
               <a:buChar char="■"/>
               <a:defRPr/>
             </a:lvl3pPr>
-            <a:lvl4pPr indent="-317500" lvl="3" marL="1828800">
+            <a:lvl4pPr marL="1828800" lvl="3" indent="-317500">
               <a:spcBef>
                 <a:spcPts val="0"/>
               </a:spcBef>
@@ -4787,7 +4721,7 @@
               <a:buChar char="●"/>
               <a:defRPr/>
             </a:lvl4pPr>
-            <a:lvl5pPr indent="-317500" lvl="4" marL="2286000">
+            <a:lvl5pPr marL="2286000" lvl="4" indent="-317500">
               <a:spcBef>
                 <a:spcPts val="0"/>
               </a:spcBef>
@@ -4798,7 +4732,7 @@
               <a:buChar char="○"/>
               <a:defRPr/>
             </a:lvl5pPr>
-            <a:lvl6pPr indent="-317500" lvl="5" marL="2743200">
+            <a:lvl6pPr marL="2743200" lvl="5" indent="-317500">
               <a:spcBef>
                 <a:spcPts val="0"/>
               </a:spcBef>
@@ -4809,7 +4743,7 @@
               <a:buChar char="■"/>
               <a:defRPr/>
             </a:lvl6pPr>
-            <a:lvl7pPr indent="-317500" lvl="6" marL="3200400">
+            <a:lvl7pPr marL="3200400" lvl="6" indent="-317500">
               <a:spcBef>
                 <a:spcPts val="0"/>
               </a:spcBef>
@@ -4820,7 +4754,7 @@
               <a:buChar char="●"/>
               <a:defRPr/>
             </a:lvl7pPr>
-            <a:lvl8pPr indent="-317500" lvl="7" marL="3657600">
+            <a:lvl8pPr marL="3657600" lvl="7" indent="-317500">
               <a:spcBef>
                 <a:spcPts val="0"/>
               </a:spcBef>
@@ -4831,7 +4765,7 @@
               <a:buChar char="○"/>
               <a:defRPr/>
             </a:lvl8pPr>
-            <a:lvl9pPr indent="-317500" lvl="8" marL="4114800">
+            <a:lvl9pPr marL="4114800" lvl="8" indent="-317500">
               <a:spcBef>
                 <a:spcPts val="0"/>
               </a:spcBef>
@@ -4843,15 +4777,19 @@
               <a:defRPr/>
             </a:lvl9pPr>
           </a:lstStyle>
-          <a:p/>
+          <a:p>
+            <a:endParaRPr/>
+          </a:p>
         </p:txBody>
       </p:sp>
       <p:sp>
         <p:nvSpPr>
           <p:cNvPr id="40" name="Google Shape;40;p9"/>
-          <p:cNvSpPr txBox="1"/>
+          <p:cNvSpPr txBox="1">
+            <a:spLocks noGrp="1"/>
+          </p:cNvSpPr>
           <p:nvPr>
-            <p:ph idx="12" type="sldNum"/>
+            <p:ph type="sldNum" idx="12"/>
           </p:nvPr>
         </p:nvSpPr>
         <p:spPr>
@@ -4864,7 +4802,7 @@
           </a:prstGeom>
         </p:spPr>
         <p:txBody>
-          <a:bodyPr anchorCtr="0" anchor="ctr" bIns="91425" lIns="91425" spcFirstLastPara="1" rIns="91425" wrap="square" tIns="91425">
+          <a:bodyPr spcFirstLastPara="1" wrap="square" lIns="91425" tIns="91425" rIns="91425" bIns="91425" anchor="ctr" anchorCtr="0">
             <a:normAutofit/>
           </a:bodyPr>
           <a:lstStyle>
@@ -4906,7 +4844,7 @@
             </a:lvl9pPr>
           </a:lstStyle>
           <a:p>
-            <a:pPr indent="0" lvl="0" marL="0" rtl="0" algn="r">
+            <a:pPr marL="0" lvl="0" indent="0" algn="r" rtl="0">
               <a:spcBef>
                 <a:spcPts val="0"/>
               </a:spcBef>
@@ -4932,11 +4870,11 @@
 </file>
 
 <file path=ppt/slideLayouts/slideLayout9.xml><?xml version="1.0" encoding="utf-8"?>
-<p:sldLayout xmlns:a="http://schemas.openxmlformats.org/drawingml/2006/main" xmlns:r="http://schemas.openxmlformats.org/officeDocument/2006/relationships" xmlns:mc="http://schemas.openxmlformats.org/markup-compatibility/2006" xmlns:mv="urn:schemas-microsoft-com:mac:vml" xmlns:p="http://schemas.openxmlformats.org/presentationml/2006/main" xmlns:c="http://schemas.openxmlformats.org/drawingml/2006/chart" xmlns:dgm="http://schemas.openxmlformats.org/drawingml/2006/diagram" xmlns:o="urn:schemas-microsoft-com:office:office" xmlns:v="urn:schemas-microsoft-com:vml" xmlns:pvml="urn:schemas-microsoft-com:office:powerpoint" xmlns:com="http://schemas.openxmlformats.org/drawingml/2006/compatibility" xmlns:p14="http://schemas.microsoft.com/office/powerpoint/2010/main" xmlns:p15="http://schemas.microsoft.com/office/powerpoint/2012/main" xmlns:ahyp="http://schemas.microsoft.com/office/drawing/2018/hyperlinkcolor" matchingName="Caption">
+<p:sldLayout xmlns:a="http://schemas.openxmlformats.org/drawingml/2006/main" xmlns:r="http://schemas.openxmlformats.org/officeDocument/2006/relationships" xmlns:p="http://schemas.openxmlformats.org/presentationml/2006/main" matchingName="Caption">
   <p:cSld name="CAPTION_ONLY">
     <p:spTree>
       <p:nvGrpSpPr>
-        <p:cNvPr id="41" name="Shape 41"/>
+        <p:cNvPr id="1" name="Shape 41"/>
         <p:cNvGrpSpPr/>
         <p:nvPr/>
       </p:nvGrpSpPr>
@@ -4951,9 +4889,11 @@
       <p:sp>
         <p:nvSpPr>
           <p:cNvPr id="42" name="Google Shape;42;p10"/>
-          <p:cNvSpPr txBox="1"/>
+          <p:cNvSpPr txBox="1">
+            <a:spLocks noGrp="1"/>
+          </p:cNvSpPr>
           <p:nvPr>
-            <p:ph idx="1" type="body"/>
+            <p:ph type="body" idx="1"/>
           </p:nvPr>
         </p:nvSpPr>
         <p:spPr>
@@ -4966,11 +4906,11 @@
           </a:prstGeom>
         </p:spPr>
         <p:txBody>
-          <a:bodyPr anchorCtr="0" anchor="ctr" bIns="91425" lIns="91425" spcFirstLastPara="1" rIns="91425" wrap="square" tIns="91425">
+          <a:bodyPr spcFirstLastPara="1" wrap="square" lIns="91425" tIns="91425" rIns="91425" bIns="91425" anchor="ctr" anchorCtr="0">
             <a:normAutofit/>
           </a:bodyPr>
           <a:lstStyle>
-            <a:lvl1pPr indent="-228600" lvl="0" marL="457200">
+            <a:lvl1pPr marL="457200" lvl="0" indent="-228600">
               <a:lnSpc>
                 <a:spcPct val="100000"/>
               </a:lnSpc>
@@ -4985,15 +4925,19 @@
               <a:defRPr/>
             </a:lvl1pPr>
           </a:lstStyle>
-          <a:p/>
+          <a:p>
+            <a:endParaRPr/>
+          </a:p>
         </p:txBody>
       </p:sp>
       <p:sp>
         <p:nvSpPr>
           <p:cNvPr id="43" name="Google Shape;43;p10"/>
-          <p:cNvSpPr txBox="1"/>
+          <p:cNvSpPr txBox="1">
+            <a:spLocks noGrp="1"/>
+          </p:cNvSpPr>
           <p:nvPr>
-            <p:ph idx="12" type="sldNum"/>
+            <p:ph type="sldNum" idx="12"/>
           </p:nvPr>
         </p:nvSpPr>
         <p:spPr>
@@ -5006,7 +4950,7 @@
           </a:prstGeom>
         </p:spPr>
         <p:txBody>
-          <a:bodyPr anchorCtr="0" anchor="ctr" bIns="91425" lIns="91425" spcFirstLastPara="1" rIns="91425" wrap="square" tIns="91425">
+          <a:bodyPr spcFirstLastPara="1" wrap="square" lIns="91425" tIns="91425" rIns="91425" bIns="91425" anchor="ctr" anchorCtr="0">
             <a:normAutofit/>
           </a:bodyPr>
           <a:lstStyle>
@@ -5048,7 +4992,7 @@
             </a:lvl9pPr>
           </a:lstStyle>
           <a:p>
-            <a:pPr indent="0" lvl="0" marL="0" rtl="0" algn="r">
+            <a:pPr marL="0" lvl="0" indent="0" algn="r" rtl="0">
               <a:spcBef>
                 <a:spcPts val="0"/>
               </a:spcBef>
@@ -5074,18 +5018,19 @@
 </file>
 
 <file path=ppt/slideMasters/slideMaster1.xml><?xml version="1.0" encoding="utf-8"?>
-<p:sldMaster xmlns:a="http://schemas.openxmlformats.org/drawingml/2006/main" xmlns:r="http://schemas.openxmlformats.org/officeDocument/2006/relationships" xmlns:mc="http://schemas.openxmlformats.org/markup-compatibility/2006" xmlns:mv="urn:schemas-microsoft-com:mac:vml" xmlns:p="http://schemas.openxmlformats.org/presentationml/2006/main" xmlns:c="http://schemas.openxmlformats.org/drawingml/2006/chart" xmlns:dgm="http://schemas.openxmlformats.org/drawingml/2006/diagram" xmlns:o="urn:schemas-microsoft-com:office:office" xmlns:v="urn:schemas-microsoft-com:vml" xmlns:pvml="urn:schemas-microsoft-com:office:powerpoint" xmlns:com="http://schemas.openxmlformats.org/drawingml/2006/compatibility" xmlns:p14="http://schemas.microsoft.com/office/powerpoint/2010/main" xmlns:p15="http://schemas.microsoft.com/office/powerpoint/2012/main" xmlns:ahyp="http://schemas.microsoft.com/office/drawing/2018/hyperlinkcolor">
+<p:sldMaster xmlns:a="http://schemas.openxmlformats.org/drawingml/2006/main" xmlns:r="http://schemas.openxmlformats.org/officeDocument/2006/relationships" xmlns:p="http://schemas.openxmlformats.org/presentationml/2006/main">
   <p:cSld name="simple-light-2">
     <p:bg>
       <p:bgPr>
         <a:solidFill>
           <a:schemeClr val="lt1"/>
         </a:solidFill>
+        <a:effectLst/>
       </p:bgPr>
     </p:bg>
     <p:spTree>
       <p:nvGrpSpPr>
-        <p:cNvPr id="5" name="Shape 5"/>
+        <p:cNvPr id="1" name="Shape 5"/>
         <p:cNvGrpSpPr/>
         <p:nvPr/>
       </p:nvGrpSpPr>
@@ -5100,7 +5045,9 @@
       <p:sp>
         <p:nvSpPr>
           <p:cNvPr id="6" name="Google Shape;6;p1"/>
-          <p:cNvSpPr txBox="1"/>
+          <p:cNvSpPr txBox="1">
+            <a:spLocks noGrp="1"/>
+          </p:cNvSpPr>
           <p:nvPr>
             <p:ph type="title"/>
           </p:nvPr>
@@ -5119,7 +5066,7 @@
           </a:ln>
         </p:spPr>
         <p:txBody>
-          <a:bodyPr anchorCtr="0" anchor="t" bIns="91425" lIns="91425" spcFirstLastPara="1" rIns="91425" wrap="square" tIns="91425">
+          <a:bodyPr spcFirstLastPara="1" wrap="square" lIns="91425" tIns="91425" rIns="91425" bIns="91425" anchor="t" anchorCtr="0">
             <a:normAutofit/>
           </a:bodyPr>
           <a:lstStyle>
@@ -5286,15 +5233,19 @@
               </a:defRPr>
             </a:lvl9pPr>
           </a:lstStyle>
-          <a:p/>
+          <a:p>
+            <a:endParaRPr/>
+          </a:p>
         </p:txBody>
       </p:sp>
       <p:sp>
         <p:nvSpPr>
           <p:cNvPr id="7" name="Google Shape;7;p1"/>
-          <p:cNvSpPr txBox="1"/>
+          <p:cNvSpPr txBox="1">
+            <a:spLocks noGrp="1"/>
+          </p:cNvSpPr>
           <p:nvPr>
-            <p:ph idx="1" type="body"/>
+            <p:ph type="body" idx="1"/>
           </p:nvPr>
         </p:nvSpPr>
         <p:spPr>
@@ -5311,11 +5262,11 @@
           </a:ln>
         </p:spPr>
         <p:txBody>
-          <a:bodyPr anchorCtr="0" anchor="t" bIns="91425" lIns="91425" spcFirstLastPara="1" rIns="91425" wrap="square" tIns="91425">
+          <a:bodyPr spcFirstLastPara="1" wrap="square" lIns="91425" tIns="91425" rIns="91425" bIns="91425" anchor="t" anchorCtr="0">
             <a:normAutofit/>
           </a:bodyPr>
           <a:lstStyle>
-            <a:lvl1pPr indent="-342900" lvl="0" marL="457200">
+            <a:lvl1pPr marL="457200" lvl="0" indent="-342900">
               <a:lnSpc>
                 <a:spcPct val="115000"/>
               </a:lnSpc>
@@ -5336,7 +5287,7 @@
                 </a:solidFill>
               </a:defRPr>
             </a:lvl1pPr>
-            <a:lvl2pPr indent="-317500" lvl="1" marL="914400">
+            <a:lvl2pPr marL="914400" lvl="1" indent="-317500">
               <a:lnSpc>
                 <a:spcPct val="115000"/>
               </a:lnSpc>
@@ -5357,7 +5308,7 @@
                 </a:solidFill>
               </a:defRPr>
             </a:lvl2pPr>
-            <a:lvl3pPr indent="-317500" lvl="2" marL="1371600">
+            <a:lvl3pPr marL="1371600" lvl="2" indent="-317500">
               <a:lnSpc>
                 <a:spcPct val="115000"/>
               </a:lnSpc>
@@ -5378,7 +5329,7 @@
                 </a:solidFill>
               </a:defRPr>
             </a:lvl3pPr>
-            <a:lvl4pPr indent="-317500" lvl="3" marL="1828800">
+            <a:lvl4pPr marL="1828800" lvl="3" indent="-317500">
               <a:lnSpc>
                 <a:spcPct val="115000"/>
               </a:lnSpc>
@@ -5399,7 +5350,7 @@
                 </a:solidFill>
               </a:defRPr>
             </a:lvl4pPr>
-            <a:lvl5pPr indent="-317500" lvl="4" marL="2286000">
+            <a:lvl5pPr marL="2286000" lvl="4" indent="-317500">
               <a:lnSpc>
                 <a:spcPct val="115000"/>
               </a:lnSpc>
@@ -5420,7 +5371,7 @@
                 </a:solidFill>
               </a:defRPr>
             </a:lvl5pPr>
-            <a:lvl6pPr indent="-317500" lvl="5" marL="2743200">
+            <a:lvl6pPr marL="2743200" lvl="5" indent="-317500">
               <a:lnSpc>
                 <a:spcPct val="115000"/>
               </a:lnSpc>
@@ -5441,7 +5392,7 @@
                 </a:solidFill>
               </a:defRPr>
             </a:lvl6pPr>
-            <a:lvl7pPr indent="-317500" lvl="6" marL="3200400">
+            <a:lvl7pPr marL="3200400" lvl="6" indent="-317500">
               <a:lnSpc>
                 <a:spcPct val="115000"/>
               </a:lnSpc>
@@ -5462,7 +5413,7 @@
                 </a:solidFill>
               </a:defRPr>
             </a:lvl7pPr>
-            <a:lvl8pPr indent="-317500" lvl="7" marL="3657600">
+            <a:lvl8pPr marL="3657600" lvl="7" indent="-317500">
               <a:lnSpc>
                 <a:spcPct val="115000"/>
               </a:lnSpc>
@@ -5483,7 +5434,7 @@
                 </a:solidFill>
               </a:defRPr>
             </a:lvl8pPr>
-            <a:lvl9pPr indent="-317500" lvl="8" marL="4114800">
+            <a:lvl9pPr marL="4114800" lvl="8" indent="-317500">
               <a:lnSpc>
                 <a:spcPct val="115000"/>
               </a:lnSpc>
@@ -5505,15 +5456,19 @@
               </a:defRPr>
             </a:lvl9pPr>
           </a:lstStyle>
-          <a:p/>
+          <a:p>
+            <a:endParaRPr/>
+          </a:p>
         </p:txBody>
       </p:sp>
       <p:sp>
         <p:nvSpPr>
           <p:cNvPr id="8" name="Google Shape;8;p1"/>
-          <p:cNvSpPr txBox="1"/>
+          <p:cNvSpPr txBox="1">
+            <a:spLocks noGrp="1"/>
+          </p:cNvSpPr>
           <p:nvPr>
-            <p:ph idx="12" type="sldNum"/>
+            <p:ph type="sldNum" idx="12"/>
           </p:nvPr>
         </p:nvSpPr>
         <p:spPr>
@@ -5530,7 +5485,7 @@
           </a:ln>
         </p:spPr>
         <p:txBody>
-          <a:bodyPr anchorCtr="0" anchor="ctr" bIns="91425" lIns="91425" spcFirstLastPara="1" rIns="91425" wrap="square" tIns="91425">
+          <a:bodyPr spcFirstLastPara="1" wrap="square" lIns="91425" tIns="91425" rIns="91425" bIns="91425" anchor="ctr" anchorCtr="0">
             <a:normAutofit/>
           </a:bodyPr>
           <a:lstStyle>
@@ -5608,7 +5563,7 @@
             </a:lvl9pPr>
           </a:lstStyle>
           <a:p>
-            <a:pPr indent="0" lvl="0" marL="0" rtl="0" algn="r">
+            <a:pPr marL="0" lvl="0" indent="0" algn="r" rtl="0">
               <a:spcBef>
                 <a:spcPts val="0"/>
               </a:spcBef>
@@ -5627,7 +5582,7 @@
       </p:sp>
     </p:spTree>
   </p:cSld>
-  <p:clrMap accent1="accent1" accent2="accent2" accent3="accent3" accent4="accent4" accent5="accent5" accent6="accent6" bg1="lt1" bg2="dk2" tx1="dk1" tx2="lt2" folHlink="folHlink" hlink="hlink"/>
+  <p:clrMap bg1="lt1" tx1="dk1" bg2="dk2" tx2="lt2" accent1="accent1" accent2="accent2" accent3="accent3" accent4="accent4" accent5="accent5" accent6="accent6" hlink="hlink" folHlink="folHlink"/>
   <p:sldLayoutIdLst>
     <p:sldLayoutId id="2147483648" r:id="rId1"/>
     <p:sldLayoutId id="2147483649" r:id="rId2"/>
@@ -5641,10 +5596,10 @@
     <p:sldLayoutId id="2147483657" r:id="rId10"/>
     <p:sldLayoutId id="2147483658" r:id="rId11"/>
   </p:sldLayoutIdLst>
-  <p:hf dt="0" ftr="0" hdr="0" sldNum="0"/>
+  <p:hf sldNum="0" hdr="0" ftr="0" dt="0"/>
   <p:txStyles>
     <p:titleStyle>
-      <a:defPPr lvl="0" marR="0" rtl="0" algn="l">
+      <a:defPPr marR="0" lvl="0" algn="l" rtl="0">
         <a:lnSpc>
           <a:spcPct val="100000"/>
         </a:lnSpc>
@@ -5655,7 +5610,7 @@
           <a:spcPts val="0"/>
         </a:spcAft>
       </a:defPPr>
-      <a:lvl1pPr lvl="0" marR="0" rtl="0" algn="l">
+      <a:lvl1pPr marR="0" lvl="0" algn="l" rtl="0">
         <a:lnSpc>
           <a:spcPct val="100000"/>
         </a:lnSpc>
@@ -5669,7 +5624,7 @@
           <a:srgbClr val="000000"/>
         </a:buClr>
         <a:buFont typeface="Arial"/>
-        <a:defRPr b="0" i="0" sz="1400" u="none" cap="none" strike="noStrike">
+        <a:defRPr sz="1400" b="0" i="0" u="none" strike="noStrike" cap="none">
           <a:solidFill>
             <a:srgbClr val="000000"/>
           </a:solidFill>
@@ -5679,7 +5634,7 @@
           <a:sym typeface="Arial"/>
         </a:defRPr>
       </a:lvl1pPr>
-      <a:lvl2pPr lvl="1" marR="0" rtl="0" algn="l">
+      <a:lvl2pPr marR="0" lvl="1" algn="l" rtl="0">
         <a:lnSpc>
           <a:spcPct val="100000"/>
         </a:lnSpc>
@@ -5693,7 +5648,7 @@
           <a:srgbClr val="000000"/>
         </a:buClr>
         <a:buFont typeface="Arial"/>
-        <a:defRPr b="0" i="0" sz="1400" u="none" cap="none" strike="noStrike">
+        <a:defRPr sz="1400" b="0" i="0" u="none" strike="noStrike" cap="none">
           <a:solidFill>
             <a:srgbClr val="000000"/>
           </a:solidFill>
@@ -5703,7 +5658,7 @@
           <a:sym typeface="Arial"/>
         </a:defRPr>
       </a:lvl2pPr>
-      <a:lvl3pPr lvl="2" marR="0" rtl="0" algn="l">
+      <a:lvl3pPr marR="0" lvl="2" algn="l" rtl="0">
         <a:lnSpc>
           <a:spcPct val="100000"/>
         </a:lnSpc>
@@ -5717,7 +5672,7 @@
           <a:srgbClr val="000000"/>
         </a:buClr>
         <a:buFont typeface="Arial"/>
-        <a:defRPr b="0" i="0" sz="1400" u="none" cap="none" strike="noStrike">
+        <a:defRPr sz="1400" b="0" i="0" u="none" strike="noStrike" cap="none">
           <a:solidFill>
             <a:srgbClr val="000000"/>
           </a:solidFill>
@@ -5727,7 +5682,7 @@
           <a:sym typeface="Arial"/>
         </a:defRPr>
       </a:lvl3pPr>
-      <a:lvl4pPr lvl="3" marR="0" rtl="0" algn="l">
+      <a:lvl4pPr marR="0" lvl="3" algn="l" rtl="0">
         <a:lnSpc>
           <a:spcPct val="100000"/>
         </a:lnSpc>
@@ -5741,7 +5696,7 @@
           <a:srgbClr val="000000"/>
         </a:buClr>
         <a:buFont typeface="Arial"/>
-        <a:defRPr b="0" i="0" sz="1400" u="none" cap="none" strike="noStrike">
+        <a:defRPr sz="1400" b="0" i="0" u="none" strike="noStrike" cap="none">
           <a:solidFill>
             <a:srgbClr val="000000"/>
           </a:solidFill>
@@ -5751,7 +5706,7 @@
           <a:sym typeface="Arial"/>
         </a:defRPr>
       </a:lvl4pPr>
-      <a:lvl5pPr lvl="4" marR="0" rtl="0" algn="l">
+      <a:lvl5pPr marR="0" lvl="4" algn="l" rtl="0">
         <a:lnSpc>
           <a:spcPct val="100000"/>
         </a:lnSpc>
@@ -5765,7 +5720,7 @@
           <a:srgbClr val="000000"/>
         </a:buClr>
         <a:buFont typeface="Arial"/>
-        <a:defRPr b="0" i="0" sz="1400" u="none" cap="none" strike="noStrike">
+        <a:defRPr sz="1400" b="0" i="0" u="none" strike="noStrike" cap="none">
           <a:solidFill>
             <a:srgbClr val="000000"/>
           </a:solidFill>
@@ -5775,7 +5730,7 @@
           <a:sym typeface="Arial"/>
         </a:defRPr>
       </a:lvl5pPr>
-      <a:lvl6pPr lvl="5" marR="0" rtl="0" algn="l">
+      <a:lvl6pPr marR="0" lvl="5" algn="l" rtl="0">
         <a:lnSpc>
           <a:spcPct val="100000"/>
         </a:lnSpc>
@@ -5789,7 +5744,7 @@
           <a:srgbClr val="000000"/>
         </a:buClr>
         <a:buFont typeface="Arial"/>
-        <a:defRPr b="0" i="0" sz="1400" u="none" cap="none" strike="noStrike">
+        <a:defRPr sz="1400" b="0" i="0" u="none" strike="noStrike" cap="none">
           <a:solidFill>
             <a:srgbClr val="000000"/>
           </a:solidFill>
@@ -5799,7 +5754,7 @@
           <a:sym typeface="Arial"/>
         </a:defRPr>
       </a:lvl6pPr>
-      <a:lvl7pPr lvl="6" marR="0" rtl="0" algn="l">
+      <a:lvl7pPr marR="0" lvl="6" algn="l" rtl="0">
         <a:lnSpc>
           <a:spcPct val="100000"/>
         </a:lnSpc>
@@ -5813,7 +5768,7 @@
           <a:srgbClr val="000000"/>
         </a:buClr>
         <a:buFont typeface="Arial"/>
-        <a:defRPr b="0" i="0" sz="1400" u="none" cap="none" strike="noStrike">
+        <a:defRPr sz="1400" b="0" i="0" u="none" strike="noStrike" cap="none">
           <a:solidFill>
             <a:srgbClr val="000000"/>
           </a:solidFill>
@@ -5823,7 +5778,7 @@
           <a:sym typeface="Arial"/>
         </a:defRPr>
       </a:lvl7pPr>
-      <a:lvl8pPr lvl="7" marR="0" rtl="0" algn="l">
+      <a:lvl8pPr marR="0" lvl="7" algn="l" rtl="0">
         <a:lnSpc>
           <a:spcPct val="100000"/>
         </a:lnSpc>
@@ -5837,7 +5792,7 @@
           <a:srgbClr val="000000"/>
         </a:buClr>
         <a:buFont typeface="Arial"/>
-        <a:defRPr b="0" i="0" sz="1400" u="none" cap="none" strike="noStrike">
+        <a:defRPr sz="1400" b="0" i="0" u="none" strike="noStrike" cap="none">
           <a:solidFill>
             <a:srgbClr val="000000"/>
           </a:solidFill>
@@ -5847,7 +5802,7 @@
           <a:sym typeface="Arial"/>
         </a:defRPr>
       </a:lvl8pPr>
-      <a:lvl9pPr lvl="8" marR="0" rtl="0" algn="l">
+      <a:lvl9pPr marR="0" lvl="8" algn="l" rtl="0">
         <a:lnSpc>
           <a:spcPct val="100000"/>
         </a:lnSpc>
@@ -5861,7 +5816,7 @@
           <a:srgbClr val="000000"/>
         </a:buClr>
         <a:buFont typeface="Arial"/>
-        <a:defRPr b="0" i="0" sz="1400" u="none" cap="none" strike="noStrike">
+        <a:defRPr sz="1400" b="0" i="0" u="none" strike="noStrike" cap="none">
           <a:solidFill>
             <a:srgbClr val="000000"/>
           </a:solidFill>
@@ -5873,7 +5828,7 @@
       </a:lvl9pPr>
     </p:titleStyle>
     <p:bodyStyle>
-      <a:defPPr lvl="0" marR="0" rtl="0" algn="l">
+      <a:defPPr marR="0" lvl="0" algn="l" rtl="0">
         <a:lnSpc>
           <a:spcPct val="100000"/>
         </a:lnSpc>
@@ -5884,7 +5839,7 @@
           <a:spcPts val="0"/>
         </a:spcAft>
       </a:defPPr>
-      <a:lvl1pPr lvl="0" marR="0" rtl="0" algn="l">
+      <a:lvl1pPr marR="0" lvl="0" algn="l" rtl="0">
         <a:lnSpc>
           <a:spcPct val="100000"/>
         </a:lnSpc>
@@ -5898,7 +5853,7 @@
           <a:srgbClr val="000000"/>
         </a:buClr>
         <a:buFont typeface="Arial"/>
-        <a:defRPr b="0" i="0" sz="1400" u="none" cap="none" strike="noStrike">
+        <a:defRPr sz="1400" b="0" i="0" u="none" strike="noStrike" cap="none">
           <a:solidFill>
             <a:srgbClr val="000000"/>
           </a:solidFill>
@@ -5908,7 +5863,7 @@
           <a:sym typeface="Arial"/>
         </a:defRPr>
       </a:lvl1pPr>
-      <a:lvl2pPr lvl="1" marR="0" rtl="0" algn="l">
+      <a:lvl2pPr marR="0" lvl="1" algn="l" rtl="0">
         <a:lnSpc>
           <a:spcPct val="100000"/>
         </a:lnSpc>
@@ -5922,7 +5877,7 @@
           <a:srgbClr val="000000"/>
         </a:buClr>
         <a:buFont typeface="Arial"/>
-        <a:defRPr b="0" i="0" sz="1400" u="none" cap="none" strike="noStrike">
+        <a:defRPr sz="1400" b="0" i="0" u="none" strike="noStrike" cap="none">
           <a:solidFill>
             <a:srgbClr val="000000"/>
           </a:solidFill>
@@ -5932,7 +5887,7 @@
           <a:sym typeface="Arial"/>
         </a:defRPr>
       </a:lvl2pPr>
-      <a:lvl3pPr lvl="2" marR="0" rtl="0" algn="l">
+      <a:lvl3pPr marR="0" lvl="2" algn="l" rtl="0">
         <a:lnSpc>
           <a:spcPct val="100000"/>
         </a:lnSpc>
@@ -5946,7 +5901,7 @@
           <a:srgbClr val="000000"/>
         </a:buClr>
         <a:buFont typeface="Arial"/>
-        <a:defRPr b="0" i="0" sz="1400" u="none" cap="none" strike="noStrike">
+        <a:defRPr sz="1400" b="0" i="0" u="none" strike="noStrike" cap="none">
           <a:solidFill>
             <a:srgbClr val="000000"/>
           </a:solidFill>
@@ -5956,7 +5911,7 @@
           <a:sym typeface="Arial"/>
         </a:defRPr>
       </a:lvl3pPr>
-      <a:lvl4pPr lvl="3" marR="0" rtl="0" algn="l">
+      <a:lvl4pPr marR="0" lvl="3" algn="l" rtl="0">
         <a:lnSpc>
           <a:spcPct val="100000"/>
         </a:lnSpc>
@@ -5970,7 +5925,7 @@
           <a:srgbClr val="000000"/>
         </a:buClr>
         <a:buFont typeface="Arial"/>
-        <a:defRPr b="0" i="0" sz="1400" u="none" cap="none" strike="noStrike">
+        <a:defRPr sz="1400" b="0" i="0" u="none" strike="noStrike" cap="none">
           <a:solidFill>
             <a:srgbClr val="000000"/>
           </a:solidFill>
@@ -5980,7 +5935,7 @@
           <a:sym typeface="Arial"/>
         </a:defRPr>
       </a:lvl4pPr>
-      <a:lvl5pPr lvl="4" marR="0" rtl="0" algn="l">
+      <a:lvl5pPr marR="0" lvl="4" algn="l" rtl="0">
         <a:lnSpc>
           <a:spcPct val="100000"/>
         </a:lnSpc>
@@ -5994,7 +5949,7 @@
           <a:srgbClr val="000000"/>
         </a:buClr>
         <a:buFont typeface="Arial"/>
-        <a:defRPr b="0" i="0" sz="1400" u="none" cap="none" strike="noStrike">
+        <a:defRPr sz="1400" b="0" i="0" u="none" strike="noStrike" cap="none">
           <a:solidFill>
             <a:srgbClr val="000000"/>
           </a:solidFill>
@@ -6004,7 +5959,7 @@
           <a:sym typeface="Arial"/>
         </a:defRPr>
       </a:lvl5pPr>
-      <a:lvl6pPr lvl="5" marR="0" rtl="0" algn="l">
+      <a:lvl6pPr marR="0" lvl="5" algn="l" rtl="0">
         <a:lnSpc>
           <a:spcPct val="100000"/>
         </a:lnSpc>
@@ -6018,7 +5973,7 @@
           <a:srgbClr val="000000"/>
         </a:buClr>
         <a:buFont typeface="Arial"/>
-        <a:defRPr b="0" i="0" sz="1400" u="none" cap="none" strike="noStrike">
+        <a:defRPr sz="1400" b="0" i="0" u="none" strike="noStrike" cap="none">
           <a:solidFill>
             <a:srgbClr val="000000"/>
           </a:solidFill>
@@ -6028,7 +5983,7 @@
           <a:sym typeface="Arial"/>
         </a:defRPr>
       </a:lvl6pPr>
-      <a:lvl7pPr lvl="6" marR="0" rtl="0" algn="l">
+      <a:lvl7pPr marR="0" lvl="6" algn="l" rtl="0">
         <a:lnSpc>
           <a:spcPct val="100000"/>
         </a:lnSpc>
@@ -6042,7 +5997,7 @@
           <a:srgbClr val="000000"/>
         </a:buClr>
         <a:buFont typeface="Arial"/>
-        <a:defRPr b="0" i="0" sz="1400" u="none" cap="none" strike="noStrike">
+        <a:defRPr sz="1400" b="0" i="0" u="none" strike="noStrike" cap="none">
           <a:solidFill>
             <a:srgbClr val="000000"/>
           </a:solidFill>
@@ -6052,7 +6007,7 @@
           <a:sym typeface="Arial"/>
         </a:defRPr>
       </a:lvl7pPr>
-      <a:lvl8pPr lvl="7" marR="0" rtl="0" algn="l">
+      <a:lvl8pPr marR="0" lvl="7" algn="l" rtl="0">
         <a:lnSpc>
           <a:spcPct val="100000"/>
         </a:lnSpc>
@@ -6066,7 +6021,7 @@
           <a:srgbClr val="000000"/>
         </a:buClr>
         <a:buFont typeface="Arial"/>
-        <a:defRPr b="0" i="0" sz="1400" u="none" cap="none" strike="noStrike">
+        <a:defRPr sz="1400" b="0" i="0" u="none" strike="noStrike" cap="none">
           <a:solidFill>
             <a:srgbClr val="000000"/>
           </a:solidFill>
@@ -6076,7 +6031,7 @@
           <a:sym typeface="Arial"/>
         </a:defRPr>
       </a:lvl8pPr>
-      <a:lvl9pPr lvl="8" marR="0" rtl="0" algn="l">
+      <a:lvl9pPr marR="0" lvl="8" algn="l" rtl="0">
         <a:lnSpc>
           <a:spcPct val="100000"/>
         </a:lnSpc>
@@ -6090,7 +6045,7 @@
           <a:srgbClr val="000000"/>
         </a:buClr>
         <a:buFont typeface="Arial"/>
-        <a:defRPr b="0" i="0" sz="1400" u="none" cap="none" strike="noStrike">
+        <a:defRPr sz="1400" b="0" i="0" u="none" strike="noStrike" cap="none">
           <a:solidFill>
             <a:srgbClr val="000000"/>
           </a:solidFill>
@@ -6102,7 +6057,7 @@
       </a:lvl9pPr>
     </p:bodyStyle>
     <p:otherStyle>
-      <a:defPPr lvl="0" marR="0" rtl="0" algn="l">
+      <a:defPPr marR="0" lvl="0" algn="l" rtl="0">
         <a:lnSpc>
           <a:spcPct val="100000"/>
         </a:lnSpc>
@@ -6113,7 +6068,7 @@
           <a:spcPts val="0"/>
         </a:spcAft>
       </a:defPPr>
-      <a:lvl1pPr lvl="0" marR="0" rtl="0" algn="l">
+      <a:lvl1pPr marR="0" lvl="0" algn="l" rtl="0">
         <a:lnSpc>
           <a:spcPct val="100000"/>
         </a:lnSpc>
@@ -6127,7 +6082,7 @@
           <a:srgbClr val="000000"/>
         </a:buClr>
         <a:buFont typeface="Arial"/>
-        <a:defRPr b="0" i="0" sz="1400" u="none" cap="none" strike="noStrike">
+        <a:defRPr sz="1400" b="0" i="0" u="none" strike="noStrike" cap="none">
           <a:solidFill>
             <a:srgbClr val="000000"/>
           </a:solidFill>
@@ -6137,7 +6092,7 @@
           <a:sym typeface="Arial"/>
         </a:defRPr>
       </a:lvl1pPr>
-      <a:lvl2pPr lvl="1" marR="0" rtl="0" algn="l">
+      <a:lvl2pPr marR="0" lvl="1" algn="l" rtl="0">
         <a:lnSpc>
           <a:spcPct val="100000"/>
         </a:lnSpc>
@@ -6151,7 +6106,7 @@
           <a:srgbClr val="000000"/>
         </a:buClr>
         <a:buFont typeface="Arial"/>
-        <a:defRPr b="0" i="0" sz="1400" u="none" cap="none" strike="noStrike">
+        <a:defRPr sz="1400" b="0" i="0" u="none" strike="noStrike" cap="none">
           <a:solidFill>
             <a:srgbClr val="000000"/>
           </a:solidFill>
@@ -6161,7 +6116,7 @@
           <a:sym typeface="Arial"/>
         </a:defRPr>
       </a:lvl2pPr>
-      <a:lvl3pPr lvl="2" marR="0" rtl="0" algn="l">
+      <a:lvl3pPr marR="0" lvl="2" algn="l" rtl="0">
         <a:lnSpc>
           <a:spcPct val="100000"/>
         </a:lnSpc>
@@ -6175,7 +6130,7 @@
           <a:srgbClr val="000000"/>
         </a:buClr>
         <a:buFont typeface="Arial"/>
-        <a:defRPr b="0" i="0" sz="1400" u="none" cap="none" strike="noStrike">
+        <a:defRPr sz="1400" b="0" i="0" u="none" strike="noStrike" cap="none">
           <a:solidFill>
             <a:srgbClr val="000000"/>
           </a:solidFill>
@@ -6185,7 +6140,7 @@
           <a:sym typeface="Arial"/>
         </a:defRPr>
       </a:lvl3pPr>
-      <a:lvl4pPr lvl="3" marR="0" rtl="0" algn="l">
+      <a:lvl4pPr marR="0" lvl="3" algn="l" rtl="0">
         <a:lnSpc>
           <a:spcPct val="100000"/>
         </a:lnSpc>
@@ -6199,7 +6154,7 @@
           <a:srgbClr val="000000"/>
         </a:buClr>
         <a:buFont typeface="Arial"/>
-        <a:defRPr b="0" i="0" sz="1400" u="none" cap="none" strike="noStrike">
+        <a:defRPr sz="1400" b="0" i="0" u="none" strike="noStrike" cap="none">
           <a:solidFill>
             <a:srgbClr val="000000"/>
           </a:solidFill>
@@ -6209,7 +6164,7 @@
           <a:sym typeface="Arial"/>
         </a:defRPr>
       </a:lvl4pPr>
-      <a:lvl5pPr lvl="4" marR="0" rtl="0" algn="l">
+      <a:lvl5pPr marR="0" lvl="4" algn="l" rtl="0">
         <a:lnSpc>
           <a:spcPct val="100000"/>
         </a:lnSpc>
@@ -6223,7 +6178,7 @@
           <a:srgbClr val="000000"/>
         </a:buClr>
         <a:buFont typeface="Arial"/>
-        <a:defRPr b="0" i="0" sz="1400" u="none" cap="none" strike="noStrike">
+        <a:defRPr sz="1400" b="0" i="0" u="none" strike="noStrike" cap="none">
           <a:solidFill>
             <a:srgbClr val="000000"/>
           </a:solidFill>
@@ -6233,7 +6188,7 @@
           <a:sym typeface="Arial"/>
         </a:defRPr>
       </a:lvl5pPr>
-      <a:lvl6pPr lvl="5" marR="0" rtl="0" algn="l">
+      <a:lvl6pPr marR="0" lvl="5" algn="l" rtl="0">
         <a:lnSpc>
           <a:spcPct val="100000"/>
         </a:lnSpc>
@@ -6247,7 +6202,7 @@
           <a:srgbClr val="000000"/>
         </a:buClr>
         <a:buFont typeface="Arial"/>
-        <a:defRPr b="0" i="0" sz="1400" u="none" cap="none" strike="noStrike">
+        <a:defRPr sz="1400" b="0" i="0" u="none" strike="noStrike" cap="none">
           <a:solidFill>
             <a:srgbClr val="000000"/>
           </a:solidFill>
@@ -6257,7 +6212,7 @@
           <a:sym typeface="Arial"/>
         </a:defRPr>
       </a:lvl6pPr>
-      <a:lvl7pPr lvl="6" marR="0" rtl="0" algn="l">
+      <a:lvl7pPr marR="0" lvl="6" algn="l" rtl="0">
         <a:lnSpc>
           <a:spcPct val="100000"/>
         </a:lnSpc>
@@ -6271,7 +6226,7 @@
           <a:srgbClr val="000000"/>
         </a:buClr>
         <a:buFont typeface="Arial"/>
-        <a:defRPr b="0" i="0" sz="1400" u="none" cap="none" strike="noStrike">
+        <a:defRPr sz="1400" b="0" i="0" u="none" strike="noStrike" cap="none">
           <a:solidFill>
             <a:srgbClr val="000000"/>
           </a:solidFill>
@@ -6281,7 +6236,7 @@
           <a:sym typeface="Arial"/>
         </a:defRPr>
       </a:lvl7pPr>
-      <a:lvl8pPr lvl="7" marR="0" rtl="0" algn="l">
+      <a:lvl8pPr marR="0" lvl="7" algn="l" rtl="0">
         <a:lnSpc>
           <a:spcPct val="100000"/>
         </a:lnSpc>
@@ -6295,7 +6250,7 @@
           <a:srgbClr val="000000"/>
         </a:buClr>
         <a:buFont typeface="Arial"/>
-        <a:defRPr b="0" i="0" sz="1400" u="none" cap="none" strike="noStrike">
+        <a:defRPr sz="1400" b="0" i="0" u="none" strike="noStrike" cap="none">
           <a:solidFill>
             <a:srgbClr val="000000"/>
           </a:solidFill>
@@ -6305,7 +6260,7 @@
           <a:sym typeface="Arial"/>
         </a:defRPr>
       </a:lvl8pPr>
-      <a:lvl9pPr lvl="8" marR="0" rtl="0" algn="l">
+      <a:lvl9pPr marR="0" lvl="8" algn="l" rtl="0">
         <a:lnSpc>
           <a:spcPct val="100000"/>
         </a:lnSpc>
@@ -6319,7 +6274,7 @@
           <a:srgbClr val="000000"/>
         </a:buClr>
         <a:buFont typeface="Arial"/>
-        <a:defRPr b="0" i="0" sz="1400" u="none" cap="none" strike="noStrike">
+        <a:defRPr sz="1400" b="0" i="0" u="none" strike="noStrike" cap="none">
           <a:solidFill>
             <a:srgbClr val="000000"/>
           </a:solidFill>
@@ -6335,7 +6290,7 @@
 </file>
 
 <file path=ppt/slides/slide1.xml><?xml version="1.0" encoding="utf-8"?>
-<p:sld xmlns:a="http://schemas.openxmlformats.org/drawingml/2006/main" xmlns:r="http://schemas.openxmlformats.org/officeDocument/2006/relationships" xmlns:mc="http://schemas.openxmlformats.org/markup-compatibility/2006" xmlns:mv="urn:schemas-microsoft-com:mac:vml" xmlns:p="http://schemas.openxmlformats.org/presentationml/2006/main" xmlns:c="http://schemas.openxmlformats.org/drawingml/2006/chart" xmlns:dgm="http://schemas.openxmlformats.org/drawingml/2006/diagram" xmlns:o="urn:schemas-microsoft-com:office:office" xmlns:v="urn:schemas-microsoft-com:vml" xmlns:pvml="urn:schemas-microsoft-com:office:powerpoint" xmlns:com="http://schemas.openxmlformats.org/drawingml/2006/compatibility" xmlns:p14="http://schemas.microsoft.com/office/powerpoint/2010/main" xmlns:p15="http://schemas.microsoft.com/office/powerpoint/2012/main" xmlns:ahyp="http://schemas.microsoft.com/office/drawing/2018/hyperlinkcolor">
+<p:sld xmlns:a="http://schemas.openxmlformats.org/drawingml/2006/main" xmlns:r="http://schemas.openxmlformats.org/officeDocument/2006/relationships" xmlns:p="http://schemas.openxmlformats.org/presentationml/2006/main">
   <p:cSld>
     <p:bg>
       <p:bgPr>
@@ -6347,11 +6302,12 @@
             <a:fillRect/>
           </a:stretch>
         </a:blipFill>
+        <a:effectLst/>
       </p:bgPr>
     </p:bg>
     <p:spTree>
       <p:nvGrpSpPr>
-        <p:cNvPr id="53" name="Shape 53"/>
+        <p:cNvPr id="1" name="Shape 53"/>
         <p:cNvGrpSpPr/>
         <p:nvPr/>
       </p:nvGrpSpPr>
@@ -6366,7 +6322,9 @@
       <p:sp>
         <p:nvSpPr>
           <p:cNvPr id="54" name="Google Shape;54;p13"/>
-          <p:cNvSpPr txBox="1"/>
+          <p:cNvSpPr txBox="1">
+            <a:spLocks noGrp="1"/>
+          </p:cNvSpPr>
           <p:nvPr>
             <p:ph type="ctrTitle"/>
           </p:nvPr>
@@ -6381,12 +6339,12 @@
           </a:prstGeom>
         </p:spPr>
         <p:txBody>
-          <a:bodyPr anchorCtr="0" anchor="ctr" bIns="91425" lIns="91425" spcFirstLastPara="1" rIns="91425" wrap="square" tIns="91425">
+          <a:bodyPr spcFirstLastPara="1" wrap="square" lIns="91425" tIns="91425" rIns="91425" bIns="91425" anchor="ctr" anchorCtr="0">
             <a:normAutofit fontScale="90000"/>
           </a:bodyPr>
           <a:lstStyle/>
           <a:p>
-            <a:pPr indent="0" lvl="0" marL="0" rtl="0" algn="l">
+            <a:pPr marL="0" lvl="0" indent="0" algn="l" rtl="0">
               <a:spcBef>
                 <a:spcPts val="0"/>
               </a:spcBef>
@@ -6415,7 +6373,7 @@
             </a:endParaRPr>
           </a:p>
           <a:p>
-            <a:pPr indent="0" lvl="0" marL="0" rtl="0" algn="l">
+            <a:pPr marL="0" lvl="0" indent="0" algn="l" rtl="0">
               <a:spcBef>
                 <a:spcPts val="0"/>
               </a:spcBef>
@@ -6448,8 +6406,182 @@
 </p:sld>
 </file>
 
-<file path=ppt/slides/slide10.xml><?xml version="1.0" encoding="utf-8"?>
-<p:sld xmlns:a="http://schemas.openxmlformats.org/drawingml/2006/main" xmlns:r="http://schemas.openxmlformats.org/officeDocument/2006/relationships" xmlns:mc="http://schemas.openxmlformats.org/markup-compatibility/2006" xmlns:mv="urn:schemas-microsoft-com:mac:vml" xmlns:p="http://schemas.openxmlformats.org/presentationml/2006/main" xmlns:c="http://schemas.openxmlformats.org/drawingml/2006/chart" xmlns:dgm="http://schemas.openxmlformats.org/drawingml/2006/diagram" xmlns:o="urn:schemas-microsoft-com:office:office" xmlns:v="urn:schemas-microsoft-com:vml" xmlns:pvml="urn:schemas-microsoft-com:office:powerpoint" xmlns:com="http://schemas.openxmlformats.org/drawingml/2006/compatibility" xmlns:p14="http://schemas.microsoft.com/office/powerpoint/2010/main" xmlns:p15="http://schemas.microsoft.com/office/powerpoint/2012/main" xmlns:ahyp="http://schemas.microsoft.com/office/drawing/2018/hyperlinkcolor">
+<file path=ppt/slides/slide2.xml><?xml version="1.0" encoding="utf-8"?>
+<p:sld xmlns:a="http://schemas.openxmlformats.org/drawingml/2006/main" xmlns:r="http://schemas.openxmlformats.org/officeDocument/2006/relationships" xmlns:p="http://schemas.openxmlformats.org/presentationml/2006/main">
+  <p:cSld>
+    <p:bg>
+      <p:bgPr>
+        <a:solidFill>
+          <a:schemeClr val="lt1"/>
+        </a:solidFill>
+        <a:effectLst/>
+      </p:bgPr>
+    </p:bg>
+    <p:spTree>
+      <p:nvGrpSpPr>
+        <p:cNvPr id="1" name="Shape 71"/>
+        <p:cNvGrpSpPr/>
+        <p:nvPr/>
+      </p:nvGrpSpPr>
+      <p:grpSpPr>
+        <a:xfrm>
+          <a:off x="0" y="0"/>
+          <a:ext cx="0" cy="0"/>
+          <a:chOff x="0" y="0"/>
+          <a:chExt cx="0" cy="0"/>
+        </a:xfrm>
+      </p:grpSpPr>
+      <p:pic>
+        <p:nvPicPr>
+          <p:cNvPr id="72" name="Google Shape;72;p16"/>
+          <p:cNvPicPr preferRelativeResize="0"/>
+          <p:nvPr/>
+        </p:nvPicPr>
+        <p:blipFill rotWithShape="1">
+          <a:blip r:embed="rId3">
+            <a:alphaModFix/>
+          </a:blip>
+          <a:srcRect l="5838" t="6889" b="77655"/>
+          <a:stretch/>
+        </p:blipFill>
+        <p:spPr>
+          <a:xfrm>
+            <a:off x="0" y="0"/>
+            <a:ext cx="9143999" cy="909225"/>
+          </a:xfrm>
+          <a:prstGeom prst="rect">
+            <a:avLst/>
+          </a:prstGeom>
+          <a:noFill/>
+          <a:ln>
+            <a:noFill/>
+          </a:ln>
+        </p:spPr>
+      </p:pic>
+      <p:pic>
+        <p:nvPicPr>
+          <p:cNvPr id="73" name="Google Shape;73;p16"/>
+          <p:cNvPicPr preferRelativeResize="0"/>
+          <p:nvPr/>
+        </p:nvPicPr>
+        <p:blipFill rotWithShape="1">
+          <a:blip r:embed="rId4">
+            <a:alphaModFix/>
+          </a:blip>
+          <a:srcRect t="10857"/>
+          <a:stretch/>
+        </p:blipFill>
+        <p:spPr>
+          <a:xfrm>
+            <a:off x="346038" y="909225"/>
+            <a:ext cx="8451928" cy="4234275"/>
+          </a:xfrm>
+          <a:prstGeom prst="rect">
+            <a:avLst/>
+          </a:prstGeom>
+          <a:noFill/>
+          <a:ln>
+            <a:noFill/>
+          </a:ln>
+        </p:spPr>
+      </p:pic>
+    </p:spTree>
+  </p:cSld>
+  <p:clrMapOvr>
+    <a:masterClrMapping/>
+  </p:clrMapOvr>
+</p:sld>
+</file>
+
+<file path=ppt/slides/slide3.xml><?xml version="1.0" encoding="utf-8"?>
+<p:sld xmlns:a="http://schemas.openxmlformats.org/drawingml/2006/main" xmlns:r="http://schemas.openxmlformats.org/officeDocument/2006/relationships" xmlns:p="http://schemas.openxmlformats.org/presentationml/2006/main">
+  <p:cSld>
+    <p:bg>
+      <p:bgPr>
+        <a:solidFill>
+          <a:schemeClr val="lt1"/>
+        </a:solidFill>
+        <a:effectLst/>
+      </p:bgPr>
+    </p:bg>
+    <p:spTree>
+      <p:nvGrpSpPr>
+        <p:cNvPr id="1" name="Shape 77"/>
+        <p:cNvGrpSpPr/>
+        <p:nvPr/>
+      </p:nvGrpSpPr>
+      <p:grpSpPr>
+        <a:xfrm>
+          <a:off x="0" y="0"/>
+          <a:ext cx="0" cy="0"/>
+          <a:chOff x="0" y="0"/>
+          <a:chExt cx="0" cy="0"/>
+        </a:xfrm>
+      </p:grpSpPr>
+      <p:pic>
+        <p:nvPicPr>
+          <p:cNvPr id="78" name="Google Shape;78;p17"/>
+          <p:cNvPicPr preferRelativeResize="0"/>
+          <p:nvPr/>
+        </p:nvPicPr>
+        <p:blipFill rotWithShape="1">
+          <a:blip r:embed="rId3">
+            <a:alphaModFix/>
+          </a:blip>
+          <a:srcRect l="5838" t="6889" b="77655"/>
+          <a:stretch/>
+        </p:blipFill>
+        <p:spPr>
+          <a:xfrm>
+            <a:off x="0" y="0"/>
+            <a:ext cx="9143999" cy="909225"/>
+          </a:xfrm>
+          <a:prstGeom prst="rect">
+            <a:avLst/>
+          </a:prstGeom>
+          <a:noFill/>
+          <a:ln>
+            <a:noFill/>
+          </a:ln>
+        </p:spPr>
+      </p:pic>
+      <p:pic>
+        <p:nvPicPr>
+          <p:cNvPr id="79" name="Google Shape;79;p17"/>
+          <p:cNvPicPr preferRelativeResize="0"/>
+          <p:nvPr/>
+        </p:nvPicPr>
+        <p:blipFill rotWithShape="1">
+          <a:blip r:embed="rId4">
+            <a:alphaModFix/>
+          </a:blip>
+          <a:srcRect t="19878" r="8592"/>
+          <a:stretch/>
+        </p:blipFill>
+        <p:spPr>
+          <a:xfrm>
+            <a:off x="233400" y="909225"/>
+            <a:ext cx="8595599" cy="4234275"/>
+          </a:xfrm>
+          <a:prstGeom prst="rect">
+            <a:avLst/>
+          </a:prstGeom>
+          <a:noFill/>
+          <a:ln>
+            <a:noFill/>
+          </a:ln>
+        </p:spPr>
+      </p:pic>
+    </p:spTree>
+  </p:cSld>
+  <p:clrMapOvr>
+    <a:masterClrMapping/>
+  </p:clrMapOvr>
+</p:sld>
+</file>
+
+<file path=ppt/slides/slide4.xml><?xml version="1.0" encoding="utf-8"?>
+<p:sld xmlns:a="http://schemas.openxmlformats.org/drawingml/2006/main" xmlns:r="http://schemas.openxmlformats.org/officeDocument/2006/relationships" xmlns:p="http://schemas.openxmlformats.org/presentationml/2006/main">
   <p:cSld>
     <p:bg>
       <p:bgPr>
@@ -6461,11 +6593,356 @@
             <a:fillRect/>
           </a:stretch>
         </a:blipFill>
+        <a:effectLst/>
       </p:bgPr>
     </p:bg>
     <p:spTree>
       <p:nvGrpSpPr>
-        <p:cNvPr id="106" name="Shape 106"/>
+        <p:cNvPr id="1" name="Shape 83"/>
+        <p:cNvGrpSpPr/>
+        <p:nvPr/>
+      </p:nvGrpSpPr>
+      <p:grpSpPr>
+        <a:xfrm>
+          <a:off x="0" y="0"/>
+          <a:ext cx="0" cy="0"/>
+          <a:chOff x="0" y="0"/>
+          <a:chExt cx="0" cy="0"/>
+        </a:xfrm>
+      </p:grpSpPr>
+      <p:pic>
+        <p:nvPicPr>
+          <p:cNvPr id="84" name="Google Shape;84;p18"/>
+          <p:cNvPicPr preferRelativeResize="0"/>
+          <p:nvPr/>
+        </p:nvPicPr>
+        <p:blipFill rotWithShape="1">
+          <a:blip r:embed="rId4">
+            <a:alphaModFix/>
+          </a:blip>
+          <a:srcRect l="5838" t="6890"/>
+          <a:stretch/>
+        </p:blipFill>
+        <p:spPr>
+          <a:xfrm>
+            <a:off x="0" y="0"/>
+            <a:ext cx="9143999" cy="5477736"/>
+          </a:xfrm>
+          <a:prstGeom prst="rect">
+            <a:avLst/>
+          </a:prstGeom>
+          <a:noFill/>
+          <a:ln>
+            <a:noFill/>
+          </a:ln>
+        </p:spPr>
+      </p:pic>
+      <p:sp>
+        <p:nvSpPr>
+          <p:cNvPr id="85" name="Google Shape;85;p18"/>
+          <p:cNvSpPr txBox="1">
+            <a:spLocks noGrp="1"/>
+          </p:cNvSpPr>
+          <p:nvPr>
+            <p:ph type="title"/>
+          </p:nvPr>
+        </p:nvSpPr>
+        <p:spPr>
+          <a:xfrm>
+            <a:off x="779625" y="1792125"/>
+            <a:ext cx="7502700" cy="1255500"/>
+          </a:xfrm>
+          <a:prstGeom prst="rect">
+            <a:avLst/>
+          </a:prstGeom>
+          <a:solidFill>
+            <a:schemeClr val="lt1"/>
+          </a:solidFill>
+        </p:spPr>
+        <p:txBody>
+          <a:bodyPr spcFirstLastPara="1" wrap="square" lIns="91425" tIns="91425" rIns="91425" bIns="91425" anchor="ctr" anchorCtr="0">
+            <a:normAutofit fontScale="90000"/>
+          </a:bodyPr>
+          <a:lstStyle/>
+          <a:p>
+            <a:pPr marL="0" lvl="0" indent="0" algn="l" rtl="0">
+              <a:spcBef>
+                <a:spcPts val="0"/>
+              </a:spcBef>
+              <a:spcAft>
+                <a:spcPts val="0"/>
+              </a:spcAft>
+              <a:buNone/>
+            </a:pPr>
+            <a:r>
+              <a:rPr lang="ru" sz="5644">
+                <a:solidFill>
+                  <a:srgbClr val="202122"/>
+                </a:solidFill>
+              </a:rPr>
+              <a:t>Группировка элементов</a:t>
+            </a:r>
+            <a:endParaRPr>
+              <a:solidFill>
+                <a:schemeClr val="lt1"/>
+              </a:solidFill>
+            </a:endParaRPr>
+          </a:p>
+        </p:txBody>
+      </p:sp>
+    </p:spTree>
+  </p:cSld>
+  <p:clrMapOvr>
+    <a:masterClrMapping/>
+  </p:clrMapOvr>
+</p:sld>
+</file>
+
+<file path=ppt/slides/slide5.xml><?xml version="1.0" encoding="utf-8"?>
+<p:sld xmlns:a="http://schemas.openxmlformats.org/drawingml/2006/main" xmlns:r="http://schemas.openxmlformats.org/officeDocument/2006/relationships" xmlns:p="http://schemas.openxmlformats.org/presentationml/2006/main">
+  <p:cSld>
+    <p:bg>
+      <p:bgPr>
+        <a:blipFill>
+          <a:blip r:embed="rId3">
+            <a:alphaModFix/>
+          </a:blip>
+          <a:stretch>
+            <a:fillRect/>
+          </a:stretch>
+        </a:blipFill>
+        <a:effectLst/>
+      </p:bgPr>
+    </p:bg>
+    <p:spTree>
+      <p:nvGrpSpPr>
+        <p:cNvPr id="1" name="Shape 89"/>
+        <p:cNvGrpSpPr/>
+        <p:nvPr/>
+      </p:nvGrpSpPr>
+      <p:grpSpPr>
+        <a:xfrm>
+          <a:off x="0" y="0"/>
+          <a:ext cx="0" cy="0"/>
+          <a:chOff x="0" y="0"/>
+          <a:chExt cx="0" cy="0"/>
+        </a:xfrm>
+      </p:grpSpPr>
+      <p:cxnSp>
+        <p:nvCxnSpPr>
+          <p:cNvPr id="90" name="Google Shape;90;p19"/>
+          <p:cNvCxnSpPr>
+            <a:stCxn id="91" idx="1"/>
+          </p:cNvCxnSpPr>
+          <p:nvPr/>
+        </p:nvCxnSpPr>
+        <p:spPr>
+          <a:xfrm flipH="1">
+            <a:off x="4161500" y="2479175"/>
+            <a:ext cx="23700" cy="2370600"/>
+          </a:xfrm>
+          <a:prstGeom prst="straightConnector1">
+            <a:avLst/>
+          </a:prstGeom>
+          <a:noFill/>
+          <a:ln w="76200" cap="flat" cmpd="sng">
+            <a:solidFill>
+              <a:schemeClr val="dk2"/>
+            </a:solidFill>
+            <a:prstDash val="solid"/>
+            <a:round/>
+            <a:headEnd type="none" w="med" len="med"/>
+            <a:tailEnd type="none" w="med" len="med"/>
+          </a:ln>
+        </p:spPr>
+      </p:cxnSp>
+      <p:pic>
+        <p:nvPicPr>
+          <p:cNvPr id="92" name="Google Shape;92;p19"/>
+          <p:cNvPicPr preferRelativeResize="0"/>
+          <p:nvPr/>
+        </p:nvPicPr>
+        <p:blipFill>
+          <a:blip r:embed="rId4">
+            <a:alphaModFix/>
+          </a:blip>
+          <a:stretch>
+            <a:fillRect/>
+          </a:stretch>
+        </p:blipFill>
+        <p:spPr>
+          <a:xfrm>
+            <a:off x="520475" y="263775"/>
+            <a:ext cx="8444151" cy="4748099"/>
+          </a:xfrm>
+          <a:prstGeom prst="rect">
+            <a:avLst/>
+          </a:prstGeom>
+          <a:noFill/>
+          <a:ln>
+            <a:noFill/>
+          </a:ln>
+        </p:spPr>
+      </p:pic>
+    </p:spTree>
+  </p:cSld>
+  <p:clrMapOvr>
+    <a:masterClrMapping/>
+  </p:clrMapOvr>
+</p:sld>
+</file>
+
+<file path=ppt/slides/slide6.xml><?xml version="1.0" encoding="utf-8"?>
+<p:sld xmlns:a="http://schemas.openxmlformats.org/drawingml/2006/main" xmlns:r="http://schemas.openxmlformats.org/officeDocument/2006/relationships" xmlns:p="http://schemas.openxmlformats.org/presentationml/2006/main">
+  <p:cSld>
+    <p:bg>
+      <p:bgPr>
+        <a:blipFill>
+          <a:blip r:embed="rId3">
+            <a:alphaModFix/>
+          </a:blip>
+          <a:stretch>
+            <a:fillRect/>
+          </a:stretch>
+        </a:blipFill>
+        <a:effectLst/>
+      </p:bgPr>
+    </p:bg>
+    <p:spTree>
+      <p:nvGrpSpPr>
+        <p:cNvPr id="1" name="Shape 96"/>
+        <p:cNvGrpSpPr/>
+        <p:nvPr/>
+      </p:nvGrpSpPr>
+      <p:grpSpPr>
+        <a:xfrm>
+          <a:off x="0" y="0"/>
+          <a:ext cx="0" cy="0"/>
+          <a:chOff x="0" y="0"/>
+          <a:chExt cx="0" cy="0"/>
+        </a:xfrm>
+      </p:grpSpPr>
+      <p:pic>
+        <p:nvPicPr>
+          <p:cNvPr id="97" name="Google Shape;97;p20"/>
+          <p:cNvPicPr preferRelativeResize="0"/>
+          <p:nvPr/>
+        </p:nvPicPr>
+        <p:blipFill>
+          <a:blip r:embed="rId4">
+            <a:alphaModFix/>
+          </a:blip>
+          <a:stretch>
+            <a:fillRect/>
+          </a:stretch>
+        </p:blipFill>
+        <p:spPr>
+          <a:xfrm>
+            <a:off x="152400" y="152400"/>
+            <a:ext cx="8605268" cy="4838700"/>
+          </a:xfrm>
+          <a:prstGeom prst="rect">
+            <a:avLst/>
+          </a:prstGeom>
+          <a:noFill/>
+          <a:ln>
+            <a:noFill/>
+          </a:ln>
+        </p:spPr>
+      </p:pic>
+    </p:spTree>
+  </p:cSld>
+  <p:clrMapOvr>
+    <a:masterClrMapping/>
+  </p:clrMapOvr>
+</p:sld>
+</file>
+
+<file path=ppt/slides/slide7.xml><?xml version="1.0" encoding="utf-8"?>
+<p:sld xmlns:a="http://schemas.openxmlformats.org/drawingml/2006/main" xmlns:r="http://schemas.openxmlformats.org/officeDocument/2006/relationships" xmlns:p="http://schemas.openxmlformats.org/presentationml/2006/main">
+  <p:cSld>
+    <p:bg>
+      <p:bgPr>
+        <a:blipFill>
+          <a:blip r:embed="rId3">
+            <a:alphaModFix/>
+          </a:blip>
+          <a:stretch>
+            <a:fillRect/>
+          </a:stretch>
+        </a:blipFill>
+        <a:effectLst/>
+      </p:bgPr>
+    </p:bg>
+    <p:spTree>
+      <p:nvGrpSpPr>
+        <p:cNvPr id="1" name="Shape 101"/>
+        <p:cNvGrpSpPr/>
+        <p:nvPr/>
+      </p:nvGrpSpPr>
+      <p:grpSpPr>
+        <a:xfrm>
+          <a:off x="0" y="0"/>
+          <a:ext cx="0" cy="0"/>
+          <a:chOff x="0" y="0"/>
+          <a:chExt cx="0" cy="0"/>
+        </a:xfrm>
+      </p:grpSpPr>
+      <p:pic>
+        <p:nvPicPr>
+          <p:cNvPr id="102" name="Google Shape;102;p21"/>
+          <p:cNvPicPr preferRelativeResize="0"/>
+          <p:nvPr/>
+        </p:nvPicPr>
+        <p:blipFill>
+          <a:blip r:embed="rId4">
+            <a:alphaModFix/>
+          </a:blip>
+          <a:stretch>
+            <a:fillRect/>
+          </a:stretch>
+        </p:blipFill>
+        <p:spPr>
+          <a:xfrm>
+            <a:off x="152400" y="152400"/>
+            <a:ext cx="8605268" cy="4838700"/>
+          </a:xfrm>
+          <a:prstGeom prst="rect">
+            <a:avLst/>
+          </a:prstGeom>
+          <a:noFill/>
+          <a:ln>
+            <a:noFill/>
+          </a:ln>
+        </p:spPr>
+      </p:pic>
+    </p:spTree>
+  </p:cSld>
+  <p:clrMapOvr>
+    <a:masterClrMapping/>
+  </p:clrMapOvr>
+</p:sld>
+</file>
+
+<file path=ppt/slides/slide8.xml><?xml version="1.0" encoding="utf-8"?>
+<p:sld xmlns:a="http://schemas.openxmlformats.org/drawingml/2006/main" xmlns:r="http://schemas.openxmlformats.org/officeDocument/2006/relationships" xmlns:p="http://schemas.openxmlformats.org/presentationml/2006/main">
+  <p:cSld>
+    <p:bg>
+      <p:bgPr>
+        <a:blipFill>
+          <a:blip r:embed="rId3">
+            <a:alphaModFix/>
+          </a:blip>
+          <a:stretch>
+            <a:fillRect/>
+          </a:stretch>
+        </a:blipFill>
+        <a:effectLst/>
+      </p:bgPr>
+    </p:bg>
+    <p:spTree>
+      <p:nvGrpSpPr>
+        <p:cNvPr id="1" name="Shape 106"/>
         <p:cNvGrpSpPr/>
         <p:nvPr/>
       </p:nvGrpSpPr>
@@ -6513,718 +6990,8 @@
 </p:sld>
 </file>
 
-<file path=ppt/slides/slide2.xml><?xml version="1.0" encoding="utf-8"?>
-<p:sld xmlns:a="http://schemas.openxmlformats.org/drawingml/2006/main" xmlns:r="http://schemas.openxmlformats.org/officeDocument/2006/relationships" xmlns:mc="http://schemas.openxmlformats.org/markup-compatibility/2006" xmlns:mv="urn:schemas-microsoft-com:mac:vml" xmlns:p="http://schemas.openxmlformats.org/presentationml/2006/main" xmlns:c="http://schemas.openxmlformats.org/drawingml/2006/chart" xmlns:dgm="http://schemas.openxmlformats.org/drawingml/2006/diagram" xmlns:o="urn:schemas-microsoft-com:office:office" xmlns:v="urn:schemas-microsoft-com:vml" xmlns:pvml="urn:schemas-microsoft-com:office:powerpoint" xmlns:com="http://schemas.openxmlformats.org/drawingml/2006/compatibility" xmlns:p14="http://schemas.microsoft.com/office/powerpoint/2010/main" xmlns:p15="http://schemas.microsoft.com/office/powerpoint/2012/main" xmlns:ahyp="http://schemas.microsoft.com/office/drawing/2018/hyperlinkcolor">
-  <p:cSld>
-    <p:bg>
-      <p:bgPr>
-        <a:solidFill>
-          <a:schemeClr val="lt1"/>
-        </a:solidFill>
-      </p:bgPr>
-    </p:bg>
-    <p:spTree>
-      <p:nvGrpSpPr>
-        <p:cNvPr id="58" name="Shape 58"/>
-        <p:cNvGrpSpPr/>
-        <p:nvPr/>
-      </p:nvGrpSpPr>
-      <p:grpSpPr>
-        <a:xfrm>
-          <a:off x="0" y="0"/>
-          <a:ext cx="0" cy="0"/>
-          <a:chOff x="0" y="0"/>
-          <a:chExt cx="0" cy="0"/>
-        </a:xfrm>
-      </p:grpSpPr>
-      <p:pic>
-        <p:nvPicPr>
-          <p:cNvPr id="59" name="Google Shape;59;p14"/>
-          <p:cNvPicPr preferRelativeResize="0"/>
-          <p:nvPr/>
-        </p:nvPicPr>
-        <p:blipFill rotWithShape="1">
-          <a:blip r:embed="rId3">
-            <a:alphaModFix/>
-          </a:blip>
-          <a:srcRect b="77655" l="5838" r="0" t="6889"/>
-          <a:stretch/>
-        </p:blipFill>
-        <p:spPr>
-          <a:xfrm>
-            <a:off x="0" y="0"/>
-            <a:ext cx="9143999" cy="909225"/>
-          </a:xfrm>
-          <a:prstGeom prst="rect">
-            <a:avLst/>
-          </a:prstGeom>
-          <a:noFill/>
-          <a:ln>
-            <a:noFill/>
-          </a:ln>
-        </p:spPr>
-      </p:pic>
-      <p:pic>
-        <p:nvPicPr>
-          <p:cNvPr id="60" name="Google Shape;60;p14"/>
-          <p:cNvPicPr preferRelativeResize="0"/>
-          <p:nvPr/>
-        </p:nvPicPr>
-        <p:blipFill rotWithShape="1">
-          <a:blip r:embed="rId4">
-            <a:alphaModFix/>
-          </a:blip>
-          <a:srcRect b="0" l="0" r="0" t="9722"/>
-          <a:stretch/>
-        </p:blipFill>
-        <p:spPr>
-          <a:xfrm>
-            <a:off x="489000" y="909225"/>
-            <a:ext cx="8341125" cy="4232250"/>
-          </a:xfrm>
-          <a:prstGeom prst="rect">
-            <a:avLst/>
-          </a:prstGeom>
-          <a:noFill/>
-          <a:ln>
-            <a:noFill/>
-          </a:ln>
-        </p:spPr>
-      </p:pic>
-    </p:spTree>
-  </p:cSld>
-  <p:clrMapOvr>
-    <a:masterClrMapping/>
-  </p:clrMapOvr>
-</p:sld>
-</file>
-
-<file path=ppt/slides/slide3.xml><?xml version="1.0" encoding="utf-8"?>
-<p:sld xmlns:a="http://schemas.openxmlformats.org/drawingml/2006/main" xmlns:r="http://schemas.openxmlformats.org/officeDocument/2006/relationships" xmlns:mc="http://schemas.openxmlformats.org/markup-compatibility/2006" xmlns:mv="urn:schemas-microsoft-com:mac:vml" xmlns:p="http://schemas.openxmlformats.org/presentationml/2006/main" xmlns:c="http://schemas.openxmlformats.org/drawingml/2006/chart" xmlns:dgm="http://schemas.openxmlformats.org/drawingml/2006/diagram" xmlns:o="urn:schemas-microsoft-com:office:office" xmlns:v="urn:schemas-microsoft-com:vml" xmlns:pvml="urn:schemas-microsoft-com:office:powerpoint" xmlns:com="http://schemas.openxmlformats.org/drawingml/2006/compatibility" xmlns:p14="http://schemas.microsoft.com/office/powerpoint/2010/main" xmlns:p15="http://schemas.microsoft.com/office/powerpoint/2012/main" xmlns:ahyp="http://schemas.microsoft.com/office/drawing/2018/hyperlinkcolor">
-  <p:cSld>
-    <p:bg>
-      <p:bgPr>
-        <a:solidFill>
-          <a:schemeClr val="lt1"/>
-        </a:solidFill>
-      </p:bgPr>
-    </p:bg>
-    <p:spTree>
-      <p:nvGrpSpPr>
-        <p:cNvPr id="64" name="Shape 64"/>
-        <p:cNvGrpSpPr/>
-        <p:nvPr/>
-      </p:nvGrpSpPr>
-      <p:grpSpPr>
-        <a:xfrm>
-          <a:off x="0" y="0"/>
-          <a:ext cx="0" cy="0"/>
-          <a:chOff x="0" y="0"/>
-          <a:chExt cx="0" cy="0"/>
-        </a:xfrm>
-      </p:grpSpPr>
-      <p:pic>
-        <p:nvPicPr>
-          <p:cNvPr id="65" name="Google Shape;65;p15"/>
-          <p:cNvPicPr preferRelativeResize="0"/>
-          <p:nvPr/>
-        </p:nvPicPr>
-        <p:blipFill rotWithShape="1">
-          <a:blip r:embed="rId3">
-            <a:alphaModFix/>
-          </a:blip>
-          <a:srcRect b="77655" l="5838" r="0" t="6889"/>
-          <a:stretch/>
-        </p:blipFill>
-        <p:spPr>
-          <a:xfrm>
-            <a:off x="0" y="0"/>
-            <a:ext cx="9143999" cy="909225"/>
-          </a:xfrm>
-          <a:prstGeom prst="rect">
-            <a:avLst/>
-          </a:prstGeom>
-          <a:noFill/>
-          <a:ln>
-            <a:noFill/>
-          </a:ln>
-        </p:spPr>
-      </p:pic>
-      <p:pic>
-        <p:nvPicPr>
-          <p:cNvPr id="66" name="Google Shape;66;p15"/>
-          <p:cNvPicPr preferRelativeResize="0"/>
-          <p:nvPr/>
-        </p:nvPicPr>
-        <p:blipFill rotWithShape="1">
-          <a:blip r:embed="rId4">
-            <a:alphaModFix/>
-          </a:blip>
-          <a:srcRect b="0" l="0" r="0" t="9329"/>
-          <a:stretch/>
-        </p:blipFill>
-        <p:spPr>
-          <a:xfrm>
-            <a:off x="0" y="909225"/>
-            <a:ext cx="6991700" cy="3562950"/>
-          </a:xfrm>
-          <a:prstGeom prst="rect">
-            <a:avLst/>
-          </a:prstGeom>
-          <a:noFill/>
-          <a:ln>
-            <a:noFill/>
-          </a:ln>
-        </p:spPr>
-      </p:pic>
-      <p:pic>
-        <p:nvPicPr>
-          <p:cNvPr id="67" name="Google Shape;67;p15"/>
-          <p:cNvPicPr preferRelativeResize="0"/>
-          <p:nvPr/>
-        </p:nvPicPr>
-        <p:blipFill>
-          <a:blip r:embed="rId5">
-            <a:alphaModFix/>
-          </a:blip>
-          <a:stretch>
-            <a:fillRect/>
-          </a:stretch>
-        </p:blipFill>
-        <p:spPr>
-          <a:xfrm>
-            <a:off x="3616088" y="2795550"/>
-            <a:ext cx="5476875" cy="2266950"/>
-          </a:xfrm>
-          <a:prstGeom prst="rect">
-            <a:avLst/>
-          </a:prstGeom>
-          <a:noFill/>
-          <a:ln>
-            <a:noFill/>
-          </a:ln>
-        </p:spPr>
-      </p:pic>
-    </p:spTree>
-  </p:cSld>
-  <p:clrMapOvr>
-    <a:masterClrMapping/>
-  </p:clrMapOvr>
-</p:sld>
-</file>
-
-<file path=ppt/slides/slide4.xml><?xml version="1.0" encoding="utf-8"?>
-<p:sld xmlns:a="http://schemas.openxmlformats.org/drawingml/2006/main" xmlns:r="http://schemas.openxmlformats.org/officeDocument/2006/relationships" xmlns:mc="http://schemas.openxmlformats.org/markup-compatibility/2006" xmlns:mv="urn:schemas-microsoft-com:mac:vml" xmlns:p="http://schemas.openxmlformats.org/presentationml/2006/main" xmlns:c="http://schemas.openxmlformats.org/drawingml/2006/chart" xmlns:dgm="http://schemas.openxmlformats.org/drawingml/2006/diagram" xmlns:o="urn:schemas-microsoft-com:office:office" xmlns:v="urn:schemas-microsoft-com:vml" xmlns:pvml="urn:schemas-microsoft-com:office:powerpoint" xmlns:com="http://schemas.openxmlformats.org/drawingml/2006/compatibility" xmlns:p14="http://schemas.microsoft.com/office/powerpoint/2010/main" xmlns:p15="http://schemas.microsoft.com/office/powerpoint/2012/main" xmlns:ahyp="http://schemas.microsoft.com/office/drawing/2018/hyperlinkcolor">
-  <p:cSld>
-    <p:bg>
-      <p:bgPr>
-        <a:solidFill>
-          <a:schemeClr val="lt1"/>
-        </a:solidFill>
-      </p:bgPr>
-    </p:bg>
-    <p:spTree>
-      <p:nvGrpSpPr>
-        <p:cNvPr id="71" name="Shape 71"/>
-        <p:cNvGrpSpPr/>
-        <p:nvPr/>
-      </p:nvGrpSpPr>
-      <p:grpSpPr>
-        <a:xfrm>
-          <a:off x="0" y="0"/>
-          <a:ext cx="0" cy="0"/>
-          <a:chOff x="0" y="0"/>
-          <a:chExt cx="0" cy="0"/>
-        </a:xfrm>
-      </p:grpSpPr>
-      <p:pic>
-        <p:nvPicPr>
-          <p:cNvPr id="72" name="Google Shape;72;p16"/>
-          <p:cNvPicPr preferRelativeResize="0"/>
-          <p:nvPr/>
-        </p:nvPicPr>
-        <p:blipFill rotWithShape="1">
-          <a:blip r:embed="rId3">
-            <a:alphaModFix/>
-          </a:blip>
-          <a:srcRect b="77655" l="5838" r="0" t="6889"/>
-          <a:stretch/>
-        </p:blipFill>
-        <p:spPr>
-          <a:xfrm>
-            <a:off x="0" y="0"/>
-            <a:ext cx="9143999" cy="909225"/>
-          </a:xfrm>
-          <a:prstGeom prst="rect">
-            <a:avLst/>
-          </a:prstGeom>
-          <a:noFill/>
-          <a:ln>
-            <a:noFill/>
-          </a:ln>
-        </p:spPr>
-      </p:pic>
-      <p:pic>
-        <p:nvPicPr>
-          <p:cNvPr id="73" name="Google Shape;73;p16"/>
-          <p:cNvPicPr preferRelativeResize="0"/>
-          <p:nvPr/>
-        </p:nvPicPr>
-        <p:blipFill rotWithShape="1">
-          <a:blip r:embed="rId4">
-            <a:alphaModFix/>
-          </a:blip>
-          <a:srcRect b="0" l="0" r="0" t="10857"/>
-          <a:stretch/>
-        </p:blipFill>
-        <p:spPr>
-          <a:xfrm>
-            <a:off x="346038" y="909225"/>
-            <a:ext cx="8451928" cy="4234275"/>
-          </a:xfrm>
-          <a:prstGeom prst="rect">
-            <a:avLst/>
-          </a:prstGeom>
-          <a:noFill/>
-          <a:ln>
-            <a:noFill/>
-          </a:ln>
-        </p:spPr>
-      </p:pic>
-    </p:spTree>
-  </p:cSld>
-  <p:clrMapOvr>
-    <a:masterClrMapping/>
-  </p:clrMapOvr>
-</p:sld>
-</file>
-
-<file path=ppt/slides/slide5.xml><?xml version="1.0" encoding="utf-8"?>
-<p:sld xmlns:a="http://schemas.openxmlformats.org/drawingml/2006/main" xmlns:r="http://schemas.openxmlformats.org/officeDocument/2006/relationships" xmlns:mc="http://schemas.openxmlformats.org/markup-compatibility/2006" xmlns:mv="urn:schemas-microsoft-com:mac:vml" xmlns:p="http://schemas.openxmlformats.org/presentationml/2006/main" xmlns:c="http://schemas.openxmlformats.org/drawingml/2006/chart" xmlns:dgm="http://schemas.openxmlformats.org/drawingml/2006/diagram" xmlns:o="urn:schemas-microsoft-com:office:office" xmlns:v="urn:schemas-microsoft-com:vml" xmlns:pvml="urn:schemas-microsoft-com:office:powerpoint" xmlns:com="http://schemas.openxmlformats.org/drawingml/2006/compatibility" xmlns:p14="http://schemas.microsoft.com/office/powerpoint/2010/main" xmlns:p15="http://schemas.microsoft.com/office/powerpoint/2012/main" xmlns:ahyp="http://schemas.microsoft.com/office/drawing/2018/hyperlinkcolor">
-  <p:cSld>
-    <p:bg>
-      <p:bgPr>
-        <a:solidFill>
-          <a:schemeClr val="lt1"/>
-        </a:solidFill>
-      </p:bgPr>
-    </p:bg>
-    <p:spTree>
-      <p:nvGrpSpPr>
-        <p:cNvPr id="77" name="Shape 77"/>
-        <p:cNvGrpSpPr/>
-        <p:nvPr/>
-      </p:nvGrpSpPr>
-      <p:grpSpPr>
-        <a:xfrm>
-          <a:off x="0" y="0"/>
-          <a:ext cx="0" cy="0"/>
-          <a:chOff x="0" y="0"/>
-          <a:chExt cx="0" cy="0"/>
-        </a:xfrm>
-      </p:grpSpPr>
-      <p:pic>
-        <p:nvPicPr>
-          <p:cNvPr id="78" name="Google Shape;78;p17"/>
-          <p:cNvPicPr preferRelativeResize="0"/>
-          <p:nvPr/>
-        </p:nvPicPr>
-        <p:blipFill rotWithShape="1">
-          <a:blip r:embed="rId3">
-            <a:alphaModFix/>
-          </a:blip>
-          <a:srcRect b="77655" l="5838" r="0" t="6889"/>
-          <a:stretch/>
-        </p:blipFill>
-        <p:spPr>
-          <a:xfrm>
-            <a:off x="0" y="0"/>
-            <a:ext cx="9143999" cy="909225"/>
-          </a:xfrm>
-          <a:prstGeom prst="rect">
-            <a:avLst/>
-          </a:prstGeom>
-          <a:noFill/>
-          <a:ln>
-            <a:noFill/>
-          </a:ln>
-        </p:spPr>
-      </p:pic>
-      <p:pic>
-        <p:nvPicPr>
-          <p:cNvPr id="79" name="Google Shape;79;p17"/>
-          <p:cNvPicPr preferRelativeResize="0"/>
-          <p:nvPr/>
-        </p:nvPicPr>
-        <p:blipFill rotWithShape="1">
-          <a:blip r:embed="rId4">
-            <a:alphaModFix/>
-          </a:blip>
-          <a:srcRect b="0" l="0" r="8592" t="19878"/>
-          <a:stretch/>
-        </p:blipFill>
-        <p:spPr>
-          <a:xfrm>
-            <a:off x="233400" y="909225"/>
-            <a:ext cx="8595599" cy="4234275"/>
-          </a:xfrm>
-          <a:prstGeom prst="rect">
-            <a:avLst/>
-          </a:prstGeom>
-          <a:noFill/>
-          <a:ln>
-            <a:noFill/>
-          </a:ln>
-        </p:spPr>
-      </p:pic>
-    </p:spTree>
-  </p:cSld>
-  <p:clrMapOvr>
-    <a:masterClrMapping/>
-  </p:clrMapOvr>
-</p:sld>
-</file>
-
-<file path=ppt/slides/slide6.xml><?xml version="1.0" encoding="utf-8"?>
-<p:sld xmlns:a="http://schemas.openxmlformats.org/drawingml/2006/main" xmlns:r="http://schemas.openxmlformats.org/officeDocument/2006/relationships" xmlns:mc="http://schemas.openxmlformats.org/markup-compatibility/2006" xmlns:mv="urn:schemas-microsoft-com:mac:vml" xmlns:p="http://schemas.openxmlformats.org/presentationml/2006/main" xmlns:c="http://schemas.openxmlformats.org/drawingml/2006/chart" xmlns:dgm="http://schemas.openxmlformats.org/drawingml/2006/diagram" xmlns:o="urn:schemas-microsoft-com:office:office" xmlns:v="urn:schemas-microsoft-com:vml" xmlns:pvml="urn:schemas-microsoft-com:office:powerpoint" xmlns:com="http://schemas.openxmlformats.org/drawingml/2006/compatibility" xmlns:p14="http://schemas.microsoft.com/office/powerpoint/2010/main" xmlns:p15="http://schemas.microsoft.com/office/powerpoint/2012/main" xmlns:ahyp="http://schemas.microsoft.com/office/drawing/2018/hyperlinkcolor">
-  <p:cSld>
-    <p:bg>
-      <p:bgPr>
-        <a:blipFill>
-          <a:blip r:embed="rId3">
-            <a:alphaModFix/>
-          </a:blip>
-          <a:stretch>
-            <a:fillRect/>
-          </a:stretch>
-        </a:blipFill>
-      </p:bgPr>
-    </p:bg>
-    <p:spTree>
-      <p:nvGrpSpPr>
-        <p:cNvPr id="83" name="Shape 83"/>
-        <p:cNvGrpSpPr/>
-        <p:nvPr/>
-      </p:nvGrpSpPr>
-      <p:grpSpPr>
-        <a:xfrm>
-          <a:off x="0" y="0"/>
-          <a:ext cx="0" cy="0"/>
-          <a:chOff x="0" y="0"/>
-          <a:chExt cx="0" cy="0"/>
-        </a:xfrm>
-      </p:grpSpPr>
-      <p:pic>
-        <p:nvPicPr>
-          <p:cNvPr id="84" name="Google Shape;84;p18"/>
-          <p:cNvPicPr preferRelativeResize="0"/>
-          <p:nvPr/>
-        </p:nvPicPr>
-        <p:blipFill rotWithShape="1">
-          <a:blip r:embed="rId4">
-            <a:alphaModFix/>
-          </a:blip>
-          <a:srcRect b="0" l="5838" r="0" t="6890"/>
-          <a:stretch/>
-        </p:blipFill>
-        <p:spPr>
-          <a:xfrm>
-            <a:off x="0" y="0"/>
-            <a:ext cx="9143999" cy="5477736"/>
-          </a:xfrm>
-          <a:prstGeom prst="rect">
-            <a:avLst/>
-          </a:prstGeom>
-          <a:noFill/>
-          <a:ln>
-            <a:noFill/>
-          </a:ln>
-        </p:spPr>
-      </p:pic>
-      <p:sp>
-        <p:nvSpPr>
-          <p:cNvPr id="85" name="Google Shape;85;p18"/>
-          <p:cNvSpPr txBox="1"/>
-          <p:nvPr>
-            <p:ph type="title"/>
-          </p:nvPr>
-        </p:nvSpPr>
-        <p:spPr>
-          <a:xfrm>
-            <a:off x="779625" y="1792125"/>
-            <a:ext cx="7502700" cy="1255500"/>
-          </a:xfrm>
-          <a:prstGeom prst="rect">
-            <a:avLst/>
-          </a:prstGeom>
-          <a:solidFill>
-            <a:schemeClr val="lt1"/>
-          </a:solidFill>
-        </p:spPr>
-        <p:txBody>
-          <a:bodyPr anchorCtr="0" anchor="ctr" bIns="91425" lIns="91425" spcFirstLastPara="1" rIns="91425" wrap="square" tIns="91425">
-            <a:normAutofit fontScale="90000"/>
-          </a:bodyPr>
-          <a:lstStyle/>
-          <a:p>
-            <a:pPr indent="0" lvl="0" marL="0" rtl="0" algn="l">
-              <a:spcBef>
-                <a:spcPts val="0"/>
-              </a:spcBef>
-              <a:spcAft>
-                <a:spcPts val="0"/>
-              </a:spcAft>
-              <a:buNone/>
-            </a:pPr>
-            <a:r>
-              <a:rPr lang="ru" sz="5644">
-                <a:solidFill>
-                  <a:srgbClr val="202122"/>
-                </a:solidFill>
-              </a:rPr>
-              <a:t>Группировка элементов</a:t>
-            </a:r>
-            <a:endParaRPr>
-              <a:solidFill>
-                <a:schemeClr val="lt1"/>
-              </a:solidFill>
-            </a:endParaRPr>
-          </a:p>
-        </p:txBody>
-      </p:sp>
-    </p:spTree>
-  </p:cSld>
-  <p:clrMapOvr>
-    <a:masterClrMapping/>
-  </p:clrMapOvr>
-</p:sld>
-</file>
-
-<file path=ppt/slides/slide7.xml><?xml version="1.0" encoding="utf-8"?>
-<p:sld xmlns:a="http://schemas.openxmlformats.org/drawingml/2006/main" xmlns:r="http://schemas.openxmlformats.org/officeDocument/2006/relationships" xmlns:mc="http://schemas.openxmlformats.org/markup-compatibility/2006" xmlns:mv="urn:schemas-microsoft-com:mac:vml" xmlns:p="http://schemas.openxmlformats.org/presentationml/2006/main" xmlns:c="http://schemas.openxmlformats.org/drawingml/2006/chart" xmlns:dgm="http://schemas.openxmlformats.org/drawingml/2006/diagram" xmlns:o="urn:schemas-microsoft-com:office:office" xmlns:v="urn:schemas-microsoft-com:vml" xmlns:pvml="urn:schemas-microsoft-com:office:powerpoint" xmlns:com="http://schemas.openxmlformats.org/drawingml/2006/compatibility" xmlns:p14="http://schemas.microsoft.com/office/powerpoint/2010/main" xmlns:p15="http://schemas.microsoft.com/office/powerpoint/2012/main" xmlns:ahyp="http://schemas.microsoft.com/office/drawing/2018/hyperlinkcolor">
-  <p:cSld>
-    <p:bg>
-      <p:bgPr>
-        <a:blipFill>
-          <a:blip r:embed="rId3">
-            <a:alphaModFix/>
-          </a:blip>
-          <a:stretch>
-            <a:fillRect/>
-          </a:stretch>
-        </a:blipFill>
-      </p:bgPr>
-    </p:bg>
-    <p:spTree>
-      <p:nvGrpSpPr>
-        <p:cNvPr id="89" name="Shape 89"/>
-        <p:cNvGrpSpPr/>
-        <p:nvPr/>
-      </p:nvGrpSpPr>
-      <p:grpSpPr>
-        <a:xfrm>
-          <a:off x="0" y="0"/>
-          <a:ext cx="0" cy="0"/>
-          <a:chOff x="0" y="0"/>
-          <a:chExt cx="0" cy="0"/>
-        </a:xfrm>
-      </p:grpSpPr>
-      <p:cxnSp>
-        <p:nvCxnSpPr>
-          <p:cNvPr id="90" name="Google Shape;90;p19"/>
-          <p:cNvCxnSpPr>
-            <a:stCxn id="91" idx="1"/>
-          </p:cNvCxnSpPr>
-          <p:nvPr/>
-        </p:nvCxnSpPr>
-        <p:spPr>
-          <a:xfrm flipH="1">
-            <a:off x="4161500" y="2479175"/>
-            <a:ext cx="23700" cy="2370600"/>
-          </a:xfrm>
-          <a:prstGeom prst="straightConnector1">
-            <a:avLst/>
-          </a:prstGeom>
-          <a:noFill/>
-          <a:ln cap="flat" cmpd="sng" w="76200">
-            <a:solidFill>
-              <a:schemeClr val="dk2"/>
-            </a:solidFill>
-            <a:prstDash val="solid"/>
-            <a:round/>
-            <a:headEnd len="med" w="med" type="none"/>
-            <a:tailEnd len="med" w="med" type="none"/>
-          </a:ln>
-        </p:spPr>
-      </p:cxnSp>
-      <p:pic>
-        <p:nvPicPr>
-          <p:cNvPr id="92" name="Google Shape;92;p19"/>
-          <p:cNvPicPr preferRelativeResize="0"/>
-          <p:nvPr/>
-        </p:nvPicPr>
-        <p:blipFill>
-          <a:blip r:embed="rId4">
-            <a:alphaModFix/>
-          </a:blip>
-          <a:stretch>
-            <a:fillRect/>
-          </a:stretch>
-        </p:blipFill>
-        <p:spPr>
-          <a:xfrm>
-            <a:off x="520475" y="263775"/>
-            <a:ext cx="8444151" cy="4748099"/>
-          </a:xfrm>
-          <a:prstGeom prst="rect">
-            <a:avLst/>
-          </a:prstGeom>
-          <a:noFill/>
-          <a:ln>
-            <a:noFill/>
-          </a:ln>
-        </p:spPr>
-      </p:pic>
-    </p:spTree>
-  </p:cSld>
-  <p:clrMapOvr>
-    <a:masterClrMapping/>
-  </p:clrMapOvr>
-</p:sld>
-</file>
-
-<file path=ppt/slides/slide8.xml><?xml version="1.0" encoding="utf-8"?>
-<p:sld xmlns:a="http://schemas.openxmlformats.org/drawingml/2006/main" xmlns:r="http://schemas.openxmlformats.org/officeDocument/2006/relationships" xmlns:mc="http://schemas.openxmlformats.org/markup-compatibility/2006" xmlns:mv="urn:schemas-microsoft-com:mac:vml" xmlns:p="http://schemas.openxmlformats.org/presentationml/2006/main" xmlns:c="http://schemas.openxmlformats.org/drawingml/2006/chart" xmlns:dgm="http://schemas.openxmlformats.org/drawingml/2006/diagram" xmlns:o="urn:schemas-microsoft-com:office:office" xmlns:v="urn:schemas-microsoft-com:vml" xmlns:pvml="urn:schemas-microsoft-com:office:powerpoint" xmlns:com="http://schemas.openxmlformats.org/drawingml/2006/compatibility" xmlns:p14="http://schemas.microsoft.com/office/powerpoint/2010/main" xmlns:p15="http://schemas.microsoft.com/office/powerpoint/2012/main" xmlns:ahyp="http://schemas.microsoft.com/office/drawing/2018/hyperlinkcolor">
-  <p:cSld>
-    <p:bg>
-      <p:bgPr>
-        <a:blipFill>
-          <a:blip r:embed="rId3">
-            <a:alphaModFix/>
-          </a:blip>
-          <a:stretch>
-            <a:fillRect/>
-          </a:stretch>
-        </a:blipFill>
-      </p:bgPr>
-    </p:bg>
-    <p:spTree>
-      <p:nvGrpSpPr>
-        <p:cNvPr id="96" name="Shape 96"/>
-        <p:cNvGrpSpPr/>
-        <p:nvPr/>
-      </p:nvGrpSpPr>
-      <p:grpSpPr>
-        <a:xfrm>
-          <a:off x="0" y="0"/>
-          <a:ext cx="0" cy="0"/>
-          <a:chOff x="0" y="0"/>
-          <a:chExt cx="0" cy="0"/>
-        </a:xfrm>
-      </p:grpSpPr>
-      <p:pic>
-        <p:nvPicPr>
-          <p:cNvPr id="97" name="Google Shape;97;p20"/>
-          <p:cNvPicPr preferRelativeResize="0"/>
-          <p:nvPr/>
-        </p:nvPicPr>
-        <p:blipFill>
-          <a:blip r:embed="rId4">
-            <a:alphaModFix/>
-          </a:blip>
-          <a:stretch>
-            <a:fillRect/>
-          </a:stretch>
-        </p:blipFill>
-        <p:spPr>
-          <a:xfrm>
-            <a:off x="152400" y="152400"/>
-            <a:ext cx="8605268" cy="4838700"/>
-          </a:xfrm>
-          <a:prstGeom prst="rect">
-            <a:avLst/>
-          </a:prstGeom>
-          <a:noFill/>
-          <a:ln>
-            <a:noFill/>
-          </a:ln>
-        </p:spPr>
-      </p:pic>
-    </p:spTree>
-  </p:cSld>
-  <p:clrMapOvr>
-    <a:masterClrMapping/>
-  </p:clrMapOvr>
-</p:sld>
-</file>
-
-<file path=ppt/slides/slide9.xml><?xml version="1.0" encoding="utf-8"?>
-<p:sld xmlns:a="http://schemas.openxmlformats.org/drawingml/2006/main" xmlns:r="http://schemas.openxmlformats.org/officeDocument/2006/relationships" xmlns:mc="http://schemas.openxmlformats.org/markup-compatibility/2006" xmlns:mv="urn:schemas-microsoft-com:mac:vml" xmlns:p="http://schemas.openxmlformats.org/presentationml/2006/main" xmlns:c="http://schemas.openxmlformats.org/drawingml/2006/chart" xmlns:dgm="http://schemas.openxmlformats.org/drawingml/2006/diagram" xmlns:o="urn:schemas-microsoft-com:office:office" xmlns:v="urn:schemas-microsoft-com:vml" xmlns:pvml="urn:schemas-microsoft-com:office:powerpoint" xmlns:com="http://schemas.openxmlformats.org/drawingml/2006/compatibility" xmlns:p14="http://schemas.microsoft.com/office/powerpoint/2010/main" xmlns:p15="http://schemas.microsoft.com/office/powerpoint/2012/main" xmlns:ahyp="http://schemas.microsoft.com/office/drawing/2018/hyperlinkcolor">
-  <p:cSld>
-    <p:bg>
-      <p:bgPr>
-        <a:blipFill>
-          <a:blip r:embed="rId3">
-            <a:alphaModFix/>
-          </a:blip>
-          <a:stretch>
-            <a:fillRect/>
-          </a:stretch>
-        </a:blipFill>
-      </p:bgPr>
-    </p:bg>
-    <p:spTree>
-      <p:nvGrpSpPr>
-        <p:cNvPr id="101" name="Shape 101"/>
-        <p:cNvGrpSpPr/>
-        <p:nvPr/>
-      </p:nvGrpSpPr>
-      <p:grpSpPr>
-        <a:xfrm>
-          <a:off x="0" y="0"/>
-          <a:ext cx="0" cy="0"/>
-          <a:chOff x="0" y="0"/>
-          <a:chExt cx="0" cy="0"/>
-        </a:xfrm>
-      </p:grpSpPr>
-      <p:pic>
-        <p:nvPicPr>
-          <p:cNvPr id="102" name="Google Shape;102;p21"/>
-          <p:cNvPicPr preferRelativeResize="0"/>
-          <p:nvPr/>
-        </p:nvPicPr>
-        <p:blipFill>
-          <a:blip r:embed="rId4">
-            <a:alphaModFix/>
-          </a:blip>
-          <a:stretch>
-            <a:fillRect/>
-          </a:stretch>
-        </p:blipFill>
-        <p:spPr>
-          <a:xfrm>
-            <a:off x="152400" y="152400"/>
-            <a:ext cx="8605268" cy="4838700"/>
-          </a:xfrm>
-          <a:prstGeom prst="rect">
-            <a:avLst/>
-          </a:prstGeom>
-          <a:noFill/>
-          <a:ln>
-            <a:noFill/>
-          </a:ln>
-        </p:spPr>
-      </p:pic>
-    </p:spTree>
-  </p:cSld>
-  <p:clrMapOvr>
-    <a:masterClrMapping/>
-  </p:clrMapOvr>
-</p:sld>
-</file>
-
 <file path=ppt/theme/theme1.xml><?xml version="1.0" encoding="utf-8"?>
-<a:theme xmlns:a="http://schemas.openxmlformats.org/drawingml/2006/main" xmlns:r="http://schemas.openxmlformats.org/officeDocument/2006/relationships" name="Simple Light">
+<a:theme xmlns:a="http://schemas.openxmlformats.org/drawingml/2006/main" name="Simple Light">
   <a:themeElements>
     <a:clrScheme name="Simple Light">
       <a:dk1>
@@ -7499,11 +7266,13 @@
       </a:bgFillStyleLst>
     </a:fmtScheme>
   </a:themeElements>
+  <a:objectDefaults/>
+  <a:extraClrSchemeLst/>
 </a:theme>
 </file>
 
 <file path=ppt/theme/theme2.xml><?xml version="1.0" encoding="utf-8"?>
-<a:theme xmlns:a="http://schemas.openxmlformats.org/drawingml/2006/main" xmlns:r="http://schemas.openxmlformats.org/officeDocument/2006/relationships">
+<a:theme xmlns:a="http://schemas.openxmlformats.org/drawingml/2006/main">
   <a:themeElements>
     <a:clrScheme name="Default">
       <a:dk1>
@@ -7778,5 +7547,7 @@
       </a:bgFillStyleLst>
     </a:fmtScheme>
   </a:themeElements>
+  <a:objectDefaults/>
+  <a:extraClrSchemeLst/>
 </a:theme>
 </file>